--- a/Cozmo Presentation.pptx
+++ b/Cozmo Presentation.pptx
@@ -16,6 +16,7 @@
     <p:sldId id="261" r:id="rId11"/>
     <p:sldId id="262" r:id="rId12"/>
     <p:sldId id="263" r:id="rId13"/>
+    <p:sldId id="264" r:id="rId14"/>
   </p:sldIdLst>
   <p:sldSz cy="5143500" cx="9144000"/>
   <p:notesSz cx="6858000" cy="9144000"/>
@@ -1306,7 +1307,7 @@
       </p:grpSpPr>
       <p:sp>
         <p:nvSpPr>
-          <p:cNvPr id="86" name="Google Shape;86;gb6119afedc_1_25:notes"/>
+          <p:cNvPr id="86" name="Google Shape;86;gbad99bb065_0_0:notes"/>
           <p:cNvSpPr/>
           <p:nvPr>
             <p:ph idx="2" type="sldImg"/>
@@ -1341,7 +1342,7 @@
       </p:sp>
       <p:sp>
         <p:nvSpPr>
-          <p:cNvPr id="87" name="Google Shape;87;gb6119afedc_1_25:notes"/>
+          <p:cNvPr id="87" name="Google Shape;87;gbad99bb065_0_0:notes"/>
           <p:cNvSpPr txBox="1"/>
           <p:nvPr>
             <p:ph idx="1" type="body"/>
@@ -1391,7 +1392,7 @@
   <p:cSld>
     <p:spTree>
       <p:nvGrpSpPr>
-        <p:cNvPr id="90" name="Shape 90"/>
+        <p:cNvPr id="91" name="Shape 91"/>
         <p:cNvGrpSpPr/>
         <p:nvPr/>
       </p:nvGrpSpPr>
@@ -1405,7 +1406,7 @@
       </p:grpSpPr>
       <p:sp>
         <p:nvSpPr>
-          <p:cNvPr id="91" name="Google Shape;91;gb6119afedc_0_60:notes"/>
+          <p:cNvPr id="92" name="Google Shape;92;gb6119afedc_1_25:notes"/>
           <p:cNvSpPr/>
           <p:nvPr>
             <p:ph idx="2" type="sldImg"/>
@@ -1440,7 +1441,106 @@
       </p:sp>
       <p:sp>
         <p:nvSpPr>
-          <p:cNvPr id="92" name="Google Shape;92;gb6119afedc_0_60:notes"/>
+          <p:cNvPr id="93" name="Google Shape;93;gb6119afedc_1_25:notes"/>
+          <p:cNvSpPr txBox="1"/>
+          <p:nvPr>
+            <p:ph idx="1" type="body"/>
+          </p:nvPr>
+        </p:nvSpPr>
+        <p:spPr>
+          <a:xfrm>
+            <a:off x="685800" y="4343400"/>
+            <a:ext cx="5486400" cy="4114800"/>
+          </a:xfrm>
+          <a:prstGeom prst="rect">
+            <a:avLst/>
+          </a:prstGeom>
+        </p:spPr>
+        <p:txBody>
+          <a:bodyPr anchorCtr="0" anchor="t" bIns="91425" lIns="91425" spcFirstLastPara="1" rIns="91425" wrap="square" tIns="91425">
+            <a:noAutofit/>
+          </a:bodyPr>
+          <a:lstStyle/>
+          <a:p>
+            <a:pPr indent="0" lvl="0" marL="0" rtl="0" algn="l">
+              <a:spcBef>
+                <a:spcPts val="0"/>
+              </a:spcBef>
+              <a:spcAft>
+                <a:spcPts val="0"/>
+              </a:spcAft>
+              <a:buNone/>
+            </a:pPr>
+            <a:r>
+              <a:t/>
+            </a:r>
+            <a:endParaRPr/>
+          </a:p>
+        </p:txBody>
+      </p:sp>
+    </p:spTree>
+  </p:cSld>
+  <p:clrMapOvr>
+    <a:masterClrMapping/>
+  </p:clrMapOvr>
+</p:notes>
+</file>
+
+<file path=ppt/notesSlides/notesSlide9.xml><?xml version="1.0" encoding="utf-8"?>
+<p:notes xmlns:a="http://schemas.openxmlformats.org/drawingml/2006/main" xmlns:r="http://schemas.openxmlformats.org/officeDocument/2006/relationships" xmlns:mc="http://schemas.openxmlformats.org/markup-compatibility/2006" xmlns:mv="urn:schemas-microsoft-com:mac:vml" xmlns:p="http://schemas.openxmlformats.org/presentationml/2006/main" xmlns:c="http://schemas.openxmlformats.org/drawingml/2006/chart" xmlns:dgm="http://schemas.openxmlformats.org/drawingml/2006/diagram" xmlns:o="urn:schemas-microsoft-com:office:office" xmlns:v="urn:schemas-microsoft-com:vml" xmlns:pvml="urn:schemas-microsoft-com:office:powerpoint" xmlns:com="http://schemas.openxmlformats.org/drawingml/2006/compatibility" xmlns:p14="http://schemas.microsoft.com/office/powerpoint/2010/main" xmlns:p15="http://schemas.microsoft.com/office/powerpoint/2012/main" xmlns:ahyp="http://schemas.microsoft.com/office/drawing/2018/hyperlinkcolor" showMasterPhAnim="0" showMasterSp="0">
+  <p:cSld>
+    <p:spTree>
+      <p:nvGrpSpPr>
+        <p:cNvPr id="96" name="Shape 96"/>
+        <p:cNvGrpSpPr/>
+        <p:nvPr/>
+      </p:nvGrpSpPr>
+      <p:grpSpPr>
+        <a:xfrm>
+          <a:off x="0" y="0"/>
+          <a:ext cx="0" cy="0"/>
+          <a:chOff x="0" y="0"/>
+          <a:chExt cx="0" cy="0"/>
+        </a:xfrm>
+      </p:grpSpPr>
+      <p:sp>
+        <p:nvSpPr>
+          <p:cNvPr id="97" name="Google Shape;97;gb6119afedc_0_60:notes"/>
+          <p:cNvSpPr/>
+          <p:nvPr>
+            <p:ph idx="2" type="sldImg"/>
+          </p:nvPr>
+        </p:nvSpPr>
+        <p:spPr>
+          <a:xfrm>
+            <a:off x="381300" y="685800"/>
+            <a:ext cx="6096000" cy="3429000"/>
+          </a:xfrm>
+          <a:custGeom>
+            <a:rect b="b" l="l" r="r" t="t"/>
+            <a:pathLst>
+              <a:path extrusionOk="0" h="120000" w="120000">
+                <a:moveTo>
+                  <a:pt x="0" y="0"/>
+                </a:moveTo>
+                <a:lnTo>
+                  <a:pt x="120000" y="0"/>
+                </a:lnTo>
+                <a:lnTo>
+                  <a:pt x="120000" y="120000"/>
+                </a:lnTo>
+                <a:lnTo>
+                  <a:pt x="0" y="120000"/>
+                </a:lnTo>
+                <a:close/>
+              </a:path>
+            </a:pathLst>
+          </a:custGeom>
+        </p:spPr>
+      </p:sp>
+      <p:sp>
+        <p:nvSpPr>
+          <p:cNvPr id="98" name="Google Shape;98;gb6119afedc_0_60:notes"/>
           <p:cNvSpPr txBox="1"/>
           <p:nvPr>
             <p:ph idx="1" type="body"/>
@@ -6480,6 +6580,23 @@
             </a:r>
             <a:endParaRPr/>
           </a:p>
+          <a:p>
+            <a:pPr indent="-342900" lvl="0" marL="457200" rtl="0" algn="l">
+              <a:spcBef>
+                <a:spcPts val="0"/>
+              </a:spcBef>
+              <a:spcAft>
+                <a:spcPts val="0"/>
+              </a:spcAft>
+              <a:buSzPts val="1800"/>
+              <a:buChar char="●"/>
+            </a:pPr>
+            <a:r>
+              <a:rPr lang="en"/>
+              <a:t>Build reverse pyramid</a:t>
+            </a:r>
+            <a:endParaRPr/>
+          </a:p>
         </p:txBody>
       </p:sp>
     </p:spTree>
@@ -6918,8 +7035,8 @@
         </p:nvSpPr>
         <p:spPr>
           <a:xfrm>
-            <a:off x="4102350" y="2285400"/>
-            <a:ext cx="939300" cy="572700"/>
+            <a:off x="311700" y="445025"/>
+            <a:ext cx="8520600" cy="572700"/>
           </a:xfrm>
           <a:prstGeom prst="rect">
             <a:avLst/>
@@ -6942,17 +7059,119 @@
             </a:pPr>
             <a:r>
               <a:rPr lang="en"/>
-              <a:t>QnA</a:t>
+              <a:t>Eden</a:t>
+            </a:r>
+            <a:endParaRPr/>
+          </a:p>
+        </p:txBody>
+      </p:sp>
+      <p:sp>
+        <p:nvSpPr>
+          <p:cNvPr id="90" name="Google Shape;90;p19"/>
+          <p:cNvSpPr txBox="1"/>
+          <p:nvPr>
+            <p:ph idx="1" type="body"/>
+          </p:nvPr>
+        </p:nvSpPr>
+        <p:spPr>
+          <a:xfrm>
+            <a:off x="311700" y="1152475"/>
+            <a:ext cx="8520600" cy="3416400"/>
+          </a:xfrm>
+          <a:prstGeom prst="rect">
+            <a:avLst/>
+          </a:prstGeom>
+        </p:spPr>
+        <p:txBody>
+          <a:bodyPr anchorCtr="0" anchor="t" bIns="91425" lIns="91425" spcFirstLastPara="1" rIns="91425" wrap="square" tIns="91425">
+            <a:noAutofit/>
+          </a:bodyPr>
+          <a:lstStyle/>
+          <a:p>
+            <a:pPr indent="-342900" lvl="0" marL="457200" rtl="0" algn="l">
+              <a:spcBef>
+                <a:spcPts val="0"/>
+              </a:spcBef>
+              <a:spcAft>
+                <a:spcPts val="0"/>
+              </a:spcAft>
+              <a:buSzPts val="1800"/>
+              <a:buChar char="●"/>
+            </a:pPr>
+            <a:r>
+              <a:rPr lang="en"/>
+              <a:t>6 combinations</a:t>
             </a:r>
             <a:endParaRPr/>
           </a:p>
           <a:p>
-            <a:pPr indent="0" lvl="0" marL="0" rtl="0" algn="l">
-              <a:spcBef>
-                <a:spcPts val="0"/>
-              </a:spcBef>
-              <a:spcAft>
-                <a:spcPts val="0"/>
+            <a:pPr indent="0" lvl="0" marL="457200" rtl="0" algn="l">
+              <a:spcBef>
+                <a:spcPts val="1600"/>
+              </a:spcBef>
+              <a:spcAft>
+                <a:spcPts val="0"/>
+              </a:spcAft>
+              <a:buNone/>
+            </a:pPr>
+            <a:r>
+              <a:rPr lang="en"/>
+              <a:t>Songs played: </a:t>
+            </a:r>
+            <a:br>
+              <a:rPr lang="en"/>
+            </a:br>
+            <a:r>
+              <a:rPr lang="en"/>
+              <a:t>Ode to Joy</a:t>
+            </a:r>
+            <a:br>
+              <a:rPr lang="en"/>
+            </a:br>
+            <a:r>
+              <a:rPr lang="en"/>
+              <a:t>Twinkle Twinkle Little Star</a:t>
+            </a:r>
+            <a:br>
+              <a:rPr lang="en"/>
+            </a:br>
+            <a:r>
+              <a:rPr lang="en"/>
+              <a:t>Little Hans</a:t>
+            </a:r>
+            <a:br>
+              <a:rPr lang="en"/>
+            </a:br>
+            <a:r>
+              <a:rPr lang="en"/>
+              <a:t>Mary had a little lamb</a:t>
+            </a:r>
+            <a:br>
+              <a:rPr lang="en"/>
+            </a:br>
+            <a:r>
+              <a:rPr lang="en"/>
+              <a:t>Hot Cross Buns</a:t>
+            </a:r>
+            <a:br>
+              <a:rPr lang="en"/>
+            </a:br>
+            <a:r>
+              <a:rPr lang="en"/>
+              <a:t>Tug of War</a:t>
+            </a:r>
+            <a:br>
+              <a:rPr lang="en"/>
+            </a:br>
+            <a:endParaRPr/>
+          </a:p>
+          <a:p>
+            <a:pPr indent="0" lvl="0" marL="457200" rtl="0" algn="l">
+              <a:spcBef>
+                <a:spcPts val="1600"/>
+              </a:spcBef>
+              <a:spcAft>
+                <a:spcPts val="1600"/>
               </a:spcAft>
               <a:buNone/>
             </a:pPr>
@@ -6976,7 +7195,7 @@
   <p:cSld>
     <p:spTree>
       <p:nvGrpSpPr>
-        <p:cNvPr id="93" name="Shape 93"/>
+        <p:cNvPr id="94" name="Shape 94"/>
         <p:cNvGrpSpPr/>
         <p:nvPr/>
       </p:nvGrpSpPr>
@@ -6990,7 +7209,87 @@
       </p:grpSpPr>
       <p:sp>
         <p:nvSpPr>
-          <p:cNvPr id="94" name="Google Shape;94;p20"/>
+          <p:cNvPr id="95" name="Google Shape;95;p20"/>
+          <p:cNvSpPr txBox="1"/>
+          <p:nvPr>
+            <p:ph type="title"/>
+          </p:nvPr>
+        </p:nvSpPr>
+        <p:spPr>
+          <a:xfrm>
+            <a:off x="4102350" y="2285400"/>
+            <a:ext cx="939300" cy="572700"/>
+          </a:xfrm>
+          <a:prstGeom prst="rect">
+            <a:avLst/>
+          </a:prstGeom>
+        </p:spPr>
+        <p:txBody>
+          <a:bodyPr anchorCtr="0" anchor="t" bIns="91425" lIns="91425" spcFirstLastPara="1" rIns="91425" wrap="square" tIns="91425">
+            <a:noAutofit/>
+          </a:bodyPr>
+          <a:lstStyle/>
+          <a:p>
+            <a:pPr indent="0" lvl="0" marL="0" rtl="0" algn="l">
+              <a:spcBef>
+                <a:spcPts val="0"/>
+              </a:spcBef>
+              <a:spcAft>
+                <a:spcPts val="0"/>
+              </a:spcAft>
+              <a:buNone/>
+            </a:pPr>
+            <a:r>
+              <a:rPr lang="en"/>
+              <a:t>QnA</a:t>
+            </a:r>
+            <a:endParaRPr/>
+          </a:p>
+          <a:p>
+            <a:pPr indent="0" lvl="0" marL="0" rtl="0" algn="l">
+              <a:spcBef>
+                <a:spcPts val="0"/>
+              </a:spcBef>
+              <a:spcAft>
+                <a:spcPts val="0"/>
+              </a:spcAft>
+              <a:buNone/>
+            </a:pPr>
+            <a:r>
+              <a:t/>
+            </a:r>
+            <a:endParaRPr/>
+          </a:p>
+        </p:txBody>
+      </p:sp>
+    </p:spTree>
+  </p:cSld>
+  <p:clrMapOvr>
+    <a:masterClrMapping/>
+  </p:clrMapOvr>
+</p:sld>
+</file>
+
+<file path=ppt/slides/slide9.xml><?xml version="1.0" encoding="utf-8"?>
+<p:sld xmlns:a="http://schemas.openxmlformats.org/drawingml/2006/main" xmlns:r="http://schemas.openxmlformats.org/officeDocument/2006/relationships" xmlns:mc="http://schemas.openxmlformats.org/markup-compatibility/2006" xmlns:mv="urn:schemas-microsoft-com:mac:vml" xmlns:p="http://schemas.openxmlformats.org/presentationml/2006/main" xmlns:c="http://schemas.openxmlformats.org/drawingml/2006/chart" xmlns:dgm="http://schemas.openxmlformats.org/drawingml/2006/diagram" xmlns:o="urn:schemas-microsoft-com:office:office" xmlns:v="urn:schemas-microsoft-com:vml" xmlns:pvml="urn:schemas-microsoft-com:office:powerpoint" xmlns:com="http://schemas.openxmlformats.org/drawingml/2006/compatibility" xmlns:p14="http://schemas.microsoft.com/office/powerpoint/2010/main" xmlns:p15="http://schemas.microsoft.com/office/powerpoint/2012/main" xmlns:ahyp="http://schemas.microsoft.com/office/drawing/2018/hyperlinkcolor">
+  <p:cSld>
+    <p:spTree>
+      <p:nvGrpSpPr>
+        <p:cNvPr id="99" name="Shape 99"/>
+        <p:cNvGrpSpPr/>
+        <p:nvPr/>
+      </p:nvGrpSpPr>
+      <p:grpSpPr>
+        <a:xfrm>
+          <a:off x="0" y="0"/>
+          <a:ext cx="0" cy="0"/>
+          <a:chOff x="0" y="0"/>
+          <a:chExt cx="0" cy="0"/>
+        </a:xfrm>
+      </p:grpSpPr>
+      <p:sp>
+        <p:nvSpPr>
+          <p:cNvPr id="100" name="Google Shape;100;p21"/>
           <p:cNvSpPr txBox="1"/>
           <p:nvPr>
             <p:ph type="title"/>

--- a/Cozmo Presentation.pptx
+++ b/Cozmo Presentation.pptx
@@ -1,27 +1,27 @@
 
 <file path=ppt/presentation.xml><?xml version="1.0" encoding="utf-8"?>
-<p:presentation xmlns:a="http://schemas.openxmlformats.org/drawingml/2006/main" xmlns:r="http://schemas.openxmlformats.org/officeDocument/2006/relationships" xmlns:mc="http://schemas.openxmlformats.org/markup-compatibility/2006" xmlns:mv="urn:schemas-microsoft-com:mac:vml" xmlns:p="http://schemas.openxmlformats.org/presentationml/2006/main" xmlns:c="http://schemas.openxmlformats.org/drawingml/2006/chart" xmlns:dgm="http://schemas.openxmlformats.org/drawingml/2006/diagram" xmlns:o="urn:schemas-microsoft-com:office:office" xmlns:v="urn:schemas-microsoft-com:vml" xmlns:pvml="urn:schemas-microsoft-com:office:powerpoint" xmlns:com="http://schemas.openxmlformats.org/drawingml/2006/compatibility" xmlns:p14="http://schemas.microsoft.com/office/powerpoint/2010/main" xmlns:p15="http://schemas.microsoft.com/office/powerpoint/2012/main" xmlns:ahyp="http://schemas.microsoft.com/office/drawing/2018/hyperlinkcolor" autoCompressPictures="0" strictFirstAndLastChars="0" saveSubsetFonts="1">
+<p:presentation xmlns:a="http://schemas.openxmlformats.org/drawingml/2006/main" xmlns:r="http://schemas.openxmlformats.org/officeDocument/2006/relationships" xmlns:p="http://schemas.openxmlformats.org/presentationml/2006/main" strictFirstAndLastChars="0" saveSubsetFonts="1" autoCompressPictures="0">
   <p:sldMasterIdLst>
-    <p:sldMasterId id="2147483659" r:id="rId4"/>
+    <p:sldMasterId id="2147483659" r:id="rId1"/>
   </p:sldMasterIdLst>
   <p:notesMasterIdLst>
-    <p:notesMasterId r:id="rId5"/>
+    <p:notesMasterId r:id="rId11"/>
   </p:notesMasterIdLst>
   <p:sldIdLst>
-    <p:sldId id="256" r:id="rId6"/>
-    <p:sldId id="257" r:id="rId7"/>
-    <p:sldId id="258" r:id="rId8"/>
-    <p:sldId id="259" r:id="rId9"/>
-    <p:sldId id="260" r:id="rId10"/>
-    <p:sldId id="261" r:id="rId11"/>
-    <p:sldId id="262" r:id="rId12"/>
-    <p:sldId id="263" r:id="rId13"/>
-    <p:sldId id="264" r:id="rId14"/>
+    <p:sldId id="256" r:id="rId2"/>
+    <p:sldId id="257" r:id="rId3"/>
+    <p:sldId id="258" r:id="rId4"/>
+    <p:sldId id="259" r:id="rId5"/>
+    <p:sldId id="260" r:id="rId6"/>
+    <p:sldId id="261" r:id="rId7"/>
+    <p:sldId id="262" r:id="rId8"/>
+    <p:sldId id="263" r:id="rId9"/>
+    <p:sldId id="264" r:id="rId10"/>
   </p:sldIdLst>
-  <p:sldSz cy="5143500" cx="9144000"/>
+  <p:sldSz cx="9144000" cy="5143500" type="screen16x9"/>
   <p:notesSz cx="6858000" cy="9144000"/>
   <p:defaultTextStyle>
-    <a:defPPr lvl="0" marR="0" rtl="0" algn="l">
+    <a:defPPr marR="0" lvl="0" algn="l" rtl="0">
       <a:lnSpc>
         <a:spcPct val="100000"/>
       </a:lnSpc>
@@ -32,7 +32,7 @@
         <a:spcPts val="0"/>
       </a:spcAft>
     </a:defPPr>
-    <a:lvl1pPr lvl="0" marR="0" rtl="0" algn="l">
+    <a:lvl1pPr marR="0" lvl="0" algn="l" rtl="0">
       <a:lnSpc>
         <a:spcPct val="100000"/>
       </a:lnSpc>
@@ -46,7 +46,7 @@
         <a:srgbClr val="000000"/>
       </a:buClr>
       <a:buFont typeface="Arial"/>
-      <a:defRPr b="0" i="0" sz="1400" u="none" cap="none" strike="noStrike">
+      <a:defRPr sz="1400" b="0" i="0" u="none" strike="noStrike" cap="none">
         <a:solidFill>
           <a:srgbClr val="000000"/>
         </a:solidFill>
@@ -56,7 +56,7 @@
         <a:sym typeface="Arial"/>
       </a:defRPr>
     </a:lvl1pPr>
-    <a:lvl2pPr lvl="1" marR="0" rtl="0" algn="l">
+    <a:lvl2pPr marR="0" lvl="1" algn="l" rtl="0">
       <a:lnSpc>
         <a:spcPct val="100000"/>
       </a:lnSpc>
@@ -70,7 +70,7 @@
         <a:srgbClr val="000000"/>
       </a:buClr>
       <a:buFont typeface="Arial"/>
-      <a:defRPr b="0" i="0" sz="1400" u="none" cap="none" strike="noStrike">
+      <a:defRPr sz="1400" b="0" i="0" u="none" strike="noStrike" cap="none">
         <a:solidFill>
           <a:srgbClr val="000000"/>
         </a:solidFill>
@@ -80,7 +80,7 @@
         <a:sym typeface="Arial"/>
       </a:defRPr>
     </a:lvl2pPr>
-    <a:lvl3pPr lvl="2" marR="0" rtl="0" algn="l">
+    <a:lvl3pPr marR="0" lvl="2" algn="l" rtl="0">
       <a:lnSpc>
         <a:spcPct val="100000"/>
       </a:lnSpc>
@@ -94,7 +94,7 @@
         <a:srgbClr val="000000"/>
       </a:buClr>
       <a:buFont typeface="Arial"/>
-      <a:defRPr b="0" i="0" sz="1400" u="none" cap="none" strike="noStrike">
+      <a:defRPr sz="1400" b="0" i="0" u="none" strike="noStrike" cap="none">
         <a:solidFill>
           <a:srgbClr val="000000"/>
         </a:solidFill>
@@ -104,7 +104,7 @@
         <a:sym typeface="Arial"/>
       </a:defRPr>
     </a:lvl3pPr>
-    <a:lvl4pPr lvl="3" marR="0" rtl="0" algn="l">
+    <a:lvl4pPr marR="0" lvl="3" algn="l" rtl="0">
       <a:lnSpc>
         <a:spcPct val="100000"/>
       </a:lnSpc>
@@ -118,7 +118,7 @@
         <a:srgbClr val="000000"/>
       </a:buClr>
       <a:buFont typeface="Arial"/>
-      <a:defRPr b="0" i="0" sz="1400" u="none" cap="none" strike="noStrike">
+      <a:defRPr sz="1400" b="0" i="0" u="none" strike="noStrike" cap="none">
         <a:solidFill>
           <a:srgbClr val="000000"/>
         </a:solidFill>
@@ -128,7 +128,7 @@
         <a:sym typeface="Arial"/>
       </a:defRPr>
     </a:lvl4pPr>
-    <a:lvl5pPr lvl="4" marR="0" rtl="0" algn="l">
+    <a:lvl5pPr marR="0" lvl="4" algn="l" rtl="0">
       <a:lnSpc>
         <a:spcPct val="100000"/>
       </a:lnSpc>
@@ -142,7 +142,7 @@
         <a:srgbClr val="000000"/>
       </a:buClr>
       <a:buFont typeface="Arial"/>
-      <a:defRPr b="0" i="0" sz="1400" u="none" cap="none" strike="noStrike">
+      <a:defRPr sz="1400" b="0" i="0" u="none" strike="noStrike" cap="none">
         <a:solidFill>
           <a:srgbClr val="000000"/>
         </a:solidFill>
@@ -152,7 +152,7 @@
         <a:sym typeface="Arial"/>
       </a:defRPr>
     </a:lvl5pPr>
-    <a:lvl6pPr lvl="5" marR="0" rtl="0" algn="l">
+    <a:lvl6pPr marR="0" lvl="5" algn="l" rtl="0">
       <a:lnSpc>
         <a:spcPct val="100000"/>
       </a:lnSpc>
@@ -166,7 +166,7 @@
         <a:srgbClr val="000000"/>
       </a:buClr>
       <a:buFont typeface="Arial"/>
-      <a:defRPr b="0" i="0" sz="1400" u="none" cap="none" strike="noStrike">
+      <a:defRPr sz="1400" b="0" i="0" u="none" strike="noStrike" cap="none">
         <a:solidFill>
           <a:srgbClr val="000000"/>
         </a:solidFill>
@@ -176,7 +176,7 @@
         <a:sym typeface="Arial"/>
       </a:defRPr>
     </a:lvl6pPr>
-    <a:lvl7pPr lvl="6" marR="0" rtl="0" algn="l">
+    <a:lvl7pPr marR="0" lvl="6" algn="l" rtl="0">
       <a:lnSpc>
         <a:spcPct val="100000"/>
       </a:lnSpc>
@@ -190,7 +190,7 @@
         <a:srgbClr val="000000"/>
       </a:buClr>
       <a:buFont typeface="Arial"/>
-      <a:defRPr b="0" i="0" sz="1400" u="none" cap="none" strike="noStrike">
+      <a:defRPr sz="1400" b="0" i="0" u="none" strike="noStrike" cap="none">
         <a:solidFill>
           <a:srgbClr val="000000"/>
         </a:solidFill>
@@ -200,7 +200,7 @@
         <a:sym typeface="Arial"/>
       </a:defRPr>
     </a:lvl7pPr>
-    <a:lvl8pPr lvl="7" marR="0" rtl="0" algn="l">
+    <a:lvl8pPr marR="0" lvl="7" algn="l" rtl="0">
       <a:lnSpc>
         <a:spcPct val="100000"/>
       </a:lnSpc>
@@ -214,7 +214,7 @@
         <a:srgbClr val="000000"/>
       </a:buClr>
       <a:buFont typeface="Arial"/>
-      <a:defRPr b="0" i="0" sz="1400" u="none" cap="none" strike="noStrike">
+      <a:defRPr sz="1400" b="0" i="0" u="none" strike="noStrike" cap="none">
         <a:solidFill>
           <a:srgbClr val="000000"/>
         </a:solidFill>
@@ -224,7 +224,7 @@
         <a:sym typeface="Arial"/>
       </a:defRPr>
     </a:lvl8pPr>
-    <a:lvl9pPr lvl="8" marR="0" rtl="0" algn="l">
+    <a:lvl9pPr marR="0" lvl="8" algn="l" rtl="0">
       <a:lnSpc>
         <a:spcPct val="100000"/>
       </a:lnSpc>
@@ -238,7 +238,7 @@
         <a:srgbClr val="000000"/>
       </a:buClr>
       <a:buFont typeface="Arial"/>
-      <a:defRPr b="0" i="0" sz="1400" u="none" cap="none" strike="noStrike">
+      <a:defRPr sz="1400" b="0" i="0" u="none" strike="noStrike" cap="none">
         <a:solidFill>
           <a:srgbClr val="000000"/>
         </a:solidFill>
@@ -251,7 +251,7 @@
   </p:defaultTextStyle>
   <p:extLst>
     <p:ext uri="{EFAFB233-063F-42B5-8137-9DF3F51BA10A}">
-      <p15:sldGuideLst>
+      <p15:sldGuideLst xmlns:p15="http://schemas.microsoft.com/office/powerpoint/2012/main">
         <p15:guide id="1" orient="horz" pos="1620">
           <p15:clr>
             <a:srgbClr val="A4A3A4"/>
@@ -269,11 +269,16 @@
 </file>
 
 <file path=ppt/notesMasters/notesMaster1.xml><?xml version="1.0" encoding="utf-8"?>
-<p:notesMaster xmlns:a="http://schemas.openxmlformats.org/drawingml/2006/main" xmlns:r="http://schemas.openxmlformats.org/officeDocument/2006/relationships" xmlns:mc="http://schemas.openxmlformats.org/markup-compatibility/2006" xmlns:mv="urn:schemas-microsoft-com:mac:vml" xmlns:p="http://schemas.openxmlformats.org/presentationml/2006/main" xmlns:c="http://schemas.openxmlformats.org/drawingml/2006/chart" xmlns:dgm="http://schemas.openxmlformats.org/drawingml/2006/diagram" xmlns:o="urn:schemas-microsoft-com:office:office" xmlns:v="urn:schemas-microsoft-com:vml" xmlns:pvml="urn:schemas-microsoft-com:office:powerpoint" xmlns:com="http://schemas.openxmlformats.org/drawingml/2006/compatibility" xmlns:p14="http://schemas.microsoft.com/office/powerpoint/2010/main" xmlns:p15="http://schemas.microsoft.com/office/powerpoint/2012/main" xmlns:ahyp="http://schemas.microsoft.com/office/drawing/2018/hyperlinkcolor">
+<p:notesMaster xmlns:a="http://schemas.openxmlformats.org/drawingml/2006/main" xmlns:r="http://schemas.openxmlformats.org/officeDocument/2006/relationships" xmlns:p="http://schemas.openxmlformats.org/presentationml/2006/main">
   <p:cSld>
+    <p:bg>
+      <p:bgRef idx="1001">
+        <a:schemeClr val="bg1"/>
+      </p:bgRef>
+    </p:bg>
     <p:spTree>
       <p:nvGrpSpPr>
-        <p:cNvPr id="2" name="Shape 2"/>
+        <p:cNvPr id="1" name="Shape 2"/>
         <p:cNvGrpSpPr/>
         <p:nvPr/>
       </p:nvGrpSpPr>
@@ -288,9 +293,11 @@
       <p:sp>
         <p:nvSpPr>
           <p:cNvPr id="3" name="Google Shape;3;n"/>
-          <p:cNvSpPr/>
+          <p:cNvSpPr>
+            <a:spLocks noGrp="1" noRot="1" noChangeAspect="1"/>
+          </p:cNvSpPr>
           <p:nvPr>
-            <p:ph idx="2" type="sldImg"/>
+            <p:ph type="sldImg" idx="2"/>
           </p:nvPr>
         </p:nvSpPr>
         <p:spPr>
@@ -299,9 +306,13 @@
             <a:ext cx="6096075" cy="3429000"/>
           </a:xfrm>
           <a:custGeom>
-            <a:rect b="b" l="l" r="r" t="t"/>
+            <a:avLst/>
+            <a:gdLst/>
+            <a:ahLst/>
+            <a:cxnLst/>
+            <a:rect l="l" t="t" r="r" b="b"/>
             <a:pathLst>
-              <a:path extrusionOk="0" h="120000" w="120000">
+              <a:path w="120000" h="120000" extrusionOk="0">
                 <a:moveTo>
                   <a:pt x="0" y="0"/>
                 </a:moveTo>
@@ -319,23 +330,25 @@
             </a:pathLst>
           </a:custGeom>
           <a:noFill/>
-          <a:ln cap="flat" cmpd="sng" w="9525">
+          <a:ln w="9525" cap="flat" cmpd="sng">
             <a:solidFill>
               <a:srgbClr val="000000"/>
             </a:solidFill>
             <a:prstDash val="solid"/>
             <a:round/>
-            <a:headEnd len="sm" w="sm" type="none"/>
-            <a:tailEnd len="sm" w="sm" type="none"/>
+            <a:headEnd type="none" w="sm" len="sm"/>
+            <a:tailEnd type="none" w="sm" len="sm"/>
           </a:ln>
         </p:spPr>
       </p:sp>
       <p:sp>
         <p:nvSpPr>
           <p:cNvPr id="4" name="Google Shape;4;n"/>
-          <p:cNvSpPr txBox="1"/>
+          <p:cNvSpPr txBox="1">
+            <a:spLocks noGrp="1"/>
+          </p:cNvSpPr>
           <p:nvPr>
-            <p:ph idx="1" type="body"/>
+            <p:ph type="body" idx="1"/>
           </p:nvPr>
         </p:nvSpPr>
         <p:spPr>
@@ -352,11 +365,11 @@
           </a:ln>
         </p:spPr>
         <p:txBody>
-          <a:bodyPr anchorCtr="0" anchor="t" bIns="91425" lIns="91425" spcFirstLastPara="1" rIns="91425" wrap="square" tIns="91425">
+          <a:bodyPr spcFirstLastPara="1" wrap="square" lIns="91425" tIns="91425" rIns="91425" bIns="91425" anchor="t" anchorCtr="0">
             <a:noAutofit/>
           </a:bodyPr>
           <a:lstStyle>
-            <a:lvl1pPr indent="-298450" lvl="0" marL="457200">
+            <a:lvl1pPr marL="457200" lvl="0" indent="-298450">
               <a:spcBef>
                 <a:spcPts val="0"/>
               </a:spcBef>
@@ -367,7 +380,7 @@
               <a:buChar char="●"/>
               <a:defRPr sz="1100"/>
             </a:lvl1pPr>
-            <a:lvl2pPr indent="-298450" lvl="1" marL="914400">
+            <a:lvl2pPr marL="914400" lvl="1" indent="-298450">
               <a:spcBef>
                 <a:spcPts val="0"/>
               </a:spcBef>
@@ -378,7 +391,7 @@
               <a:buChar char="○"/>
               <a:defRPr sz="1100"/>
             </a:lvl2pPr>
-            <a:lvl3pPr indent="-298450" lvl="2" marL="1371600">
+            <a:lvl3pPr marL="1371600" lvl="2" indent="-298450">
               <a:spcBef>
                 <a:spcPts val="0"/>
               </a:spcBef>
@@ -389,7 +402,7 @@
               <a:buChar char="■"/>
               <a:defRPr sz="1100"/>
             </a:lvl3pPr>
-            <a:lvl4pPr indent="-298450" lvl="3" marL="1828800">
+            <a:lvl4pPr marL="1828800" lvl="3" indent="-298450">
               <a:spcBef>
                 <a:spcPts val="0"/>
               </a:spcBef>
@@ -400,7 +413,7 @@
               <a:buChar char="●"/>
               <a:defRPr sz="1100"/>
             </a:lvl4pPr>
-            <a:lvl5pPr indent="-298450" lvl="4" marL="2286000">
+            <a:lvl5pPr marL="2286000" lvl="4" indent="-298450">
               <a:spcBef>
                 <a:spcPts val="0"/>
               </a:spcBef>
@@ -411,7 +424,7 @@
               <a:buChar char="○"/>
               <a:defRPr sz="1100"/>
             </a:lvl5pPr>
-            <a:lvl6pPr indent="-298450" lvl="5" marL="2743200">
+            <a:lvl6pPr marL="2743200" lvl="5" indent="-298450">
               <a:spcBef>
                 <a:spcPts val="0"/>
               </a:spcBef>
@@ -422,7 +435,7 @@
               <a:buChar char="■"/>
               <a:defRPr sz="1100"/>
             </a:lvl6pPr>
-            <a:lvl7pPr indent="-298450" lvl="6" marL="3200400">
+            <a:lvl7pPr marL="3200400" lvl="6" indent="-298450">
               <a:spcBef>
                 <a:spcPts val="0"/>
               </a:spcBef>
@@ -433,7 +446,7 @@
               <a:buChar char="●"/>
               <a:defRPr sz="1100"/>
             </a:lvl7pPr>
-            <a:lvl8pPr indent="-298450" lvl="7" marL="3657600">
+            <a:lvl8pPr marL="3657600" lvl="7" indent="-298450">
               <a:spcBef>
                 <a:spcPts val="0"/>
               </a:spcBef>
@@ -444,7 +457,7 @@
               <a:buChar char="○"/>
               <a:defRPr sz="1100"/>
             </a:lvl8pPr>
-            <a:lvl9pPr indent="-298450" lvl="8" marL="4114800">
+            <a:lvl9pPr marL="4114800" lvl="8" indent="-298450">
               <a:spcBef>
                 <a:spcPts val="0"/>
               </a:spcBef>
@@ -456,14 +469,16 @@
               <a:defRPr sz="1100"/>
             </a:lvl9pPr>
           </a:lstStyle>
-          <a:p/>
+          <a:p>
+            <a:endParaRPr/>
+          </a:p>
         </p:txBody>
       </p:sp>
     </p:spTree>
   </p:cSld>
-  <p:clrMap accent1="accent1" accent2="accent2" accent3="accent3" accent4="accent4" accent5="accent5" accent6="accent6" bg1="lt1" bg2="dk2" tx1="dk1" tx2="lt2" folHlink="folHlink" hlink="hlink"/>
+  <p:clrMap bg1="lt1" tx1="dk1" bg2="dk2" tx2="lt2" accent1="accent1" accent2="accent2" accent3="accent3" accent4="accent4" accent5="accent5" accent6="accent6" hlink="hlink" folHlink="folHlink"/>
   <p:notesStyle>
-    <a:defPPr lvl="0" marR="0" rtl="0" algn="l">
+    <a:defPPr marR="0" lvl="0" algn="l" rtl="0">
       <a:lnSpc>
         <a:spcPct val="100000"/>
       </a:lnSpc>
@@ -474,7 +489,7 @@
         <a:spcPts val="0"/>
       </a:spcAft>
     </a:defPPr>
-    <a:lvl1pPr lvl="0" marR="0" rtl="0" algn="l">
+    <a:lvl1pPr marR="0" lvl="0" algn="l" rtl="0">
       <a:lnSpc>
         <a:spcPct val="100000"/>
       </a:lnSpc>
@@ -488,7 +503,7 @@
         <a:srgbClr val="000000"/>
       </a:buClr>
       <a:buFont typeface="Arial"/>
-      <a:defRPr b="0" i="0" sz="1400" u="none" cap="none" strike="noStrike">
+      <a:defRPr sz="1400" b="0" i="0" u="none" strike="noStrike" cap="none">
         <a:solidFill>
           <a:srgbClr val="000000"/>
         </a:solidFill>
@@ -498,7 +513,7 @@
         <a:sym typeface="Arial"/>
       </a:defRPr>
     </a:lvl1pPr>
-    <a:lvl2pPr lvl="1" marR="0" rtl="0" algn="l">
+    <a:lvl2pPr marR="0" lvl="1" algn="l" rtl="0">
       <a:lnSpc>
         <a:spcPct val="100000"/>
       </a:lnSpc>
@@ -512,7 +527,7 @@
         <a:srgbClr val="000000"/>
       </a:buClr>
       <a:buFont typeface="Arial"/>
-      <a:defRPr b="0" i="0" sz="1400" u="none" cap="none" strike="noStrike">
+      <a:defRPr sz="1400" b="0" i="0" u="none" strike="noStrike" cap="none">
         <a:solidFill>
           <a:srgbClr val="000000"/>
         </a:solidFill>
@@ -522,7 +537,7 @@
         <a:sym typeface="Arial"/>
       </a:defRPr>
     </a:lvl2pPr>
-    <a:lvl3pPr lvl="2" marR="0" rtl="0" algn="l">
+    <a:lvl3pPr marR="0" lvl="2" algn="l" rtl="0">
       <a:lnSpc>
         <a:spcPct val="100000"/>
       </a:lnSpc>
@@ -536,7 +551,7 @@
         <a:srgbClr val="000000"/>
       </a:buClr>
       <a:buFont typeface="Arial"/>
-      <a:defRPr b="0" i="0" sz="1400" u="none" cap="none" strike="noStrike">
+      <a:defRPr sz="1400" b="0" i="0" u="none" strike="noStrike" cap="none">
         <a:solidFill>
           <a:srgbClr val="000000"/>
         </a:solidFill>
@@ -546,7 +561,7 @@
         <a:sym typeface="Arial"/>
       </a:defRPr>
     </a:lvl3pPr>
-    <a:lvl4pPr lvl="3" marR="0" rtl="0" algn="l">
+    <a:lvl4pPr marR="0" lvl="3" algn="l" rtl="0">
       <a:lnSpc>
         <a:spcPct val="100000"/>
       </a:lnSpc>
@@ -560,7 +575,7 @@
         <a:srgbClr val="000000"/>
       </a:buClr>
       <a:buFont typeface="Arial"/>
-      <a:defRPr b="0" i="0" sz="1400" u="none" cap="none" strike="noStrike">
+      <a:defRPr sz="1400" b="0" i="0" u="none" strike="noStrike" cap="none">
         <a:solidFill>
           <a:srgbClr val="000000"/>
         </a:solidFill>
@@ -570,7 +585,7 @@
         <a:sym typeface="Arial"/>
       </a:defRPr>
     </a:lvl4pPr>
-    <a:lvl5pPr lvl="4" marR="0" rtl="0" algn="l">
+    <a:lvl5pPr marR="0" lvl="4" algn="l" rtl="0">
       <a:lnSpc>
         <a:spcPct val="100000"/>
       </a:lnSpc>
@@ -584,7 +599,7 @@
         <a:srgbClr val="000000"/>
       </a:buClr>
       <a:buFont typeface="Arial"/>
-      <a:defRPr b="0" i="0" sz="1400" u="none" cap="none" strike="noStrike">
+      <a:defRPr sz="1400" b="0" i="0" u="none" strike="noStrike" cap="none">
         <a:solidFill>
           <a:srgbClr val="000000"/>
         </a:solidFill>
@@ -594,7 +609,7 @@
         <a:sym typeface="Arial"/>
       </a:defRPr>
     </a:lvl5pPr>
-    <a:lvl6pPr lvl="5" marR="0" rtl="0" algn="l">
+    <a:lvl6pPr marR="0" lvl="5" algn="l" rtl="0">
       <a:lnSpc>
         <a:spcPct val="100000"/>
       </a:lnSpc>
@@ -608,7 +623,7 @@
         <a:srgbClr val="000000"/>
       </a:buClr>
       <a:buFont typeface="Arial"/>
-      <a:defRPr b="0" i="0" sz="1400" u="none" cap="none" strike="noStrike">
+      <a:defRPr sz="1400" b="0" i="0" u="none" strike="noStrike" cap="none">
         <a:solidFill>
           <a:srgbClr val="000000"/>
         </a:solidFill>
@@ -618,7 +633,7 @@
         <a:sym typeface="Arial"/>
       </a:defRPr>
     </a:lvl6pPr>
-    <a:lvl7pPr lvl="6" marR="0" rtl="0" algn="l">
+    <a:lvl7pPr marR="0" lvl="6" algn="l" rtl="0">
       <a:lnSpc>
         <a:spcPct val="100000"/>
       </a:lnSpc>
@@ -632,7 +647,7 @@
         <a:srgbClr val="000000"/>
       </a:buClr>
       <a:buFont typeface="Arial"/>
-      <a:defRPr b="0" i="0" sz="1400" u="none" cap="none" strike="noStrike">
+      <a:defRPr sz="1400" b="0" i="0" u="none" strike="noStrike" cap="none">
         <a:solidFill>
           <a:srgbClr val="000000"/>
         </a:solidFill>
@@ -642,7 +657,7 @@
         <a:sym typeface="Arial"/>
       </a:defRPr>
     </a:lvl7pPr>
-    <a:lvl8pPr lvl="7" marR="0" rtl="0" algn="l">
+    <a:lvl8pPr marR="0" lvl="7" algn="l" rtl="0">
       <a:lnSpc>
         <a:spcPct val="100000"/>
       </a:lnSpc>
@@ -656,7 +671,7 @@
         <a:srgbClr val="000000"/>
       </a:buClr>
       <a:buFont typeface="Arial"/>
-      <a:defRPr b="0" i="0" sz="1400" u="none" cap="none" strike="noStrike">
+      <a:defRPr sz="1400" b="0" i="0" u="none" strike="noStrike" cap="none">
         <a:solidFill>
           <a:srgbClr val="000000"/>
         </a:solidFill>
@@ -666,7 +681,7 @@
         <a:sym typeface="Arial"/>
       </a:defRPr>
     </a:lvl8pPr>
-    <a:lvl9pPr lvl="8" marR="0" rtl="0" algn="l">
+    <a:lvl9pPr marR="0" lvl="8" algn="l" rtl="0">
       <a:lnSpc>
         <a:spcPct val="100000"/>
       </a:lnSpc>
@@ -680,7 +695,7 @@
         <a:srgbClr val="000000"/>
       </a:buClr>
       <a:buFont typeface="Arial"/>
-      <a:defRPr b="0" i="0" sz="1400" u="none" cap="none" strike="noStrike">
+      <a:defRPr sz="1400" b="0" i="0" u="none" strike="noStrike" cap="none">
         <a:solidFill>
           <a:srgbClr val="000000"/>
         </a:solidFill>
@@ -695,11 +710,11 @@
 </file>
 
 <file path=ppt/notesSlides/notesSlide1.xml><?xml version="1.0" encoding="utf-8"?>
-<p:notes xmlns:a="http://schemas.openxmlformats.org/drawingml/2006/main" xmlns:r="http://schemas.openxmlformats.org/officeDocument/2006/relationships" xmlns:mc="http://schemas.openxmlformats.org/markup-compatibility/2006" xmlns:mv="urn:schemas-microsoft-com:mac:vml" xmlns:p="http://schemas.openxmlformats.org/presentationml/2006/main" xmlns:c="http://schemas.openxmlformats.org/drawingml/2006/chart" xmlns:dgm="http://schemas.openxmlformats.org/drawingml/2006/diagram" xmlns:o="urn:schemas-microsoft-com:office:office" xmlns:v="urn:schemas-microsoft-com:vml" xmlns:pvml="urn:schemas-microsoft-com:office:powerpoint" xmlns:com="http://schemas.openxmlformats.org/drawingml/2006/compatibility" xmlns:p14="http://schemas.microsoft.com/office/powerpoint/2010/main" xmlns:p15="http://schemas.microsoft.com/office/powerpoint/2012/main" xmlns:ahyp="http://schemas.microsoft.com/office/drawing/2018/hyperlinkcolor" showMasterPhAnim="0" showMasterSp="0">
+<p:notes xmlns:a="http://schemas.openxmlformats.org/drawingml/2006/main" xmlns:r="http://schemas.openxmlformats.org/officeDocument/2006/relationships" xmlns:p="http://schemas.openxmlformats.org/presentationml/2006/main" showMasterSp="0" showMasterPhAnim="0">
   <p:cSld>
     <p:spTree>
       <p:nvGrpSpPr>
-        <p:cNvPr id="50" name="Shape 50"/>
+        <p:cNvPr id="1" name="Shape 50"/>
         <p:cNvGrpSpPr/>
         <p:nvPr/>
       </p:nvGrpSpPr>
@@ -714,9 +729,11 @@
       <p:sp>
         <p:nvSpPr>
           <p:cNvPr id="51" name="Google Shape;51;p:notes"/>
-          <p:cNvSpPr/>
+          <p:cNvSpPr>
+            <a:spLocks noGrp="1" noRot="1" noChangeAspect="1"/>
+          </p:cNvSpPr>
           <p:nvPr>
-            <p:ph idx="2" type="sldImg"/>
+            <p:ph type="sldImg" idx="2"/>
           </p:nvPr>
         </p:nvSpPr>
         <p:spPr>
@@ -725,9 +742,13 @@
             <a:ext cx="6096075" cy="3429000"/>
           </a:xfrm>
           <a:custGeom>
-            <a:rect b="b" l="l" r="r" t="t"/>
+            <a:avLst/>
+            <a:gdLst/>
+            <a:ahLst/>
+            <a:cxnLst/>
+            <a:rect l="l" t="t" r="r" b="b"/>
             <a:pathLst>
-              <a:path extrusionOk="0" h="120000" w="120000">
+              <a:path w="120000" h="120000" extrusionOk="0">
                 <a:moveTo>
                   <a:pt x="0" y="0"/>
                 </a:moveTo>
@@ -749,9 +770,11 @@
       <p:sp>
         <p:nvSpPr>
           <p:cNvPr id="52" name="Google Shape;52;p:notes"/>
-          <p:cNvSpPr txBox="1"/>
+          <p:cNvSpPr txBox="1">
+            <a:spLocks noGrp="1"/>
+          </p:cNvSpPr>
           <p:nvPr>
-            <p:ph idx="1" type="body"/>
+            <p:ph type="body" idx="1"/>
           </p:nvPr>
         </p:nvSpPr>
         <p:spPr>
@@ -764,12 +787,12 @@
           </a:prstGeom>
         </p:spPr>
         <p:txBody>
-          <a:bodyPr anchorCtr="0" anchor="t" bIns="91425" lIns="91425" spcFirstLastPara="1" rIns="91425" wrap="square" tIns="91425">
+          <a:bodyPr spcFirstLastPara="1" wrap="square" lIns="91425" tIns="91425" rIns="91425" bIns="91425" anchor="t" anchorCtr="0">
             <a:noAutofit/>
           </a:bodyPr>
           <a:lstStyle/>
           <a:p>
-            <a:pPr indent="0" lvl="0" marL="0" rtl="0" algn="l">
+            <a:pPr marL="0" lvl="0" indent="0" algn="l" rtl="0">
               <a:spcBef>
                 <a:spcPts val="0"/>
               </a:spcBef>
@@ -778,9 +801,6 @@
               </a:spcAft>
               <a:buNone/>
             </a:pPr>
-            <a:r>
-              <a:t/>
-            </a:r>
             <a:endParaRPr/>
           </a:p>
         </p:txBody>
@@ -794,11 +814,11 @@
 </file>
 
 <file path=ppt/notesSlides/notesSlide2.xml><?xml version="1.0" encoding="utf-8"?>
-<p:notes xmlns:a="http://schemas.openxmlformats.org/drawingml/2006/main" xmlns:r="http://schemas.openxmlformats.org/officeDocument/2006/relationships" xmlns:mc="http://schemas.openxmlformats.org/markup-compatibility/2006" xmlns:mv="urn:schemas-microsoft-com:mac:vml" xmlns:p="http://schemas.openxmlformats.org/presentationml/2006/main" xmlns:c="http://schemas.openxmlformats.org/drawingml/2006/chart" xmlns:dgm="http://schemas.openxmlformats.org/drawingml/2006/diagram" xmlns:o="urn:schemas-microsoft-com:office:office" xmlns:v="urn:schemas-microsoft-com:vml" xmlns:pvml="urn:schemas-microsoft-com:office:powerpoint" xmlns:com="http://schemas.openxmlformats.org/drawingml/2006/compatibility" xmlns:p14="http://schemas.microsoft.com/office/powerpoint/2010/main" xmlns:p15="http://schemas.microsoft.com/office/powerpoint/2012/main" xmlns:ahyp="http://schemas.microsoft.com/office/drawing/2018/hyperlinkcolor" showMasterPhAnim="0" showMasterSp="0">
+<p:notes xmlns:a="http://schemas.openxmlformats.org/drawingml/2006/main" xmlns:r="http://schemas.openxmlformats.org/officeDocument/2006/relationships" xmlns:p="http://schemas.openxmlformats.org/presentationml/2006/main" showMasterSp="0" showMasterPhAnim="0">
   <p:cSld>
     <p:spTree>
       <p:nvGrpSpPr>
-        <p:cNvPr id="56" name="Shape 56"/>
+        <p:cNvPr id="1" name="Shape 56"/>
         <p:cNvGrpSpPr/>
         <p:nvPr/>
       </p:nvGrpSpPr>
@@ -813,9 +833,11 @@
       <p:sp>
         <p:nvSpPr>
           <p:cNvPr id="57" name="Google Shape;57;gb6119afedc_0_10:notes"/>
-          <p:cNvSpPr/>
+          <p:cNvSpPr>
+            <a:spLocks noGrp="1" noRot="1" noChangeAspect="1"/>
+          </p:cNvSpPr>
           <p:nvPr>
-            <p:ph idx="2" type="sldImg"/>
+            <p:ph type="sldImg" idx="2"/>
           </p:nvPr>
         </p:nvSpPr>
         <p:spPr>
@@ -824,9 +846,13 @@
             <a:ext cx="6096000" cy="3429000"/>
           </a:xfrm>
           <a:custGeom>
-            <a:rect b="b" l="l" r="r" t="t"/>
+            <a:avLst/>
+            <a:gdLst/>
+            <a:ahLst/>
+            <a:cxnLst/>
+            <a:rect l="l" t="t" r="r" b="b"/>
             <a:pathLst>
-              <a:path extrusionOk="0" h="120000" w="120000">
+              <a:path w="120000" h="120000" extrusionOk="0">
                 <a:moveTo>
                   <a:pt x="0" y="0"/>
                 </a:moveTo>
@@ -848,9 +874,11 @@
       <p:sp>
         <p:nvSpPr>
           <p:cNvPr id="58" name="Google Shape;58;gb6119afedc_0_10:notes"/>
-          <p:cNvSpPr txBox="1"/>
+          <p:cNvSpPr txBox="1">
+            <a:spLocks noGrp="1"/>
+          </p:cNvSpPr>
           <p:nvPr>
-            <p:ph idx="1" type="body"/>
+            <p:ph type="body" idx="1"/>
           </p:nvPr>
         </p:nvSpPr>
         <p:spPr>
@@ -863,12 +891,12 @@
           </a:prstGeom>
         </p:spPr>
         <p:txBody>
-          <a:bodyPr anchorCtr="0" anchor="t" bIns="91425" lIns="91425" spcFirstLastPara="1" rIns="91425" wrap="square" tIns="91425">
+          <a:bodyPr spcFirstLastPara="1" wrap="square" lIns="91425" tIns="91425" rIns="91425" bIns="91425" anchor="t" anchorCtr="0">
             <a:noAutofit/>
           </a:bodyPr>
           <a:lstStyle/>
           <a:p>
-            <a:pPr indent="0" lvl="0" marL="0" rtl="0" algn="l">
+            <a:pPr marL="0" lvl="0" indent="0" algn="l" rtl="0">
               <a:spcBef>
                 <a:spcPts val="0"/>
               </a:spcBef>
@@ -877,9 +905,6 @@
               </a:spcAft>
               <a:buNone/>
             </a:pPr>
-            <a:r>
-              <a:t/>
-            </a:r>
             <a:endParaRPr/>
           </a:p>
         </p:txBody>
@@ -893,11 +918,11 @@
 </file>
 
 <file path=ppt/notesSlides/notesSlide3.xml><?xml version="1.0" encoding="utf-8"?>
-<p:notes xmlns:a="http://schemas.openxmlformats.org/drawingml/2006/main" xmlns:r="http://schemas.openxmlformats.org/officeDocument/2006/relationships" xmlns:mc="http://schemas.openxmlformats.org/markup-compatibility/2006" xmlns:mv="urn:schemas-microsoft-com:mac:vml" xmlns:p="http://schemas.openxmlformats.org/presentationml/2006/main" xmlns:c="http://schemas.openxmlformats.org/drawingml/2006/chart" xmlns:dgm="http://schemas.openxmlformats.org/drawingml/2006/diagram" xmlns:o="urn:schemas-microsoft-com:office:office" xmlns:v="urn:schemas-microsoft-com:vml" xmlns:pvml="urn:schemas-microsoft-com:office:powerpoint" xmlns:com="http://schemas.openxmlformats.org/drawingml/2006/compatibility" xmlns:p14="http://schemas.microsoft.com/office/powerpoint/2010/main" xmlns:p15="http://schemas.microsoft.com/office/powerpoint/2012/main" xmlns:ahyp="http://schemas.microsoft.com/office/drawing/2018/hyperlinkcolor" showMasterPhAnim="0" showMasterSp="0">
+<p:notes xmlns:a="http://schemas.openxmlformats.org/drawingml/2006/main" xmlns:r="http://schemas.openxmlformats.org/officeDocument/2006/relationships" xmlns:p="http://schemas.openxmlformats.org/presentationml/2006/main" showMasterSp="0" showMasterPhAnim="0">
   <p:cSld>
     <p:spTree>
       <p:nvGrpSpPr>
-        <p:cNvPr id="61" name="Shape 61"/>
+        <p:cNvPr id="1" name="Shape 61"/>
         <p:cNvGrpSpPr/>
         <p:nvPr/>
       </p:nvGrpSpPr>
@@ -912,20 +937,26 @@
       <p:sp>
         <p:nvSpPr>
           <p:cNvPr id="62" name="Google Shape;62;gb6119afedc_0_0:notes"/>
-          <p:cNvSpPr/>
+          <p:cNvSpPr>
+            <a:spLocks noGrp="1" noRot="1" noChangeAspect="1"/>
+          </p:cNvSpPr>
           <p:nvPr>
-            <p:ph idx="2" type="sldImg"/>
+            <p:ph type="sldImg" idx="2"/>
           </p:nvPr>
         </p:nvSpPr>
         <p:spPr>
           <a:xfrm>
-            <a:off x="381300" y="685800"/>
+            <a:off x="381000" y="685800"/>
             <a:ext cx="6096000" cy="3429000"/>
           </a:xfrm>
           <a:custGeom>
-            <a:rect b="b" l="l" r="r" t="t"/>
+            <a:avLst/>
+            <a:gdLst/>
+            <a:ahLst/>
+            <a:cxnLst/>
+            <a:rect l="l" t="t" r="r" b="b"/>
             <a:pathLst>
-              <a:path extrusionOk="0" h="120000" w="120000">
+              <a:path w="120000" h="120000" extrusionOk="0">
                 <a:moveTo>
                   <a:pt x="0" y="0"/>
                 </a:moveTo>
@@ -947,9 +978,11 @@
       <p:sp>
         <p:nvSpPr>
           <p:cNvPr id="63" name="Google Shape;63;gb6119afedc_0_0:notes"/>
-          <p:cNvSpPr txBox="1"/>
+          <p:cNvSpPr txBox="1">
+            <a:spLocks noGrp="1"/>
+          </p:cNvSpPr>
           <p:nvPr>
-            <p:ph idx="1" type="body"/>
+            <p:ph type="body" idx="1"/>
           </p:nvPr>
         </p:nvSpPr>
         <p:spPr>
@@ -962,12 +995,12 @@
           </a:prstGeom>
         </p:spPr>
         <p:txBody>
-          <a:bodyPr anchorCtr="0" anchor="t" bIns="91425" lIns="91425" spcFirstLastPara="1" rIns="91425" wrap="square" tIns="91425">
+          <a:bodyPr spcFirstLastPara="1" wrap="square" lIns="91425" tIns="91425" rIns="91425" bIns="91425" anchor="t" anchorCtr="0">
             <a:noAutofit/>
           </a:bodyPr>
           <a:lstStyle/>
           <a:p>
-            <a:pPr indent="0" lvl="0" marL="0" rtl="0" algn="l">
+            <a:pPr marL="0" lvl="0" indent="0" algn="l" rtl="0">
               <a:spcBef>
                 <a:spcPts val="0"/>
               </a:spcBef>
@@ -976,9 +1009,6 @@
               </a:spcAft>
               <a:buNone/>
             </a:pPr>
-            <a:r>
-              <a:t/>
-            </a:r>
             <a:endParaRPr/>
           </a:p>
         </p:txBody>
@@ -992,11 +1022,11 @@
 </file>
 
 <file path=ppt/notesSlides/notesSlide4.xml><?xml version="1.0" encoding="utf-8"?>
-<p:notes xmlns:a="http://schemas.openxmlformats.org/drawingml/2006/main" xmlns:r="http://schemas.openxmlformats.org/officeDocument/2006/relationships" xmlns:mc="http://schemas.openxmlformats.org/markup-compatibility/2006" xmlns:mv="urn:schemas-microsoft-com:mac:vml" xmlns:p="http://schemas.openxmlformats.org/presentationml/2006/main" xmlns:c="http://schemas.openxmlformats.org/drawingml/2006/chart" xmlns:dgm="http://schemas.openxmlformats.org/drawingml/2006/diagram" xmlns:o="urn:schemas-microsoft-com:office:office" xmlns:v="urn:schemas-microsoft-com:vml" xmlns:pvml="urn:schemas-microsoft-com:office:powerpoint" xmlns:com="http://schemas.openxmlformats.org/drawingml/2006/compatibility" xmlns:p14="http://schemas.microsoft.com/office/powerpoint/2010/main" xmlns:p15="http://schemas.microsoft.com/office/powerpoint/2012/main" xmlns:ahyp="http://schemas.microsoft.com/office/drawing/2018/hyperlinkcolor" showMasterPhAnim="0" showMasterSp="0">
+<p:notes xmlns:a="http://schemas.openxmlformats.org/drawingml/2006/main" xmlns:r="http://schemas.openxmlformats.org/officeDocument/2006/relationships" xmlns:p="http://schemas.openxmlformats.org/presentationml/2006/main" showMasterSp="0" showMasterPhAnim="0">
   <p:cSld>
     <p:spTree>
       <p:nvGrpSpPr>
-        <p:cNvPr id="67" name="Shape 67"/>
+        <p:cNvPr id="1" name="Shape 67"/>
         <p:cNvGrpSpPr/>
         <p:nvPr/>
       </p:nvGrpSpPr>
@@ -1011,9 +1041,11 @@
       <p:sp>
         <p:nvSpPr>
           <p:cNvPr id="68" name="Google Shape;68;gb6119afedc_1_0:notes"/>
-          <p:cNvSpPr/>
+          <p:cNvSpPr>
+            <a:spLocks noGrp="1" noRot="1" noChangeAspect="1"/>
+          </p:cNvSpPr>
           <p:nvPr>
-            <p:ph idx="2" type="sldImg"/>
+            <p:ph type="sldImg" idx="2"/>
           </p:nvPr>
         </p:nvSpPr>
         <p:spPr>
@@ -1022,9 +1054,13 @@
             <a:ext cx="6096000" cy="3429000"/>
           </a:xfrm>
           <a:custGeom>
-            <a:rect b="b" l="l" r="r" t="t"/>
+            <a:avLst/>
+            <a:gdLst/>
+            <a:ahLst/>
+            <a:cxnLst/>
+            <a:rect l="l" t="t" r="r" b="b"/>
             <a:pathLst>
-              <a:path extrusionOk="0" h="120000" w="120000">
+              <a:path w="120000" h="120000" extrusionOk="0">
                 <a:moveTo>
                   <a:pt x="0" y="0"/>
                 </a:moveTo>
@@ -1046,9 +1082,11 @@
       <p:sp>
         <p:nvSpPr>
           <p:cNvPr id="69" name="Google Shape;69;gb6119afedc_1_0:notes"/>
-          <p:cNvSpPr txBox="1"/>
+          <p:cNvSpPr txBox="1">
+            <a:spLocks noGrp="1"/>
+          </p:cNvSpPr>
           <p:nvPr>
-            <p:ph idx="1" type="body"/>
+            <p:ph type="body" idx="1"/>
           </p:nvPr>
         </p:nvSpPr>
         <p:spPr>
@@ -1061,12 +1099,12 @@
           </a:prstGeom>
         </p:spPr>
         <p:txBody>
-          <a:bodyPr anchorCtr="0" anchor="t" bIns="91425" lIns="91425" spcFirstLastPara="1" rIns="91425" wrap="square" tIns="91425">
+          <a:bodyPr spcFirstLastPara="1" wrap="square" lIns="91425" tIns="91425" rIns="91425" bIns="91425" anchor="t" anchorCtr="0">
             <a:noAutofit/>
           </a:bodyPr>
           <a:lstStyle/>
           <a:p>
-            <a:pPr indent="0" lvl="0" marL="0" rtl="0" algn="l">
+            <a:pPr marL="0" lvl="0" indent="0" algn="l" rtl="0">
               <a:spcBef>
                 <a:spcPts val="0"/>
               </a:spcBef>
@@ -1075,9 +1113,6 @@
               </a:spcAft>
               <a:buNone/>
             </a:pPr>
-            <a:r>
-              <a:t/>
-            </a:r>
             <a:endParaRPr/>
           </a:p>
         </p:txBody>
@@ -1091,11 +1126,11 @@
 </file>
 
 <file path=ppt/notesSlides/notesSlide5.xml><?xml version="1.0" encoding="utf-8"?>
-<p:notes xmlns:a="http://schemas.openxmlformats.org/drawingml/2006/main" xmlns:r="http://schemas.openxmlformats.org/officeDocument/2006/relationships" xmlns:mc="http://schemas.openxmlformats.org/markup-compatibility/2006" xmlns:mv="urn:schemas-microsoft-com:mac:vml" xmlns:p="http://schemas.openxmlformats.org/presentationml/2006/main" xmlns:c="http://schemas.openxmlformats.org/drawingml/2006/chart" xmlns:dgm="http://schemas.openxmlformats.org/drawingml/2006/diagram" xmlns:o="urn:schemas-microsoft-com:office:office" xmlns:v="urn:schemas-microsoft-com:vml" xmlns:pvml="urn:schemas-microsoft-com:office:powerpoint" xmlns:com="http://schemas.openxmlformats.org/drawingml/2006/compatibility" xmlns:p14="http://schemas.microsoft.com/office/powerpoint/2010/main" xmlns:p15="http://schemas.microsoft.com/office/powerpoint/2012/main" xmlns:ahyp="http://schemas.microsoft.com/office/drawing/2018/hyperlinkcolor" showMasterPhAnim="0" showMasterSp="0">
+<p:notes xmlns:a="http://schemas.openxmlformats.org/drawingml/2006/main" xmlns:r="http://schemas.openxmlformats.org/officeDocument/2006/relationships" xmlns:p="http://schemas.openxmlformats.org/presentationml/2006/main" showMasterSp="0" showMasterPhAnim="0">
   <p:cSld>
     <p:spTree>
       <p:nvGrpSpPr>
-        <p:cNvPr id="73" name="Shape 73"/>
+        <p:cNvPr id="1" name="Shape 73"/>
         <p:cNvGrpSpPr/>
         <p:nvPr/>
       </p:nvGrpSpPr>
@@ -1110,9 +1145,11 @@
       <p:sp>
         <p:nvSpPr>
           <p:cNvPr id="74" name="Google Shape;74;gb6119afedc_1_5:notes"/>
-          <p:cNvSpPr/>
+          <p:cNvSpPr>
+            <a:spLocks noGrp="1" noRot="1" noChangeAspect="1"/>
+          </p:cNvSpPr>
           <p:nvPr>
-            <p:ph idx="2" type="sldImg"/>
+            <p:ph type="sldImg" idx="2"/>
           </p:nvPr>
         </p:nvSpPr>
         <p:spPr>
@@ -1121,9 +1158,13 @@
             <a:ext cx="6096000" cy="3429000"/>
           </a:xfrm>
           <a:custGeom>
-            <a:rect b="b" l="l" r="r" t="t"/>
+            <a:avLst/>
+            <a:gdLst/>
+            <a:ahLst/>
+            <a:cxnLst/>
+            <a:rect l="l" t="t" r="r" b="b"/>
             <a:pathLst>
-              <a:path extrusionOk="0" h="120000" w="120000">
+              <a:path w="120000" h="120000" extrusionOk="0">
                 <a:moveTo>
                   <a:pt x="0" y="0"/>
                 </a:moveTo>
@@ -1145,9 +1186,11 @@
       <p:sp>
         <p:nvSpPr>
           <p:cNvPr id="75" name="Google Shape;75;gb6119afedc_1_5:notes"/>
-          <p:cNvSpPr txBox="1"/>
+          <p:cNvSpPr txBox="1">
+            <a:spLocks noGrp="1"/>
+          </p:cNvSpPr>
           <p:nvPr>
-            <p:ph idx="1" type="body"/>
+            <p:ph type="body" idx="1"/>
           </p:nvPr>
         </p:nvSpPr>
         <p:spPr>
@@ -1160,12 +1203,12 @@
           </a:prstGeom>
         </p:spPr>
         <p:txBody>
-          <a:bodyPr anchorCtr="0" anchor="t" bIns="91425" lIns="91425" spcFirstLastPara="1" rIns="91425" wrap="square" tIns="91425">
+          <a:bodyPr spcFirstLastPara="1" wrap="square" lIns="91425" tIns="91425" rIns="91425" bIns="91425" anchor="t" anchorCtr="0">
             <a:noAutofit/>
           </a:bodyPr>
           <a:lstStyle/>
           <a:p>
-            <a:pPr indent="0" lvl="0" marL="0" rtl="0" algn="l">
+            <a:pPr marL="0" lvl="0" indent="0" algn="l" rtl="0">
               <a:spcBef>
                 <a:spcPts val="0"/>
               </a:spcBef>
@@ -1174,9 +1217,6 @@
               </a:spcAft>
               <a:buNone/>
             </a:pPr>
-            <a:r>
-              <a:t/>
-            </a:r>
             <a:endParaRPr/>
           </a:p>
         </p:txBody>
@@ -1190,11 +1230,11 @@
 </file>
 
 <file path=ppt/notesSlides/notesSlide6.xml><?xml version="1.0" encoding="utf-8"?>
-<p:notes xmlns:a="http://schemas.openxmlformats.org/drawingml/2006/main" xmlns:r="http://schemas.openxmlformats.org/officeDocument/2006/relationships" xmlns:mc="http://schemas.openxmlformats.org/markup-compatibility/2006" xmlns:mv="urn:schemas-microsoft-com:mac:vml" xmlns:p="http://schemas.openxmlformats.org/presentationml/2006/main" xmlns:c="http://schemas.openxmlformats.org/drawingml/2006/chart" xmlns:dgm="http://schemas.openxmlformats.org/drawingml/2006/diagram" xmlns:o="urn:schemas-microsoft-com:office:office" xmlns:v="urn:schemas-microsoft-com:vml" xmlns:pvml="urn:schemas-microsoft-com:office:powerpoint" xmlns:com="http://schemas.openxmlformats.org/drawingml/2006/compatibility" xmlns:p14="http://schemas.microsoft.com/office/powerpoint/2010/main" xmlns:p15="http://schemas.microsoft.com/office/powerpoint/2012/main" xmlns:ahyp="http://schemas.microsoft.com/office/drawing/2018/hyperlinkcolor" showMasterPhAnim="0" showMasterSp="0">
+<p:notes xmlns:a="http://schemas.openxmlformats.org/drawingml/2006/main" xmlns:r="http://schemas.openxmlformats.org/officeDocument/2006/relationships" xmlns:p="http://schemas.openxmlformats.org/presentationml/2006/main" showMasterSp="0" showMasterPhAnim="0">
   <p:cSld>
     <p:spTree>
       <p:nvGrpSpPr>
-        <p:cNvPr id="79" name="Shape 79"/>
+        <p:cNvPr id="1" name="Shape 79"/>
         <p:cNvGrpSpPr/>
         <p:nvPr/>
       </p:nvGrpSpPr>
@@ -1209,9 +1249,11 @@
       <p:sp>
         <p:nvSpPr>
           <p:cNvPr id="80" name="Google Shape;80;gb6119afedc_1_10:notes"/>
-          <p:cNvSpPr/>
+          <p:cNvSpPr>
+            <a:spLocks noGrp="1" noRot="1" noChangeAspect="1"/>
+          </p:cNvSpPr>
           <p:nvPr>
-            <p:ph idx="2" type="sldImg"/>
+            <p:ph type="sldImg" idx="2"/>
           </p:nvPr>
         </p:nvSpPr>
         <p:spPr>
@@ -1220,9 +1262,13 @@
             <a:ext cx="6096000" cy="3429000"/>
           </a:xfrm>
           <a:custGeom>
-            <a:rect b="b" l="l" r="r" t="t"/>
+            <a:avLst/>
+            <a:gdLst/>
+            <a:ahLst/>
+            <a:cxnLst/>
+            <a:rect l="l" t="t" r="r" b="b"/>
             <a:pathLst>
-              <a:path extrusionOk="0" h="120000" w="120000">
+              <a:path w="120000" h="120000" extrusionOk="0">
                 <a:moveTo>
                   <a:pt x="0" y="0"/>
                 </a:moveTo>
@@ -1244,9 +1290,11 @@
       <p:sp>
         <p:nvSpPr>
           <p:cNvPr id="81" name="Google Shape;81;gb6119afedc_1_10:notes"/>
-          <p:cNvSpPr txBox="1"/>
+          <p:cNvSpPr txBox="1">
+            <a:spLocks noGrp="1"/>
+          </p:cNvSpPr>
           <p:nvPr>
-            <p:ph idx="1" type="body"/>
+            <p:ph type="body" idx="1"/>
           </p:nvPr>
         </p:nvSpPr>
         <p:spPr>
@@ -1259,12 +1307,12 @@
           </a:prstGeom>
         </p:spPr>
         <p:txBody>
-          <a:bodyPr anchorCtr="0" anchor="t" bIns="91425" lIns="91425" spcFirstLastPara="1" rIns="91425" wrap="square" tIns="91425">
+          <a:bodyPr spcFirstLastPara="1" wrap="square" lIns="91425" tIns="91425" rIns="91425" bIns="91425" anchor="t" anchorCtr="0">
             <a:noAutofit/>
           </a:bodyPr>
           <a:lstStyle/>
           <a:p>
-            <a:pPr indent="0" lvl="0" marL="0" rtl="0" algn="l">
+            <a:pPr marL="0" lvl="0" indent="0" algn="l" rtl="0">
               <a:spcBef>
                 <a:spcPts val="0"/>
               </a:spcBef>
@@ -1273,9 +1321,6 @@
               </a:spcAft>
               <a:buNone/>
             </a:pPr>
-            <a:r>
-              <a:t/>
-            </a:r>
             <a:endParaRPr/>
           </a:p>
         </p:txBody>
@@ -1289,11 +1334,11 @@
 </file>
 
 <file path=ppt/notesSlides/notesSlide7.xml><?xml version="1.0" encoding="utf-8"?>
-<p:notes xmlns:a="http://schemas.openxmlformats.org/drawingml/2006/main" xmlns:r="http://schemas.openxmlformats.org/officeDocument/2006/relationships" xmlns:mc="http://schemas.openxmlformats.org/markup-compatibility/2006" xmlns:mv="urn:schemas-microsoft-com:mac:vml" xmlns:p="http://schemas.openxmlformats.org/presentationml/2006/main" xmlns:c="http://schemas.openxmlformats.org/drawingml/2006/chart" xmlns:dgm="http://schemas.openxmlformats.org/drawingml/2006/diagram" xmlns:o="urn:schemas-microsoft-com:office:office" xmlns:v="urn:schemas-microsoft-com:vml" xmlns:pvml="urn:schemas-microsoft-com:office:powerpoint" xmlns:com="http://schemas.openxmlformats.org/drawingml/2006/compatibility" xmlns:p14="http://schemas.microsoft.com/office/powerpoint/2010/main" xmlns:p15="http://schemas.microsoft.com/office/powerpoint/2012/main" xmlns:ahyp="http://schemas.microsoft.com/office/drawing/2018/hyperlinkcolor" showMasterPhAnim="0" showMasterSp="0">
+<p:notes xmlns:a="http://schemas.openxmlformats.org/drawingml/2006/main" xmlns:r="http://schemas.openxmlformats.org/officeDocument/2006/relationships" xmlns:p="http://schemas.openxmlformats.org/presentationml/2006/main" showMasterSp="0" showMasterPhAnim="0">
   <p:cSld>
     <p:spTree>
       <p:nvGrpSpPr>
-        <p:cNvPr id="85" name="Shape 85"/>
+        <p:cNvPr id="1" name="Shape 85"/>
         <p:cNvGrpSpPr/>
         <p:nvPr/>
       </p:nvGrpSpPr>
@@ -1308,9 +1353,11 @@
       <p:sp>
         <p:nvSpPr>
           <p:cNvPr id="86" name="Google Shape;86;gbad99bb065_0_0:notes"/>
-          <p:cNvSpPr/>
+          <p:cNvSpPr>
+            <a:spLocks noGrp="1" noRot="1" noChangeAspect="1"/>
+          </p:cNvSpPr>
           <p:nvPr>
-            <p:ph idx="2" type="sldImg"/>
+            <p:ph type="sldImg" idx="2"/>
           </p:nvPr>
         </p:nvSpPr>
         <p:spPr>
@@ -1319,9 +1366,13 @@
             <a:ext cx="6096000" cy="3429000"/>
           </a:xfrm>
           <a:custGeom>
-            <a:rect b="b" l="l" r="r" t="t"/>
+            <a:avLst/>
+            <a:gdLst/>
+            <a:ahLst/>
+            <a:cxnLst/>
+            <a:rect l="l" t="t" r="r" b="b"/>
             <a:pathLst>
-              <a:path extrusionOk="0" h="120000" w="120000">
+              <a:path w="120000" h="120000" extrusionOk="0">
                 <a:moveTo>
                   <a:pt x="0" y="0"/>
                 </a:moveTo>
@@ -1343,9 +1394,11 @@
       <p:sp>
         <p:nvSpPr>
           <p:cNvPr id="87" name="Google Shape;87;gbad99bb065_0_0:notes"/>
-          <p:cNvSpPr txBox="1"/>
+          <p:cNvSpPr txBox="1">
+            <a:spLocks noGrp="1"/>
+          </p:cNvSpPr>
           <p:nvPr>
-            <p:ph idx="1" type="body"/>
+            <p:ph type="body" idx="1"/>
           </p:nvPr>
         </p:nvSpPr>
         <p:spPr>
@@ -1358,12 +1411,12 @@
           </a:prstGeom>
         </p:spPr>
         <p:txBody>
-          <a:bodyPr anchorCtr="0" anchor="t" bIns="91425" lIns="91425" spcFirstLastPara="1" rIns="91425" wrap="square" tIns="91425">
+          <a:bodyPr spcFirstLastPara="1" wrap="square" lIns="91425" tIns="91425" rIns="91425" bIns="91425" anchor="t" anchorCtr="0">
             <a:noAutofit/>
           </a:bodyPr>
           <a:lstStyle/>
           <a:p>
-            <a:pPr indent="0" lvl="0" marL="0" rtl="0" algn="l">
+            <a:pPr marL="0" lvl="0" indent="0" algn="l" rtl="0">
               <a:spcBef>
                 <a:spcPts val="0"/>
               </a:spcBef>
@@ -1372,9 +1425,6 @@
               </a:spcAft>
               <a:buNone/>
             </a:pPr>
-            <a:r>
-              <a:t/>
-            </a:r>
             <a:endParaRPr/>
           </a:p>
         </p:txBody>
@@ -1388,11 +1438,11 @@
 </file>
 
 <file path=ppt/notesSlides/notesSlide8.xml><?xml version="1.0" encoding="utf-8"?>
-<p:notes xmlns:a="http://schemas.openxmlformats.org/drawingml/2006/main" xmlns:r="http://schemas.openxmlformats.org/officeDocument/2006/relationships" xmlns:mc="http://schemas.openxmlformats.org/markup-compatibility/2006" xmlns:mv="urn:schemas-microsoft-com:mac:vml" xmlns:p="http://schemas.openxmlformats.org/presentationml/2006/main" xmlns:c="http://schemas.openxmlformats.org/drawingml/2006/chart" xmlns:dgm="http://schemas.openxmlformats.org/drawingml/2006/diagram" xmlns:o="urn:schemas-microsoft-com:office:office" xmlns:v="urn:schemas-microsoft-com:vml" xmlns:pvml="urn:schemas-microsoft-com:office:powerpoint" xmlns:com="http://schemas.openxmlformats.org/drawingml/2006/compatibility" xmlns:p14="http://schemas.microsoft.com/office/powerpoint/2010/main" xmlns:p15="http://schemas.microsoft.com/office/powerpoint/2012/main" xmlns:ahyp="http://schemas.microsoft.com/office/drawing/2018/hyperlinkcolor" showMasterPhAnim="0" showMasterSp="0">
+<p:notes xmlns:a="http://schemas.openxmlformats.org/drawingml/2006/main" xmlns:r="http://schemas.openxmlformats.org/officeDocument/2006/relationships" xmlns:p="http://schemas.openxmlformats.org/presentationml/2006/main" showMasterSp="0" showMasterPhAnim="0">
   <p:cSld>
     <p:spTree>
       <p:nvGrpSpPr>
-        <p:cNvPr id="91" name="Shape 91"/>
+        <p:cNvPr id="1" name="Shape 91"/>
         <p:cNvGrpSpPr/>
         <p:nvPr/>
       </p:nvGrpSpPr>
@@ -1407,9 +1457,11 @@
       <p:sp>
         <p:nvSpPr>
           <p:cNvPr id="92" name="Google Shape;92;gb6119afedc_1_25:notes"/>
-          <p:cNvSpPr/>
+          <p:cNvSpPr>
+            <a:spLocks noGrp="1" noRot="1" noChangeAspect="1"/>
+          </p:cNvSpPr>
           <p:nvPr>
-            <p:ph idx="2" type="sldImg"/>
+            <p:ph type="sldImg" idx="2"/>
           </p:nvPr>
         </p:nvSpPr>
         <p:spPr>
@@ -1418,9 +1470,13 @@
             <a:ext cx="6096000" cy="3429000"/>
           </a:xfrm>
           <a:custGeom>
-            <a:rect b="b" l="l" r="r" t="t"/>
+            <a:avLst/>
+            <a:gdLst/>
+            <a:ahLst/>
+            <a:cxnLst/>
+            <a:rect l="l" t="t" r="r" b="b"/>
             <a:pathLst>
-              <a:path extrusionOk="0" h="120000" w="120000">
+              <a:path w="120000" h="120000" extrusionOk="0">
                 <a:moveTo>
                   <a:pt x="0" y="0"/>
                 </a:moveTo>
@@ -1442,9 +1498,11 @@
       <p:sp>
         <p:nvSpPr>
           <p:cNvPr id="93" name="Google Shape;93;gb6119afedc_1_25:notes"/>
-          <p:cNvSpPr txBox="1"/>
+          <p:cNvSpPr txBox="1">
+            <a:spLocks noGrp="1"/>
+          </p:cNvSpPr>
           <p:nvPr>
-            <p:ph idx="1" type="body"/>
+            <p:ph type="body" idx="1"/>
           </p:nvPr>
         </p:nvSpPr>
         <p:spPr>
@@ -1457,12 +1515,12 @@
           </a:prstGeom>
         </p:spPr>
         <p:txBody>
-          <a:bodyPr anchorCtr="0" anchor="t" bIns="91425" lIns="91425" spcFirstLastPara="1" rIns="91425" wrap="square" tIns="91425">
+          <a:bodyPr spcFirstLastPara="1" wrap="square" lIns="91425" tIns="91425" rIns="91425" bIns="91425" anchor="t" anchorCtr="0">
             <a:noAutofit/>
           </a:bodyPr>
           <a:lstStyle/>
           <a:p>
-            <a:pPr indent="0" lvl="0" marL="0" rtl="0" algn="l">
+            <a:pPr marL="0" lvl="0" indent="0" algn="l" rtl="0">
               <a:spcBef>
                 <a:spcPts val="0"/>
               </a:spcBef>
@@ -1471,9 +1529,6 @@
               </a:spcAft>
               <a:buNone/>
             </a:pPr>
-            <a:r>
-              <a:t/>
-            </a:r>
             <a:endParaRPr/>
           </a:p>
         </p:txBody>
@@ -1487,11 +1542,11 @@
 </file>
 
 <file path=ppt/notesSlides/notesSlide9.xml><?xml version="1.0" encoding="utf-8"?>
-<p:notes xmlns:a="http://schemas.openxmlformats.org/drawingml/2006/main" xmlns:r="http://schemas.openxmlformats.org/officeDocument/2006/relationships" xmlns:mc="http://schemas.openxmlformats.org/markup-compatibility/2006" xmlns:mv="urn:schemas-microsoft-com:mac:vml" xmlns:p="http://schemas.openxmlformats.org/presentationml/2006/main" xmlns:c="http://schemas.openxmlformats.org/drawingml/2006/chart" xmlns:dgm="http://schemas.openxmlformats.org/drawingml/2006/diagram" xmlns:o="urn:schemas-microsoft-com:office:office" xmlns:v="urn:schemas-microsoft-com:vml" xmlns:pvml="urn:schemas-microsoft-com:office:powerpoint" xmlns:com="http://schemas.openxmlformats.org/drawingml/2006/compatibility" xmlns:p14="http://schemas.microsoft.com/office/powerpoint/2010/main" xmlns:p15="http://schemas.microsoft.com/office/powerpoint/2012/main" xmlns:ahyp="http://schemas.microsoft.com/office/drawing/2018/hyperlinkcolor" showMasterPhAnim="0" showMasterSp="0">
+<p:notes xmlns:a="http://schemas.openxmlformats.org/drawingml/2006/main" xmlns:r="http://schemas.openxmlformats.org/officeDocument/2006/relationships" xmlns:p="http://schemas.openxmlformats.org/presentationml/2006/main" showMasterSp="0" showMasterPhAnim="0">
   <p:cSld>
     <p:spTree>
       <p:nvGrpSpPr>
-        <p:cNvPr id="96" name="Shape 96"/>
+        <p:cNvPr id="1" name="Shape 96"/>
         <p:cNvGrpSpPr/>
         <p:nvPr/>
       </p:nvGrpSpPr>
@@ -1506,9 +1561,11 @@
       <p:sp>
         <p:nvSpPr>
           <p:cNvPr id="97" name="Google Shape;97;gb6119afedc_0_60:notes"/>
-          <p:cNvSpPr/>
+          <p:cNvSpPr>
+            <a:spLocks noGrp="1" noRot="1" noChangeAspect="1"/>
+          </p:cNvSpPr>
           <p:nvPr>
-            <p:ph idx="2" type="sldImg"/>
+            <p:ph type="sldImg" idx="2"/>
           </p:nvPr>
         </p:nvSpPr>
         <p:spPr>
@@ -1517,9 +1574,13 @@
             <a:ext cx="6096000" cy="3429000"/>
           </a:xfrm>
           <a:custGeom>
-            <a:rect b="b" l="l" r="r" t="t"/>
+            <a:avLst/>
+            <a:gdLst/>
+            <a:ahLst/>
+            <a:cxnLst/>
+            <a:rect l="l" t="t" r="r" b="b"/>
             <a:pathLst>
-              <a:path extrusionOk="0" h="120000" w="120000">
+              <a:path w="120000" h="120000" extrusionOk="0">
                 <a:moveTo>
                   <a:pt x="0" y="0"/>
                 </a:moveTo>
@@ -1541,9 +1602,11 @@
       <p:sp>
         <p:nvSpPr>
           <p:cNvPr id="98" name="Google Shape;98;gb6119afedc_0_60:notes"/>
-          <p:cNvSpPr txBox="1"/>
+          <p:cNvSpPr txBox="1">
+            <a:spLocks noGrp="1"/>
+          </p:cNvSpPr>
           <p:nvPr>
-            <p:ph idx="1" type="body"/>
+            <p:ph type="body" idx="1"/>
           </p:nvPr>
         </p:nvSpPr>
         <p:spPr>
@@ -1556,12 +1619,12 @@
           </a:prstGeom>
         </p:spPr>
         <p:txBody>
-          <a:bodyPr anchorCtr="0" anchor="t" bIns="91425" lIns="91425" spcFirstLastPara="1" rIns="91425" wrap="square" tIns="91425">
+          <a:bodyPr spcFirstLastPara="1" wrap="square" lIns="91425" tIns="91425" rIns="91425" bIns="91425" anchor="t" anchorCtr="0">
             <a:noAutofit/>
           </a:bodyPr>
           <a:lstStyle/>
           <a:p>
-            <a:pPr indent="0" lvl="0" marL="0" rtl="0" algn="l">
+            <a:pPr marL="0" lvl="0" indent="0" algn="l" rtl="0">
               <a:spcBef>
                 <a:spcPts val="0"/>
               </a:spcBef>
@@ -1570,9 +1633,6 @@
               </a:spcAft>
               <a:buNone/>
             </a:pPr>
-            <a:r>
-              <a:t/>
-            </a:r>
             <a:endParaRPr/>
           </a:p>
         </p:txBody>
@@ -1586,11 +1646,11 @@
 </file>
 
 <file path=ppt/slideLayouts/slideLayout1.xml><?xml version="1.0" encoding="utf-8"?>
-<p:sldLayout xmlns:a="http://schemas.openxmlformats.org/drawingml/2006/main" xmlns:r="http://schemas.openxmlformats.org/officeDocument/2006/relationships" xmlns:mc="http://schemas.openxmlformats.org/markup-compatibility/2006" xmlns:mv="urn:schemas-microsoft-com:mac:vml" xmlns:p="http://schemas.openxmlformats.org/presentationml/2006/main" xmlns:c="http://schemas.openxmlformats.org/drawingml/2006/chart" xmlns:dgm="http://schemas.openxmlformats.org/drawingml/2006/diagram" xmlns:o="urn:schemas-microsoft-com:office:office" xmlns:v="urn:schemas-microsoft-com:vml" xmlns:pvml="urn:schemas-microsoft-com:office:powerpoint" xmlns:com="http://schemas.openxmlformats.org/drawingml/2006/compatibility" xmlns:p14="http://schemas.microsoft.com/office/powerpoint/2010/main" xmlns:p15="http://schemas.microsoft.com/office/powerpoint/2012/main" xmlns:ahyp="http://schemas.microsoft.com/office/drawing/2018/hyperlinkcolor" matchingName="Title slide" type="title">
+<p:sldLayout xmlns:a="http://schemas.openxmlformats.org/drawingml/2006/main" xmlns:r="http://schemas.openxmlformats.org/officeDocument/2006/relationships" xmlns:p="http://schemas.openxmlformats.org/presentationml/2006/main" matchingName="Title slide" type="title">
   <p:cSld name="TITLE">
     <p:spTree>
       <p:nvGrpSpPr>
-        <p:cNvPr id="9" name="Shape 9"/>
+        <p:cNvPr id="1" name="Shape 9"/>
         <p:cNvGrpSpPr/>
         <p:nvPr/>
       </p:nvGrpSpPr>
@@ -1605,7 +1665,9 @@
       <p:sp>
         <p:nvSpPr>
           <p:cNvPr id="10" name="Google Shape;10;p2"/>
-          <p:cNvSpPr txBox="1"/>
+          <p:cNvSpPr txBox="1">
+            <a:spLocks noGrp="1"/>
+          </p:cNvSpPr>
           <p:nvPr>
             <p:ph type="ctrTitle"/>
           </p:nvPr>
@@ -1620,7 +1682,7 @@
           </a:prstGeom>
         </p:spPr>
         <p:txBody>
-          <a:bodyPr anchorCtr="0" anchor="b" bIns="91425" lIns="91425" spcFirstLastPara="1" rIns="91425" wrap="square" tIns="91425">
+          <a:bodyPr spcFirstLastPara="1" wrap="square" lIns="91425" tIns="91425" rIns="91425" bIns="91425" anchor="b" anchorCtr="0">
             <a:noAutofit/>
           </a:bodyPr>
           <a:lstStyle>
@@ -1724,15 +1786,19 @@
               <a:defRPr sz="5200"/>
             </a:lvl9pPr>
           </a:lstStyle>
-          <a:p/>
+          <a:p>
+            <a:endParaRPr/>
+          </a:p>
         </p:txBody>
       </p:sp>
       <p:sp>
         <p:nvSpPr>
           <p:cNvPr id="11" name="Google Shape;11;p2"/>
-          <p:cNvSpPr txBox="1"/>
+          <p:cNvSpPr txBox="1">
+            <a:spLocks noGrp="1"/>
+          </p:cNvSpPr>
           <p:nvPr>
-            <p:ph idx="1" type="subTitle"/>
+            <p:ph type="subTitle" idx="1"/>
           </p:nvPr>
         </p:nvSpPr>
         <p:spPr>
@@ -1745,7 +1811,7 @@
           </a:prstGeom>
         </p:spPr>
         <p:txBody>
-          <a:bodyPr anchorCtr="0" anchor="t" bIns="91425" lIns="91425" spcFirstLastPara="1" rIns="91425" wrap="square" tIns="91425">
+          <a:bodyPr spcFirstLastPara="1" wrap="square" lIns="91425" tIns="91425" rIns="91425" bIns="91425" anchor="t" anchorCtr="0">
             <a:noAutofit/>
           </a:bodyPr>
           <a:lstStyle>
@@ -1876,15 +1942,19 @@
               <a:defRPr sz="2800"/>
             </a:lvl9pPr>
           </a:lstStyle>
-          <a:p/>
+          <a:p>
+            <a:endParaRPr/>
+          </a:p>
         </p:txBody>
       </p:sp>
       <p:sp>
         <p:nvSpPr>
           <p:cNvPr id="12" name="Google Shape;12;p2"/>
-          <p:cNvSpPr txBox="1"/>
+          <p:cNvSpPr txBox="1">
+            <a:spLocks noGrp="1"/>
+          </p:cNvSpPr>
           <p:nvPr>
-            <p:ph idx="12" type="sldNum"/>
+            <p:ph type="sldNum" idx="12"/>
           </p:nvPr>
         </p:nvSpPr>
         <p:spPr>
@@ -1897,7 +1967,7 @@
           </a:prstGeom>
         </p:spPr>
         <p:txBody>
-          <a:bodyPr anchorCtr="0" anchor="ctr" bIns="91425" lIns="91425" spcFirstLastPara="1" rIns="91425" wrap="square" tIns="91425">
+          <a:bodyPr spcFirstLastPara="1" wrap="square" lIns="91425" tIns="91425" rIns="91425" bIns="91425" anchor="ctr" anchorCtr="0">
             <a:noAutofit/>
           </a:bodyPr>
           <a:lstStyle>
@@ -1939,7 +2009,7 @@
             </a:lvl9pPr>
           </a:lstStyle>
           <a:p>
-            <a:pPr indent="0" lvl="0" marL="0" rtl="0" algn="r">
+            <a:pPr marL="0" lvl="0" indent="0" algn="r" rtl="0">
               <a:spcBef>
                 <a:spcPts val="0"/>
               </a:spcBef>
@@ -1965,11 +2035,11 @@
 </file>
 
 <file path=ppt/slideLayouts/slideLayout10.xml><?xml version="1.0" encoding="utf-8"?>
-<p:sldLayout xmlns:a="http://schemas.openxmlformats.org/drawingml/2006/main" xmlns:r="http://schemas.openxmlformats.org/officeDocument/2006/relationships" xmlns:mc="http://schemas.openxmlformats.org/markup-compatibility/2006" xmlns:mv="urn:schemas-microsoft-com:mac:vml" xmlns:p="http://schemas.openxmlformats.org/presentationml/2006/main" xmlns:c="http://schemas.openxmlformats.org/drawingml/2006/chart" xmlns:dgm="http://schemas.openxmlformats.org/drawingml/2006/diagram" xmlns:o="urn:schemas-microsoft-com:office:office" xmlns:v="urn:schemas-microsoft-com:vml" xmlns:pvml="urn:schemas-microsoft-com:office:powerpoint" xmlns:com="http://schemas.openxmlformats.org/drawingml/2006/compatibility" xmlns:p14="http://schemas.microsoft.com/office/powerpoint/2010/main" xmlns:p15="http://schemas.microsoft.com/office/powerpoint/2012/main" xmlns:ahyp="http://schemas.microsoft.com/office/drawing/2018/hyperlinkcolor" matchingName="Big number">
+<p:sldLayout xmlns:a="http://schemas.openxmlformats.org/drawingml/2006/main" xmlns:r="http://schemas.openxmlformats.org/officeDocument/2006/relationships" xmlns:p="http://schemas.openxmlformats.org/presentationml/2006/main" matchingName="Big number">
   <p:cSld name="BIG_NUMBER">
     <p:spTree>
       <p:nvGrpSpPr>
-        <p:cNvPr id="44" name="Shape 44"/>
+        <p:cNvPr id="1" name="Shape 44"/>
         <p:cNvGrpSpPr/>
         <p:nvPr/>
       </p:nvGrpSpPr>
@@ -1984,9 +2054,11 @@
       <p:sp>
         <p:nvSpPr>
           <p:cNvPr id="45" name="Google Shape;45;p11"/>
-          <p:cNvSpPr txBox="1"/>
+          <p:cNvSpPr txBox="1">
+            <a:spLocks noGrp="1"/>
+          </p:cNvSpPr>
           <p:nvPr>
-            <p:ph hasCustomPrompt="1" type="title"/>
+            <p:ph type="title" hasCustomPrompt="1"/>
           </p:nvPr>
         </p:nvSpPr>
         <p:spPr>
@@ -1999,7 +2071,7 @@
           </a:prstGeom>
         </p:spPr>
         <p:txBody>
-          <a:bodyPr anchorCtr="0" anchor="b" bIns="91425" lIns="91425" spcFirstLastPara="1" rIns="91425" wrap="square" tIns="91425">
+          <a:bodyPr spcFirstLastPara="1" wrap="square" lIns="91425" tIns="91425" rIns="91425" bIns="91425" anchor="b" anchorCtr="0">
             <a:noAutofit/>
           </a:bodyPr>
           <a:lstStyle>
@@ -2113,9 +2185,11 @@
       <p:sp>
         <p:nvSpPr>
           <p:cNvPr id="46" name="Google Shape;46;p11"/>
-          <p:cNvSpPr txBox="1"/>
+          <p:cNvSpPr txBox="1">
+            <a:spLocks noGrp="1"/>
+          </p:cNvSpPr>
           <p:nvPr>
-            <p:ph idx="1" type="body"/>
+            <p:ph type="body" idx="1"/>
           </p:nvPr>
         </p:nvSpPr>
         <p:spPr>
@@ -2128,11 +2202,11 @@
           </a:prstGeom>
         </p:spPr>
         <p:txBody>
-          <a:bodyPr anchorCtr="0" anchor="t" bIns="91425" lIns="91425" spcFirstLastPara="1" rIns="91425" wrap="square" tIns="91425">
+          <a:bodyPr spcFirstLastPara="1" wrap="square" lIns="91425" tIns="91425" rIns="91425" bIns="91425" anchor="t" anchorCtr="0">
             <a:noAutofit/>
           </a:bodyPr>
           <a:lstStyle>
-            <a:lvl1pPr indent="-342900" lvl="0" marL="457200" algn="ctr">
+            <a:lvl1pPr marL="457200" lvl="0" indent="-342900" algn="ctr">
               <a:spcBef>
                 <a:spcPts val="0"/>
               </a:spcBef>
@@ -2143,7 +2217,7 @@
               <a:buChar char="●"/>
               <a:defRPr/>
             </a:lvl1pPr>
-            <a:lvl2pPr indent="-317500" lvl="1" marL="914400" algn="ctr">
+            <a:lvl2pPr marL="914400" lvl="1" indent="-317500" algn="ctr">
               <a:spcBef>
                 <a:spcPts val="1600"/>
               </a:spcBef>
@@ -2154,7 +2228,7 @@
               <a:buChar char="○"/>
               <a:defRPr/>
             </a:lvl2pPr>
-            <a:lvl3pPr indent="-317500" lvl="2" marL="1371600" algn="ctr">
+            <a:lvl3pPr marL="1371600" lvl="2" indent="-317500" algn="ctr">
               <a:spcBef>
                 <a:spcPts val="1600"/>
               </a:spcBef>
@@ -2165,7 +2239,7 @@
               <a:buChar char="■"/>
               <a:defRPr/>
             </a:lvl3pPr>
-            <a:lvl4pPr indent="-317500" lvl="3" marL="1828800" algn="ctr">
+            <a:lvl4pPr marL="1828800" lvl="3" indent="-317500" algn="ctr">
               <a:spcBef>
                 <a:spcPts val="1600"/>
               </a:spcBef>
@@ -2176,7 +2250,7 @@
               <a:buChar char="●"/>
               <a:defRPr/>
             </a:lvl4pPr>
-            <a:lvl5pPr indent="-317500" lvl="4" marL="2286000" algn="ctr">
+            <a:lvl5pPr marL="2286000" lvl="4" indent="-317500" algn="ctr">
               <a:spcBef>
                 <a:spcPts val="1600"/>
               </a:spcBef>
@@ -2187,7 +2261,7 @@
               <a:buChar char="○"/>
               <a:defRPr/>
             </a:lvl5pPr>
-            <a:lvl6pPr indent="-317500" lvl="5" marL="2743200" algn="ctr">
+            <a:lvl6pPr marL="2743200" lvl="5" indent="-317500" algn="ctr">
               <a:spcBef>
                 <a:spcPts val="1600"/>
               </a:spcBef>
@@ -2198,7 +2272,7 @@
               <a:buChar char="■"/>
               <a:defRPr/>
             </a:lvl6pPr>
-            <a:lvl7pPr indent="-317500" lvl="6" marL="3200400" algn="ctr">
+            <a:lvl7pPr marL="3200400" lvl="6" indent="-317500" algn="ctr">
               <a:spcBef>
                 <a:spcPts val="1600"/>
               </a:spcBef>
@@ -2209,7 +2283,7 @@
               <a:buChar char="●"/>
               <a:defRPr/>
             </a:lvl7pPr>
-            <a:lvl8pPr indent="-317500" lvl="7" marL="3657600" algn="ctr">
+            <a:lvl8pPr marL="3657600" lvl="7" indent="-317500" algn="ctr">
               <a:spcBef>
                 <a:spcPts val="1600"/>
               </a:spcBef>
@@ -2220,7 +2294,7 @@
               <a:buChar char="○"/>
               <a:defRPr/>
             </a:lvl8pPr>
-            <a:lvl9pPr indent="-317500" lvl="8" marL="4114800" algn="ctr">
+            <a:lvl9pPr marL="4114800" lvl="8" indent="-317500" algn="ctr">
               <a:spcBef>
                 <a:spcPts val="1600"/>
               </a:spcBef>
@@ -2232,15 +2306,19 @@
               <a:defRPr/>
             </a:lvl9pPr>
           </a:lstStyle>
-          <a:p/>
+          <a:p>
+            <a:endParaRPr/>
+          </a:p>
         </p:txBody>
       </p:sp>
       <p:sp>
         <p:nvSpPr>
           <p:cNvPr id="47" name="Google Shape;47;p11"/>
-          <p:cNvSpPr txBox="1"/>
+          <p:cNvSpPr txBox="1">
+            <a:spLocks noGrp="1"/>
+          </p:cNvSpPr>
           <p:nvPr>
-            <p:ph idx="12" type="sldNum"/>
+            <p:ph type="sldNum" idx="12"/>
           </p:nvPr>
         </p:nvSpPr>
         <p:spPr>
@@ -2253,7 +2331,7 @@
           </a:prstGeom>
         </p:spPr>
         <p:txBody>
-          <a:bodyPr anchorCtr="0" anchor="ctr" bIns="91425" lIns="91425" spcFirstLastPara="1" rIns="91425" wrap="square" tIns="91425">
+          <a:bodyPr spcFirstLastPara="1" wrap="square" lIns="91425" tIns="91425" rIns="91425" bIns="91425" anchor="ctr" anchorCtr="0">
             <a:noAutofit/>
           </a:bodyPr>
           <a:lstStyle>
@@ -2295,7 +2373,7 @@
             </a:lvl9pPr>
           </a:lstStyle>
           <a:p>
-            <a:pPr indent="0" lvl="0" marL="0" rtl="0" algn="r">
+            <a:pPr marL="0" lvl="0" indent="0" algn="r" rtl="0">
               <a:spcBef>
                 <a:spcPts val="0"/>
               </a:spcBef>
@@ -2321,11 +2399,11 @@
 </file>
 
 <file path=ppt/slideLayouts/slideLayout11.xml><?xml version="1.0" encoding="utf-8"?>
-<p:sldLayout xmlns:a="http://schemas.openxmlformats.org/drawingml/2006/main" xmlns:r="http://schemas.openxmlformats.org/officeDocument/2006/relationships" xmlns:mc="http://schemas.openxmlformats.org/markup-compatibility/2006" xmlns:mv="urn:schemas-microsoft-com:mac:vml" xmlns:p="http://schemas.openxmlformats.org/presentationml/2006/main" xmlns:c="http://schemas.openxmlformats.org/drawingml/2006/chart" xmlns:dgm="http://schemas.openxmlformats.org/drawingml/2006/diagram" xmlns:o="urn:schemas-microsoft-com:office:office" xmlns:v="urn:schemas-microsoft-com:vml" xmlns:pvml="urn:schemas-microsoft-com:office:powerpoint" xmlns:com="http://schemas.openxmlformats.org/drawingml/2006/compatibility" xmlns:p14="http://schemas.microsoft.com/office/powerpoint/2010/main" xmlns:p15="http://schemas.microsoft.com/office/powerpoint/2012/main" xmlns:ahyp="http://schemas.microsoft.com/office/drawing/2018/hyperlinkcolor" matchingName="Blank" type="blank">
+<p:sldLayout xmlns:a="http://schemas.openxmlformats.org/drawingml/2006/main" xmlns:r="http://schemas.openxmlformats.org/officeDocument/2006/relationships" xmlns:p="http://schemas.openxmlformats.org/presentationml/2006/main" matchingName="Blank" type="blank">
   <p:cSld name="BLANK">
     <p:spTree>
       <p:nvGrpSpPr>
-        <p:cNvPr id="48" name="Shape 48"/>
+        <p:cNvPr id="1" name="Shape 48"/>
         <p:cNvGrpSpPr/>
         <p:nvPr/>
       </p:nvGrpSpPr>
@@ -2340,9 +2418,11 @@
       <p:sp>
         <p:nvSpPr>
           <p:cNvPr id="49" name="Google Shape;49;p12"/>
-          <p:cNvSpPr txBox="1"/>
+          <p:cNvSpPr txBox="1">
+            <a:spLocks noGrp="1"/>
+          </p:cNvSpPr>
           <p:nvPr>
-            <p:ph idx="12" type="sldNum"/>
+            <p:ph type="sldNum" idx="12"/>
           </p:nvPr>
         </p:nvSpPr>
         <p:spPr>
@@ -2355,7 +2435,7 @@
           </a:prstGeom>
         </p:spPr>
         <p:txBody>
-          <a:bodyPr anchorCtr="0" anchor="ctr" bIns="91425" lIns="91425" spcFirstLastPara="1" rIns="91425" wrap="square" tIns="91425">
+          <a:bodyPr spcFirstLastPara="1" wrap="square" lIns="91425" tIns="91425" rIns="91425" bIns="91425" anchor="ctr" anchorCtr="0">
             <a:noAutofit/>
           </a:bodyPr>
           <a:lstStyle>
@@ -2397,7 +2477,7 @@
             </a:lvl9pPr>
           </a:lstStyle>
           <a:p>
-            <a:pPr indent="0" lvl="0" marL="0" rtl="0" algn="r">
+            <a:pPr marL="0" lvl="0" indent="0" algn="r" rtl="0">
               <a:spcBef>
                 <a:spcPts val="0"/>
               </a:spcBef>
@@ -2423,11 +2503,11 @@
 </file>
 
 <file path=ppt/slideLayouts/slideLayout2.xml><?xml version="1.0" encoding="utf-8"?>
-<p:sldLayout xmlns:a="http://schemas.openxmlformats.org/drawingml/2006/main" xmlns:r="http://schemas.openxmlformats.org/officeDocument/2006/relationships" xmlns:mc="http://schemas.openxmlformats.org/markup-compatibility/2006" xmlns:mv="urn:schemas-microsoft-com:mac:vml" xmlns:p="http://schemas.openxmlformats.org/presentationml/2006/main" xmlns:c="http://schemas.openxmlformats.org/drawingml/2006/chart" xmlns:dgm="http://schemas.openxmlformats.org/drawingml/2006/diagram" xmlns:o="urn:schemas-microsoft-com:office:office" xmlns:v="urn:schemas-microsoft-com:vml" xmlns:pvml="urn:schemas-microsoft-com:office:powerpoint" xmlns:com="http://schemas.openxmlformats.org/drawingml/2006/compatibility" xmlns:p14="http://schemas.microsoft.com/office/powerpoint/2010/main" xmlns:p15="http://schemas.microsoft.com/office/powerpoint/2012/main" xmlns:ahyp="http://schemas.microsoft.com/office/drawing/2018/hyperlinkcolor" matchingName="Section header" type="secHead">
+<p:sldLayout xmlns:a="http://schemas.openxmlformats.org/drawingml/2006/main" xmlns:r="http://schemas.openxmlformats.org/officeDocument/2006/relationships" xmlns:p="http://schemas.openxmlformats.org/presentationml/2006/main" matchingName="Section header" type="secHead">
   <p:cSld name="SECTION_HEADER">
     <p:spTree>
       <p:nvGrpSpPr>
-        <p:cNvPr id="13" name="Shape 13"/>
+        <p:cNvPr id="1" name="Shape 13"/>
         <p:cNvGrpSpPr/>
         <p:nvPr/>
       </p:nvGrpSpPr>
@@ -2442,7 +2522,9 @@
       <p:sp>
         <p:nvSpPr>
           <p:cNvPr id="14" name="Google Shape;14;p3"/>
-          <p:cNvSpPr txBox="1"/>
+          <p:cNvSpPr txBox="1">
+            <a:spLocks noGrp="1"/>
+          </p:cNvSpPr>
           <p:nvPr>
             <p:ph type="title"/>
           </p:nvPr>
@@ -2457,7 +2539,7 @@
           </a:prstGeom>
         </p:spPr>
         <p:txBody>
-          <a:bodyPr anchorCtr="0" anchor="ctr" bIns="91425" lIns="91425" spcFirstLastPara="1" rIns="91425" wrap="square" tIns="91425">
+          <a:bodyPr spcFirstLastPara="1" wrap="square" lIns="91425" tIns="91425" rIns="91425" bIns="91425" anchor="ctr" anchorCtr="0">
             <a:noAutofit/>
           </a:bodyPr>
           <a:lstStyle>
@@ -2561,15 +2643,19 @@
               <a:defRPr sz="3600"/>
             </a:lvl9pPr>
           </a:lstStyle>
-          <a:p/>
+          <a:p>
+            <a:endParaRPr/>
+          </a:p>
         </p:txBody>
       </p:sp>
       <p:sp>
         <p:nvSpPr>
           <p:cNvPr id="15" name="Google Shape;15;p3"/>
-          <p:cNvSpPr txBox="1"/>
+          <p:cNvSpPr txBox="1">
+            <a:spLocks noGrp="1"/>
+          </p:cNvSpPr>
           <p:nvPr>
-            <p:ph idx="12" type="sldNum"/>
+            <p:ph type="sldNum" idx="12"/>
           </p:nvPr>
         </p:nvSpPr>
         <p:spPr>
@@ -2582,7 +2668,7 @@
           </a:prstGeom>
         </p:spPr>
         <p:txBody>
-          <a:bodyPr anchorCtr="0" anchor="ctr" bIns="91425" lIns="91425" spcFirstLastPara="1" rIns="91425" wrap="square" tIns="91425">
+          <a:bodyPr spcFirstLastPara="1" wrap="square" lIns="91425" tIns="91425" rIns="91425" bIns="91425" anchor="ctr" anchorCtr="0">
             <a:noAutofit/>
           </a:bodyPr>
           <a:lstStyle>
@@ -2624,7 +2710,7 @@
             </a:lvl9pPr>
           </a:lstStyle>
           <a:p>
-            <a:pPr indent="0" lvl="0" marL="0" rtl="0" algn="r">
+            <a:pPr marL="0" lvl="0" indent="0" algn="r" rtl="0">
               <a:spcBef>
                 <a:spcPts val="0"/>
               </a:spcBef>
@@ -2650,11 +2736,11 @@
 </file>
 
 <file path=ppt/slideLayouts/slideLayout3.xml><?xml version="1.0" encoding="utf-8"?>
-<p:sldLayout xmlns:a="http://schemas.openxmlformats.org/drawingml/2006/main" xmlns:r="http://schemas.openxmlformats.org/officeDocument/2006/relationships" xmlns:mc="http://schemas.openxmlformats.org/markup-compatibility/2006" xmlns:mv="urn:schemas-microsoft-com:mac:vml" xmlns:p="http://schemas.openxmlformats.org/presentationml/2006/main" xmlns:c="http://schemas.openxmlformats.org/drawingml/2006/chart" xmlns:dgm="http://schemas.openxmlformats.org/drawingml/2006/diagram" xmlns:o="urn:schemas-microsoft-com:office:office" xmlns:v="urn:schemas-microsoft-com:vml" xmlns:pvml="urn:schemas-microsoft-com:office:powerpoint" xmlns:com="http://schemas.openxmlformats.org/drawingml/2006/compatibility" xmlns:p14="http://schemas.microsoft.com/office/powerpoint/2010/main" xmlns:p15="http://schemas.microsoft.com/office/powerpoint/2012/main" xmlns:ahyp="http://schemas.microsoft.com/office/drawing/2018/hyperlinkcolor" matchingName="Title and body" type="tx">
+<p:sldLayout xmlns:a="http://schemas.openxmlformats.org/drawingml/2006/main" xmlns:r="http://schemas.openxmlformats.org/officeDocument/2006/relationships" xmlns:p="http://schemas.openxmlformats.org/presentationml/2006/main" matchingName="Title and body" type="tx">
   <p:cSld name="TITLE_AND_BODY">
     <p:spTree>
       <p:nvGrpSpPr>
-        <p:cNvPr id="16" name="Shape 16"/>
+        <p:cNvPr id="1" name="Shape 16"/>
         <p:cNvGrpSpPr/>
         <p:nvPr/>
       </p:nvGrpSpPr>
@@ -2669,7 +2755,9 @@
       <p:sp>
         <p:nvSpPr>
           <p:cNvPr id="17" name="Google Shape;17;p4"/>
-          <p:cNvSpPr txBox="1"/>
+          <p:cNvSpPr txBox="1">
+            <a:spLocks noGrp="1"/>
+          </p:cNvSpPr>
           <p:nvPr>
             <p:ph type="title"/>
           </p:nvPr>
@@ -2684,7 +2772,7 @@
           </a:prstGeom>
         </p:spPr>
         <p:txBody>
-          <a:bodyPr anchorCtr="0" anchor="t" bIns="91425" lIns="91425" spcFirstLastPara="1" rIns="91425" wrap="square" tIns="91425">
+          <a:bodyPr spcFirstLastPara="1" wrap="square" lIns="91425" tIns="91425" rIns="91425" bIns="91425" anchor="t" anchorCtr="0">
             <a:noAutofit/>
           </a:bodyPr>
           <a:lstStyle>
@@ -2788,15 +2876,19 @@
               <a:defRPr/>
             </a:lvl9pPr>
           </a:lstStyle>
-          <a:p/>
+          <a:p>
+            <a:endParaRPr/>
+          </a:p>
         </p:txBody>
       </p:sp>
       <p:sp>
         <p:nvSpPr>
           <p:cNvPr id="18" name="Google Shape;18;p4"/>
-          <p:cNvSpPr txBox="1"/>
+          <p:cNvSpPr txBox="1">
+            <a:spLocks noGrp="1"/>
+          </p:cNvSpPr>
           <p:nvPr>
-            <p:ph idx="1" type="body"/>
+            <p:ph type="body" idx="1"/>
           </p:nvPr>
         </p:nvSpPr>
         <p:spPr>
@@ -2809,11 +2901,11 @@
           </a:prstGeom>
         </p:spPr>
         <p:txBody>
-          <a:bodyPr anchorCtr="0" anchor="t" bIns="91425" lIns="91425" spcFirstLastPara="1" rIns="91425" wrap="square" tIns="91425">
+          <a:bodyPr spcFirstLastPara="1" wrap="square" lIns="91425" tIns="91425" rIns="91425" bIns="91425" anchor="t" anchorCtr="0">
             <a:noAutofit/>
           </a:bodyPr>
           <a:lstStyle>
-            <a:lvl1pPr indent="-342900" lvl="0" marL="457200">
+            <a:lvl1pPr marL="457200" lvl="0" indent="-342900">
               <a:spcBef>
                 <a:spcPts val="0"/>
               </a:spcBef>
@@ -2824,7 +2916,7 @@
               <a:buChar char="●"/>
               <a:defRPr/>
             </a:lvl1pPr>
-            <a:lvl2pPr indent="-317500" lvl="1" marL="914400">
+            <a:lvl2pPr marL="914400" lvl="1" indent="-317500">
               <a:spcBef>
                 <a:spcPts val="1600"/>
               </a:spcBef>
@@ -2835,7 +2927,7 @@
               <a:buChar char="○"/>
               <a:defRPr/>
             </a:lvl2pPr>
-            <a:lvl3pPr indent="-317500" lvl="2" marL="1371600">
+            <a:lvl3pPr marL="1371600" lvl="2" indent="-317500">
               <a:spcBef>
                 <a:spcPts val="1600"/>
               </a:spcBef>
@@ -2846,7 +2938,7 @@
               <a:buChar char="■"/>
               <a:defRPr/>
             </a:lvl3pPr>
-            <a:lvl4pPr indent="-317500" lvl="3" marL="1828800">
+            <a:lvl4pPr marL="1828800" lvl="3" indent="-317500">
               <a:spcBef>
                 <a:spcPts val="1600"/>
               </a:spcBef>
@@ -2857,7 +2949,7 @@
               <a:buChar char="●"/>
               <a:defRPr/>
             </a:lvl4pPr>
-            <a:lvl5pPr indent="-317500" lvl="4" marL="2286000">
+            <a:lvl5pPr marL="2286000" lvl="4" indent="-317500">
               <a:spcBef>
                 <a:spcPts val="1600"/>
               </a:spcBef>
@@ -2868,7 +2960,7 @@
               <a:buChar char="○"/>
               <a:defRPr/>
             </a:lvl5pPr>
-            <a:lvl6pPr indent="-317500" lvl="5" marL="2743200">
+            <a:lvl6pPr marL="2743200" lvl="5" indent="-317500">
               <a:spcBef>
                 <a:spcPts val="1600"/>
               </a:spcBef>
@@ -2879,7 +2971,7 @@
               <a:buChar char="■"/>
               <a:defRPr/>
             </a:lvl6pPr>
-            <a:lvl7pPr indent="-317500" lvl="6" marL="3200400">
+            <a:lvl7pPr marL="3200400" lvl="6" indent="-317500">
               <a:spcBef>
                 <a:spcPts val="1600"/>
               </a:spcBef>
@@ -2890,7 +2982,7 @@
               <a:buChar char="●"/>
               <a:defRPr/>
             </a:lvl7pPr>
-            <a:lvl8pPr indent="-317500" lvl="7" marL="3657600">
+            <a:lvl8pPr marL="3657600" lvl="7" indent="-317500">
               <a:spcBef>
                 <a:spcPts val="1600"/>
               </a:spcBef>
@@ -2901,7 +2993,7 @@
               <a:buChar char="○"/>
               <a:defRPr/>
             </a:lvl8pPr>
-            <a:lvl9pPr indent="-317500" lvl="8" marL="4114800">
+            <a:lvl9pPr marL="4114800" lvl="8" indent="-317500">
               <a:spcBef>
                 <a:spcPts val="1600"/>
               </a:spcBef>
@@ -2913,15 +3005,19 @@
               <a:defRPr/>
             </a:lvl9pPr>
           </a:lstStyle>
-          <a:p/>
+          <a:p>
+            <a:endParaRPr/>
+          </a:p>
         </p:txBody>
       </p:sp>
       <p:sp>
         <p:nvSpPr>
           <p:cNvPr id="19" name="Google Shape;19;p4"/>
-          <p:cNvSpPr txBox="1"/>
+          <p:cNvSpPr txBox="1">
+            <a:spLocks noGrp="1"/>
+          </p:cNvSpPr>
           <p:nvPr>
-            <p:ph idx="12" type="sldNum"/>
+            <p:ph type="sldNum" idx="12"/>
           </p:nvPr>
         </p:nvSpPr>
         <p:spPr>
@@ -2934,7 +3030,7 @@
           </a:prstGeom>
         </p:spPr>
         <p:txBody>
-          <a:bodyPr anchorCtr="0" anchor="ctr" bIns="91425" lIns="91425" spcFirstLastPara="1" rIns="91425" wrap="square" tIns="91425">
+          <a:bodyPr spcFirstLastPara="1" wrap="square" lIns="91425" tIns="91425" rIns="91425" bIns="91425" anchor="ctr" anchorCtr="0">
             <a:noAutofit/>
           </a:bodyPr>
           <a:lstStyle>
@@ -2976,7 +3072,7 @@
             </a:lvl9pPr>
           </a:lstStyle>
           <a:p>
-            <a:pPr indent="0" lvl="0" marL="0" rtl="0" algn="r">
+            <a:pPr marL="0" lvl="0" indent="0" algn="r" rtl="0">
               <a:spcBef>
                 <a:spcPts val="0"/>
               </a:spcBef>
@@ -3002,11 +3098,11 @@
 </file>
 
 <file path=ppt/slideLayouts/slideLayout4.xml><?xml version="1.0" encoding="utf-8"?>
-<p:sldLayout xmlns:a="http://schemas.openxmlformats.org/drawingml/2006/main" xmlns:r="http://schemas.openxmlformats.org/officeDocument/2006/relationships" xmlns:mc="http://schemas.openxmlformats.org/markup-compatibility/2006" xmlns:mv="urn:schemas-microsoft-com:mac:vml" xmlns:p="http://schemas.openxmlformats.org/presentationml/2006/main" xmlns:c="http://schemas.openxmlformats.org/drawingml/2006/chart" xmlns:dgm="http://schemas.openxmlformats.org/drawingml/2006/diagram" xmlns:o="urn:schemas-microsoft-com:office:office" xmlns:v="urn:schemas-microsoft-com:vml" xmlns:pvml="urn:schemas-microsoft-com:office:powerpoint" xmlns:com="http://schemas.openxmlformats.org/drawingml/2006/compatibility" xmlns:p14="http://schemas.microsoft.com/office/powerpoint/2010/main" xmlns:p15="http://schemas.microsoft.com/office/powerpoint/2012/main" xmlns:ahyp="http://schemas.microsoft.com/office/drawing/2018/hyperlinkcolor" matchingName="Title and two columns" type="twoColTx">
+<p:sldLayout xmlns:a="http://schemas.openxmlformats.org/drawingml/2006/main" xmlns:r="http://schemas.openxmlformats.org/officeDocument/2006/relationships" xmlns:p="http://schemas.openxmlformats.org/presentationml/2006/main" matchingName="Title and two columns" type="twoColTx">
   <p:cSld name="TITLE_AND_TWO_COLUMNS">
     <p:spTree>
       <p:nvGrpSpPr>
-        <p:cNvPr id="20" name="Shape 20"/>
+        <p:cNvPr id="1" name="Shape 20"/>
         <p:cNvGrpSpPr/>
         <p:nvPr/>
       </p:nvGrpSpPr>
@@ -3021,7 +3117,9 @@
       <p:sp>
         <p:nvSpPr>
           <p:cNvPr id="21" name="Google Shape;21;p5"/>
-          <p:cNvSpPr txBox="1"/>
+          <p:cNvSpPr txBox="1">
+            <a:spLocks noGrp="1"/>
+          </p:cNvSpPr>
           <p:nvPr>
             <p:ph type="title"/>
           </p:nvPr>
@@ -3036,7 +3134,7 @@
           </a:prstGeom>
         </p:spPr>
         <p:txBody>
-          <a:bodyPr anchorCtr="0" anchor="t" bIns="91425" lIns="91425" spcFirstLastPara="1" rIns="91425" wrap="square" tIns="91425">
+          <a:bodyPr spcFirstLastPara="1" wrap="square" lIns="91425" tIns="91425" rIns="91425" bIns="91425" anchor="t" anchorCtr="0">
             <a:noAutofit/>
           </a:bodyPr>
           <a:lstStyle>
@@ -3140,15 +3238,19 @@
               <a:defRPr/>
             </a:lvl9pPr>
           </a:lstStyle>
-          <a:p/>
+          <a:p>
+            <a:endParaRPr/>
+          </a:p>
         </p:txBody>
       </p:sp>
       <p:sp>
         <p:nvSpPr>
           <p:cNvPr id="22" name="Google Shape;22;p5"/>
-          <p:cNvSpPr txBox="1"/>
+          <p:cNvSpPr txBox="1">
+            <a:spLocks noGrp="1"/>
+          </p:cNvSpPr>
           <p:nvPr>
-            <p:ph idx="1" type="body"/>
+            <p:ph type="body" idx="1"/>
           </p:nvPr>
         </p:nvSpPr>
         <p:spPr>
@@ -3161,11 +3263,11 @@
           </a:prstGeom>
         </p:spPr>
         <p:txBody>
-          <a:bodyPr anchorCtr="0" anchor="t" bIns="91425" lIns="91425" spcFirstLastPara="1" rIns="91425" wrap="square" tIns="91425">
+          <a:bodyPr spcFirstLastPara="1" wrap="square" lIns="91425" tIns="91425" rIns="91425" bIns="91425" anchor="t" anchorCtr="0">
             <a:noAutofit/>
           </a:bodyPr>
           <a:lstStyle>
-            <a:lvl1pPr indent="-317500" lvl="0" marL="457200">
+            <a:lvl1pPr marL="457200" lvl="0" indent="-317500">
               <a:spcBef>
                 <a:spcPts val="0"/>
               </a:spcBef>
@@ -3176,7 +3278,7 @@
               <a:buChar char="●"/>
               <a:defRPr sz="1400"/>
             </a:lvl1pPr>
-            <a:lvl2pPr indent="-304800" lvl="1" marL="914400">
+            <a:lvl2pPr marL="914400" lvl="1" indent="-304800">
               <a:spcBef>
                 <a:spcPts val="1600"/>
               </a:spcBef>
@@ -3187,7 +3289,7 @@
               <a:buChar char="○"/>
               <a:defRPr sz="1200"/>
             </a:lvl2pPr>
-            <a:lvl3pPr indent="-304800" lvl="2" marL="1371600">
+            <a:lvl3pPr marL="1371600" lvl="2" indent="-304800">
               <a:spcBef>
                 <a:spcPts val="1600"/>
               </a:spcBef>
@@ -3198,7 +3300,7 @@
               <a:buChar char="■"/>
               <a:defRPr sz="1200"/>
             </a:lvl3pPr>
-            <a:lvl4pPr indent="-304800" lvl="3" marL="1828800">
+            <a:lvl4pPr marL="1828800" lvl="3" indent="-304800">
               <a:spcBef>
                 <a:spcPts val="1600"/>
               </a:spcBef>
@@ -3209,7 +3311,7 @@
               <a:buChar char="●"/>
               <a:defRPr sz="1200"/>
             </a:lvl4pPr>
-            <a:lvl5pPr indent="-304800" lvl="4" marL="2286000">
+            <a:lvl5pPr marL="2286000" lvl="4" indent="-304800">
               <a:spcBef>
                 <a:spcPts val="1600"/>
               </a:spcBef>
@@ -3220,7 +3322,7 @@
               <a:buChar char="○"/>
               <a:defRPr sz="1200"/>
             </a:lvl5pPr>
-            <a:lvl6pPr indent="-304800" lvl="5" marL="2743200">
+            <a:lvl6pPr marL="2743200" lvl="5" indent="-304800">
               <a:spcBef>
                 <a:spcPts val="1600"/>
               </a:spcBef>
@@ -3231,7 +3333,7 @@
               <a:buChar char="■"/>
               <a:defRPr sz="1200"/>
             </a:lvl6pPr>
-            <a:lvl7pPr indent="-304800" lvl="6" marL="3200400">
+            <a:lvl7pPr marL="3200400" lvl="6" indent="-304800">
               <a:spcBef>
                 <a:spcPts val="1600"/>
               </a:spcBef>
@@ -3242,7 +3344,7 @@
               <a:buChar char="●"/>
               <a:defRPr sz="1200"/>
             </a:lvl7pPr>
-            <a:lvl8pPr indent="-304800" lvl="7" marL="3657600">
+            <a:lvl8pPr marL="3657600" lvl="7" indent="-304800">
               <a:spcBef>
                 <a:spcPts val="1600"/>
               </a:spcBef>
@@ -3253,7 +3355,7 @@
               <a:buChar char="○"/>
               <a:defRPr sz="1200"/>
             </a:lvl8pPr>
-            <a:lvl9pPr indent="-304800" lvl="8" marL="4114800">
+            <a:lvl9pPr marL="4114800" lvl="8" indent="-304800">
               <a:spcBef>
                 <a:spcPts val="1600"/>
               </a:spcBef>
@@ -3265,15 +3367,19 @@
               <a:defRPr sz="1200"/>
             </a:lvl9pPr>
           </a:lstStyle>
-          <a:p/>
+          <a:p>
+            <a:endParaRPr/>
+          </a:p>
         </p:txBody>
       </p:sp>
       <p:sp>
         <p:nvSpPr>
           <p:cNvPr id="23" name="Google Shape;23;p5"/>
-          <p:cNvSpPr txBox="1"/>
+          <p:cNvSpPr txBox="1">
+            <a:spLocks noGrp="1"/>
+          </p:cNvSpPr>
           <p:nvPr>
-            <p:ph idx="2" type="body"/>
+            <p:ph type="body" idx="2"/>
           </p:nvPr>
         </p:nvSpPr>
         <p:spPr>
@@ -3286,11 +3392,11 @@
           </a:prstGeom>
         </p:spPr>
         <p:txBody>
-          <a:bodyPr anchorCtr="0" anchor="t" bIns="91425" lIns="91425" spcFirstLastPara="1" rIns="91425" wrap="square" tIns="91425">
+          <a:bodyPr spcFirstLastPara="1" wrap="square" lIns="91425" tIns="91425" rIns="91425" bIns="91425" anchor="t" anchorCtr="0">
             <a:noAutofit/>
           </a:bodyPr>
           <a:lstStyle>
-            <a:lvl1pPr indent="-317500" lvl="0" marL="457200">
+            <a:lvl1pPr marL="457200" lvl="0" indent="-317500">
               <a:spcBef>
                 <a:spcPts val="0"/>
               </a:spcBef>
@@ -3301,7 +3407,7 @@
               <a:buChar char="●"/>
               <a:defRPr sz="1400"/>
             </a:lvl1pPr>
-            <a:lvl2pPr indent="-304800" lvl="1" marL="914400">
+            <a:lvl2pPr marL="914400" lvl="1" indent="-304800">
               <a:spcBef>
                 <a:spcPts val="1600"/>
               </a:spcBef>
@@ -3312,7 +3418,7 @@
               <a:buChar char="○"/>
               <a:defRPr sz="1200"/>
             </a:lvl2pPr>
-            <a:lvl3pPr indent="-304800" lvl="2" marL="1371600">
+            <a:lvl3pPr marL="1371600" lvl="2" indent="-304800">
               <a:spcBef>
                 <a:spcPts val="1600"/>
               </a:spcBef>
@@ -3323,7 +3429,7 @@
               <a:buChar char="■"/>
               <a:defRPr sz="1200"/>
             </a:lvl3pPr>
-            <a:lvl4pPr indent="-304800" lvl="3" marL="1828800">
+            <a:lvl4pPr marL="1828800" lvl="3" indent="-304800">
               <a:spcBef>
                 <a:spcPts val="1600"/>
               </a:spcBef>
@@ -3334,7 +3440,7 @@
               <a:buChar char="●"/>
               <a:defRPr sz="1200"/>
             </a:lvl4pPr>
-            <a:lvl5pPr indent="-304800" lvl="4" marL="2286000">
+            <a:lvl5pPr marL="2286000" lvl="4" indent="-304800">
               <a:spcBef>
                 <a:spcPts val="1600"/>
               </a:spcBef>
@@ -3345,7 +3451,7 @@
               <a:buChar char="○"/>
               <a:defRPr sz="1200"/>
             </a:lvl5pPr>
-            <a:lvl6pPr indent="-304800" lvl="5" marL="2743200">
+            <a:lvl6pPr marL="2743200" lvl="5" indent="-304800">
               <a:spcBef>
                 <a:spcPts val="1600"/>
               </a:spcBef>
@@ -3356,7 +3462,7 @@
               <a:buChar char="■"/>
               <a:defRPr sz="1200"/>
             </a:lvl6pPr>
-            <a:lvl7pPr indent="-304800" lvl="6" marL="3200400">
+            <a:lvl7pPr marL="3200400" lvl="6" indent="-304800">
               <a:spcBef>
                 <a:spcPts val="1600"/>
               </a:spcBef>
@@ -3367,7 +3473,7 @@
               <a:buChar char="●"/>
               <a:defRPr sz="1200"/>
             </a:lvl7pPr>
-            <a:lvl8pPr indent="-304800" lvl="7" marL="3657600">
+            <a:lvl8pPr marL="3657600" lvl="7" indent="-304800">
               <a:spcBef>
                 <a:spcPts val="1600"/>
               </a:spcBef>
@@ -3378,7 +3484,7 @@
               <a:buChar char="○"/>
               <a:defRPr sz="1200"/>
             </a:lvl8pPr>
-            <a:lvl9pPr indent="-304800" lvl="8" marL="4114800">
+            <a:lvl9pPr marL="4114800" lvl="8" indent="-304800">
               <a:spcBef>
                 <a:spcPts val="1600"/>
               </a:spcBef>
@@ -3390,15 +3496,19 @@
               <a:defRPr sz="1200"/>
             </a:lvl9pPr>
           </a:lstStyle>
-          <a:p/>
+          <a:p>
+            <a:endParaRPr/>
+          </a:p>
         </p:txBody>
       </p:sp>
       <p:sp>
         <p:nvSpPr>
           <p:cNvPr id="24" name="Google Shape;24;p5"/>
-          <p:cNvSpPr txBox="1"/>
+          <p:cNvSpPr txBox="1">
+            <a:spLocks noGrp="1"/>
+          </p:cNvSpPr>
           <p:nvPr>
-            <p:ph idx="12" type="sldNum"/>
+            <p:ph type="sldNum" idx="12"/>
           </p:nvPr>
         </p:nvSpPr>
         <p:spPr>
@@ -3411,7 +3521,7 @@
           </a:prstGeom>
         </p:spPr>
         <p:txBody>
-          <a:bodyPr anchorCtr="0" anchor="ctr" bIns="91425" lIns="91425" spcFirstLastPara="1" rIns="91425" wrap="square" tIns="91425">
+          <a:bodyPr spcFirstLastPara="1" wrap="square" lIns="91425" tIns="91425" rIns="91425" bIns="91425" anchor="ctr" anchorCtr="0">
             <a:noAutofit/>
           </a:bodyPr>
           <a:lstStyle>
@@ -3453,7 +3563,7 @@
             </a:lvl9pPr>
           </a:lstStyle>
           <a:p>
-            <a:pPr indent="0" lvl="0" marL="0" rtl="0" algn="r">
+            <a:pPr marL="0" lvl="0" indent="0" algn="r" rtl="0">
               <a:spcBef>
                 <a:spcPts val="0"/>
               </a:spcBef>
@@ -3479,11 +3589,11 @@
 </file>
 
 <file path=ppt/slideLayouts/slideLayout5.xml><?xml version="1.0" encoding="utf-8"?>
-<p:sldLayout xmlns:a="http://schemas.openxmlformats.org/drawingml/2006/main" xmlns:r="http://schemas.openxmlformats.org/officeDocument/2006/relationships" xmlns:mc="http://schemas.openxmlformats.org/markup-compatibility/2006" xmlns:mv="urn:schemas-microsoft-com:mac:vml" xmlns:p="http://schemas.openxmlformats.org/presentationml/2006/main" xmlns:c="http://schemas.openxmlformats.org/drawingml/2006/chart" xmlns:dgm="http://schemas.openxmlformats.org/drawingml/2006/diagram" xmlns:o="urn:schemas-microsoft-com:office:office" xmlns:v="urn:schemas-microsoft-com:vml" xmlns:pvml="urn:schemas-microsoft-com:office:powerpoint" xmlns:com="http://schemas.openxmlformats.org/drawingml/2006/compatibility" xmlns:p14="http://schemas.microsoft.com/office/powerpoint/2010/main" xmlns:p15="http://schemas.microsoft.com/office/powerpoint/2012/main" xmlns:ahyp="http://schemas.microsoft.com/office/drawing/2018/hyperlinkcolor" matchingName="Title only" type="titleOnly">
+<p:sldLayout xmlns:a="http://schemas.openxmlformats.org/drawingml/2006/main" xmlns:r="http://schemas.openxmlformats.org/officeDocument/2006/relationships" xmlns:p="http://schemas.openxmlformats.org/presentationml/2006/main" matchingName="Title only" type="titleOnly">
   <p:cSld name="TITLE_ONLY">
     <p:spTree>
       <p:nvGrpSpPr>
-        <p:cNvPr id="25" name="Shape 25"/>
+        <p:cNvPr id="1" name="Shape 25"/>
         <p:cNvGrpSpPr/>
         <p:nvPr/>
       </p:nvGrpSpPr>
@@ -3498,7 +3608,9 @@
       <p:sp>
         <p:nvSpPr>
           <p:cNvPr id="26" name="Google Shape;26;p6"/>
-          <p:cNvSpPr txBox="1"/>
+          <p:cNvSpPr txBox="1">
+            <a:spLocks noGrp="1"/>
+          </p:cNvSpPr>
           <p:nvPr>
             <p:ph type="title"/>
           </p:nvPr>
@@ -3513,7 +3625,7 @@
           </a:prstGeom>
         </p:spPr>
         <p:txBody>
-          <a:bodyPr anchorCtr="0" anchor="t" bIns="91425" lIns="91425" spcFirstLastPara="1" rIns="91425" wrap="square" tIns="91425">
+          <a:bodyPr spcFirstLastPara="1" wrap="square" lIns="91425" tIns="91425" rIns="91425" bIns="91425" anchor="t" anchorCtr="0">
             <a:noAutofit/>
           </a:bodyPr>
           <a:lstStyle>
@@ -3617,15 +3729,19 @@
               <a:defRPr/>
             </a:lvl9pPr>
           </a:lstStyle>
-          <a:p/>
+          <a:p>
+            <a:endParaRPr/>
+          </a:p>
         </p:txBody>
       </p:sp>
       <p:sp>
         <p:nvSpPr>
           <p:cNvPr id="27" name="Google Shape;27;p6"/>
-          <p:cNvSpPr txBox="1"/>
+          <p:cNvSpPr txBox="1">
+            <a:spLocks noGrp="1"/>
+          </p:cNvSpPr>
           <p:nvPr>
-            <p:ph idx="12" type="sldNum"/>
+            <p:ph type="sldNum" idx="12"/>
           </p:nvPr>
         </p:nvSpPr>
         <p:spPr>
@@ -3638,7 +3754,7 @@
           </a:prstGeom>
         </p:spPr>
         <p:txBody>
-          <a:bodyPr anchorCtr="0" anchor="ctr" bIns="91425" lIns="91425" spcFirstLastPara="1" rIns="91425" wrap="square" tIns="91425">
+          <a:bodyPr spcFirstLastPara="1" wrap="square" lIns="91425" tIns="91425" rIns="91425" bIns="91425" anchor="ctr" anchorCtr="0">
             <a:noAutofit/>
           </a:bodyPr>
           <a:lstStyle>
@@ -3680,7 +3796,7 @@
             </a:lvl9pPr>
           </a:lstStyle>
           <a:p>
-            <a:pPr indent="0" lvl="0" marL="0" rtl="0" algn="r">
+            <a:pPr marL="0" lvl="0" indent="0" algn="r" rtl="0">
               <a:spcBef>
                 <a:spcPts val="0"/>
               </a:spcBef>
@@ -3706,11 +3822,11 @@
 </file>
 
 <file path=ppt/slideLayouts/slideLayout6.xml><?xml version="1.0" encoding="utf-8"?>
-<p:sldLayout xmlns:a="http://schemas.openxmlformats.org/drawingml/2006/main" xmlns:r="http://schemas.openxmlformats.org/officeDocument/2006/relationships" xmlns:mc="http://schemas.openxmlformats.org/markup-compatibility/2006" xmlns:mv="urn:schemas-microsoft-com:mac:vml" xmlns:p="http://schemas.openxmlformats.org/presentationml/2006/main" xmlns:c="http://schemas.openxmlformats.org/drawingml/2006/chart" xmlns:dgm="http://schemas.openxmlformats.org/drawingml/2006/diagram" xmlns:o="urn:schemas-microsoft-com:office:office" xmlns:v="urn:schemas-microsoft-com:vml" xmlns:pvml="urn:schemas-microsoft-com:office:powerpoint" xmlns:com="http://schemas.openxmlformats.org/drawingml/2006/compatibility" xmlns:p14="http://schemas.microsoft.com/office/powerpoint/2010/main" xmlns:p15="http://schemas.microsoft.com/office/powerpoint/2012/main" xmlns:ahyp="http://schemas.microsoft.com/office/drawing/2018/hyperlinkcolor" matchingName="One column text">
+<p:sldLayout xmlns:a="http://schemas.openxmlformats.org/drawingml/2006/main" xmlns:r="http://schemas.openxmlformats.org/officeDocument/2006/relationships" xmlns:p="http://schemas.openxmlformats.org/presentationml/2006/main" matchingName="One column text">
   <p:cSld name="ONE_COLUMN_TEXT">
     <p:spTree>
       <p:nvGrpSpPr>
-        <p:cNvPr id="28" name="Shape 28"/>
+        <p:cNvPr id="1" name="Shape 28"/>
         <p:cNvGrpSpPr/>
         <p:nvPr/>
       </p:nvGrpSpPr>
@@ -3725,7 +3841,9 @@
       <p:sp>
         <p:nvSpPr>
           <p:cNvPr id="29" name="Google Shape;29;p7"/>
-          <p:cNvSpPr txBox="1"/>
+          <p:cNvSpPr txBox="1">
+            <a:spLocks noGrp="1"/>
+          </p:cNvSpPr>
           <p:nvPr>
             <p:ph type="title"/>
           </p:nvPr>
@@ -3740,7 +3858,7 @@
           </a:prstGeom>
         </p:spPr>
         <p:txBody>
-          <a:bodyPr anchorCtr="0" anchor="b" bIns="91425" lIns="91425" spcFirstLastPara="1" rIns="91425" wrap="square" tIns="91425">
+          <a:bodyPr spcFirstLastPara="1" wrap="square" lIns="91425" tIns="91425" rIns="91425" bIns="91425" anchor="b" anchorCtr="0">
             <a:noAutofit/>
           </a:bodyPr>
           <a:lstStyle>
@@ -3844,15 +3962,19 @@
               <a:defRPr sz="2400"/>
             </a:lvl9pPr>
           </a:lstStyle>
-          <a:p/>
+          <a:p>
+            <a:endParaRPr/>
+          </a:p>
         </p:txBody>
       </p:sp>
       <p:sp>
         <p:nvSpPr>
           <p:cNvPr id="30" name="Google Shape;30;p7"/>
-          <p:cNvSpPr txBox="1"/>
+          <p:cNvSpPr txBox="1">
+            <a:spLocks noGrp="1"/>
+          </p:cNvSpPr>
           <p:nvPr>
-            <p:ph idx="1" type="body"/>
+            <p:ph type="body" idx="1"/>
           </p:nvPr>
         </p:nvSpPr>
         <p:spPr>
@@ -3865,11 +3987,11 @@
           </a:prstGeom>
         </p:spPr>
         <p:txBody>
-          <a:bodyPr anchorCtr="0" anchor="t" bIns="91425" lIns="91425" spcFirstLastPara="1" rIns="91425" wrap="square" tIns="91425">
+          <a:bodyPr spcFirstLastPara="1" wrap="square" lIns="91425" tIns="91425" rIns="91425" bIns="91425" anchor="t" anchorCtr="0">
             <a:noAutofit/>
           </a:bodyPr>
           <a:lstStyle>
-            <a:lvl1pPr indent="-304800" lvl="0" marL="457200">
+            <a:lvl1pPr marL="457200" lvl="0" indent="-304800">
               <a:spcBef>
                 <a:spcPts val="0"/>
               </a:spcBef>
@@ -3880,7 +4002,7 @@
               <a:buChar char="●"/>
               <a:defRPr sz="1200"/>
             </a:lvl1pPr>
-            <a:lvl2pPr indent="-304800" lvl="1" marL="914400">
+            <a:lvl2pPr marL="914400" lvl="1" indent="-304800">
               <a:spcBef>
                 <a:spcPts val="1600"/>
               </a:spcBef>
@@ -3891,7 +4013,7 @@
               <a:buChar char="○"/>
               <a:defRPr sz="1200"/>
             </a:lvl2pPr>
-            <a:lvl3pPr indent="-304800" lvl="2" marL="1371600">
+            <a:lvl3pPr marL="1371600" lvl="2" indent="-304800">
               <a:spcBef>
                 <a:spcPts val="1600"/>
               </a:spcBef>
@@ -3902,7 +4024,7 @@
               <a:buChar char="■"/>
               <a:defRPr sz="1200"/>
             </a:lvl3pPr>
-            <a:lvl4pPr indent="-304800" lvl="3" marL="1828800">
+            <a:lvl4pPr marL="1828800" lvl="3" indent="-304800">
               <a:spcBef>
                 <a:spcPts val="1600"/>
               </a:spcBef>
@@ -3913,7 +4035,7 @@
               <a:buChar char="●"/>
               <a:defRPr sz="1200"/>
             </a:lvl4pPr>
-            <a:lvl5pPr indent="-304800" lvl="4" marL="2286000">
+            <a:lvl5pPr marL="2286000" lvl="4" indent="-304800">
               <a:spcBef>
                 <a:spcPts val="1600"/>
               </a:spcBef>
@@ -3924,7 +4046,7 @@
               <a:buChar char="○"/>
               <a:defRPr sz="1200"/>
             </a:lvl5pPr>
-            <a:lvl6pPr indent="-304800" lvl="5" marL="2743200">
+            <a:lvl6pPr marL="2743200" lvl="5" indent="-304800">
               <a:spcBef>
                 <a:spcPts val="1600"/>
               </a:spcBef>
@@ -3935,7 +4057,7 @@
               <a:buChar char="■"/>
               <a:defRPr sz="1200"/>
             </a:lvl6pPr>
-            <a:lvl7pPr indent="-304800" lvl="6" marL="3200400">
+            <a:lvl7pPr marL="3200400" lvl="6" indent="-304800">
               <a:spcBef>
                 <a:spcPts val="1600"/>
               </a:spcBef>
@@ -3946,7 +4068,7 @@
               <a:buChar char="●"/>
               <a:defRPr sz="1200"/>
             </a:lvl7pPr>
-            <a:lvl8pPr indent="-304800" lvl="7" marL="3657600">
+            <a:lvl8pPr marL="3657600" lvl="7" indent="-304800">
               <a:spcBef>
                 <a:spcPts val="1600"/>
               </a:spcBef>
@@ -3957,7 +4079,7 @@
               <a:buChar char="○"/>
               <a:defRPr sz="1200"/>
             </a:lvl8pPr>
-            <a:lvl9pPr indent="-304800" lvl="8" marL="4114800">
+            <a:lvl9pPr marL="4114800" lvl="8" indent="-304800">
               <a:spcBef>
                 <a:spcPts val="1600"/>
               </a:spcBef>
@@ -3969,15 +4091,19 @@
               <a:defRPr sz="1200"/>
             </a:lvl9pPr>
           </a:lstStyle>
-          <a:p/>
+          <a:p>
+            <a:endParaRPr/>
+          </a:p>
         </p:txBody>
       </p:sp>
       <p:sp>
         <p:nvSpPr>
           <p:cNvPr id="31" name="Google Shape;31;p7"/>
-          <p:cNvSpPr txBox="1"/>
+          <p:cNvSpPr txBox="1">
+            <a:spLocks noGrp="1"/>
+          </p:cNvSpPr>
           <p:nvPr>
-            <p:ph idx="12" type="sldNum"/>
+            <p:ph type="sldNum" idx="12"/>
           </p:nvPr>
         </p:nvSpPr>
         <p:spPr>
@@ -3990,7 +4116,7 @@
           </a:prstGeom>
         </p:spPr>
         <p:txBody>
-          <a:bodyPr anchorCtr="0" anchor="ctr" bIns="91425" lIns="91425" spcFirstLastPara="1" rIns="91425" wrap="square" tIns="91425">
+          <a:bodyPr spcFirstLastPara="1" wrap="square" lIns="91425" tIns="91425" rIns="91425" bIns="91425" anchor="ctr" anchorCtr="0">
             <a:noAutofit/>
           </a:bodyPr>
           <a:lstStyle>
@@ -4032,7 +4158,7 @@
             </a:lvl9pPr>
           </a:lstStyle>
           <a:p>
-            <a:pPr indent="0" lvl="0" marL="0" rtl="0" algn="r">
+            <a:pPr marL="0" lvl="0" indent="0" algn="r" rtl="0">
               <a:spcBef>
                 <a:spcPts val="0"/>
               </a:spcBef>
@@ -4058,11 +4184,11 @@
 </file>
 
 <file path=ppt/slideLayouts/slideLayout7.xml><?xml version="1.0" encoding="utf-8"?>
-<p:sldLayout xmlns:a="http://schemas.openxmlformats.org/drawingml/2006/main" xmlns:r="http://schemas.openxmlformats.org/officeDocument/2006/relationships" xmlns:mc="http://schemas.openxmlformats.org/markup-compatibility/2006" xmlns:mv="urn:schemas-microsoft-com:mac:vml" xmlns:p="http://schemas.openxmlformats.org/presentationml/2006/main" xmlns:c="http://schemas.openxmlformats.org/drawingml/2006/chart" xmlns:dgm="http://schemas.openxmlformats.org/drawingml/2006/diagram" xmlns:o="urn:schemas-microsoft-com:office:office" xmlns:v="urn:schemas-microsoft-com:vml" xmlns:pvml="urn:schemas-microsoft-com:office:powerpoint" xmlns:com="http://schemas.openxmlformats.org/drawingml/2006/compatibility" xmlns:p14="http://schemas.microsoft.com/office/powerpoint/2010/main" xmlns:p15="http://schemas.microsoft.com/office/powerpoint/2012/main" xmlns:ahyp="http://schemas.microsoft.com/office/drawing/2018/hyperlinkcolor" matchingName="Main point">
+<p:sldLayout xmlns:a="http://schemas.openxmlformats.org/drawingml/2006/main" xmlns:r="http://schemas.openxmlformats.org/officeDocument/2006/relationships" xmlns:p="http://schemas.openxmlformats.org/presentationml/2006/main" matchingName="Main point">
   <p:cSld name="MAIN_POINT">
     <p:spTree>
       <p:nvGrpSpPr>
-        <p:cNvPr id="32" name="Shape 32"/>
+        <p:cNvPr id="1" name="Shape 32"/>
         <p:cNvGrpSpPr/>
         <p:nvPr/>
       </p:nvGrpSpPr>
@@ -4077,7 +4203,9 @@
       <p:sp>
         <p:nvSpPr>
           <p:cNvPr id="33" name="Google Shape;33;p8"/>
-          <p:cNvSpPr txBox="1"/>
+          <p:cNvSpPr txBox="1">
+            <a:spLocks noGrp="1"/>
+          </p:cNvSpPr>
           <p:nvPr>
             <p:ph type="title"/>
           </p:nvPr>
@@ -4092,7 +4220,7 @@
           </a:prstGeom>
         </p:spPr>
         <p:txBody>
-          <a:bodyPr anchorCtr="0" anchor="ctr" bIns="91425" lIns="91425" spcFirstLastPara="1" rIns="91425" wrap="square" tIns="91425">
+          <a:bodyPr spcFirstLastPara="1" wrap="square" lIns="91425" tIns="91425" rIns="91425" bIns="91425" anchor="ctr" anchorCtr="0">
             <a:noAutofit/>
           </a:bodyPr>
           <a:lstStyle>
@@ -4196,15 +4324,19 @@
               <a:defRPr sz="4800"/>
             </a:lvl9pPr>
           </a:lstStyle>
-          <a:p/>
+          <a:p>
+            <a:endParaRPr/>
+          </a:p>
         </p:txBody>
       </p:sp>
       <p:sp>
         <p:nvSpPr>
           <p:cNvPr id="34" name="Google Shape;34;p8"/>
-          <p:cNvSpPr txBox="1"/>
+          <p:cNvSpPr txBox="1">
+            <a:spLocks noGrp="1"/>
+          </p:cNvSpPr>
           <p:nvPr>
-            <p:ph idx="12" type="sldNum"/>
+            <p:ph type="sldNum" idx="12"/>
           </p:nvPr>
         </p:nvSpPr>
         <p:spPr>
@@ -4217,7 +4349,7 @@
           </a:prstGeom>
         </p:spPr>
         <p:txBody>
-          <a:bodyPr anchorCtr="0" anchor="ctr" bIns="91425" lIns="91425" spcFirstLastPara="1" rIns="91425" wrap="square" tIns="91425">
+          <a:bodyPr spcFirstLastPara="1" wrap="square" lIns="91425" tIns="91425" rIns="91425" bIns="91425" anchor="ctr" anchorCtr="0">
             <a:noAutofit/>
           </a:bodyPr>
           <a:lstStyle>
@@ -4259,7 +4391,7 @@
             </a:lvl9pPr>
           </a:lstStyle>
           <a:p>
-            <a:pPr indent="0" lvl="0" marL="0" rtl="0" algn="r">
+            <a:pPr marL="0" lvl="0" indent="0" algn="r" rtl="0">
               <a:spcBef>
                 <a:spcPts val="0"/>
               </a:spcBef>
@@ -4285,11 +4417,11 @@
 </file>
 
 <file path=ppt/slideLayouts/slideLayout8.xml><?xml version="1.0" encoding="utf-8"?>
-<p:sldLayout xmlns:a="http://schemas.openxmlformats.org/drawingml/2006/main" xmlns:r="http://schemas.openxmlformats.org/officeDocument/2006/relationships" xmlns:mc="http://schemas.openxmlformats.org/markup-compatibility/2006" xmlns:mv="urn:schemas-microsoft-com:mac:vml" xmlns:p="http://schemas.openxmlformats.org/presentationml/2006/main" xmlns:c="http://schemas.openxmlformats.org/drawingml/2006/chart" xmlns:dgm="http://schemas.openxmlformats.org/drawingml/2006/diagram" xmlns:o="urn:schemas-microsoft-com:office:office" xmlns:v="urn:schemas-microsoft-com:vml" xmlns:pvml="urn:schemas-microsoft-com:office:powerpoint" xmlns:com="http://schemas.openxmlformats.org/drawingml/2006/compatibility" xmlns:p14="http://schemas.microsoft.com/office/powerpoint/2010/main" xmlns:p15="http://schemas.microsoft.com/office/powerpoint/2012/main" xmlns:ahyp="http://schemas.microsoft.com/office/drawing/2018/hyperlinkcolor" matchingName="Section title and description">
+<p:sldLayout xmlns:a="http://schemas.openxmlformats.org/drawingml/2006/main" xmlns:r="http://schemas.openxmlformats.org/officeDocument/2006/relationships" xmlns:p="http://schemas.openxmlformats.org/presentationml/2006/main" matchingName="Section title and description">
   <p:cSld name="SECTION_TITLE_AND_DESCRIPTION">
     <p:spTree>
       <p:nvGrpSpPr>
-        <p:cNvPr id="35" name="Shape 35"/>
+        <p:cNvPr id="1" name="Shape 35"/>
         <p:cNvGrpSpPr/>
         <p:nvPr/>
       </p:nvGrpSpPr>
@@ -4323,12 +4455,12 @@
           </a:ln>
         </p:spPr>
         <p:txBody>
-          <a:bodyPr anchorCtr="0" anchor="ctr" bIns="91425" lIns="91425" spcFirstLastPara="1" rIns="91425" wrap="square" tIns="91425">
+          <a:bodyPr spcFirstLastPara="1" wrap="square" lIns="91425" tIns="91425" rIns="91425" bIns="91425" anchor="ctr" anchorCtr="0">
             <a:noAutofit/>
           </a:bodyPr>
           <a:lstStyle/>
           <a:p>
-            <a:pPr indent="0" lvl="0" marL="0" rtl="0" algn="l">
+            <a:pPr marL="0" lvl="0" indent="0" algn="l" rtl="0">
               <a:spcBef>
                 <a:spcPts val="0"/>
               </a:spcBef>
@@ -4337,9 +4469,6 @@
               </a:spcAft>
               <a:buNone/>
             </a:pPr>
-            <a:r>
-              <a:t/>
-            </a:r>
             <a:endParaRPr/>
           </a:p>
         </p:txBody>
@@ -4347,7 +4476,9 @@
       <p:sp>
         <p:nvSpPr>
           <p:cNvPr id="37" name="Google Shape;37;p9"/>
-          <p:cNvSpPr txBox="1"/>
+          <p:cNvSpPr txBox="1">
+            <a:spLocks noGrp="1"/>
+          </p:cNvSpPr>
           <p:nvPr>
             <p:ph type="title"/>
           </p:nvPr>
@@ -4362,7 +4493,7 @@
           </a:prstGeom>
         </p:spPr>
         <p:txBody>
-          <a:bodyPr anchorCtr="0" anchor="b" bIns="91425" lIns="91425" spcFirstLastPara="1" rIns="91425" wrap="square" tIns="91425">
+          <a:bodyPr spcFirstLastPara="1" wrap="square" lIns="91425" tIns="91425" rIns="91425" bIns="91425" anchor="b" anchorCtr="0">
             <a:noAutofit/>
           </a:bodyPr>
           <a:lstStyle>
@@ -4466,15 +4597,19 @@
               <a:defRPr sz="4200"/>
             </a:lvl9pPr>
           </a:lstStyle>
-          <a:p/>
+          <a:p>
+            <a:endParaRPr/>
+          </a:p>
         </p:txBody>
       </p:sp>
       <p:sp>
         <p:nvSpPr>
           <p:cNvPr id="38" name="Google Shape;38;p9"/>
-          <p:cNvSpPr txBox="1"/>
+          <p:cNvSpPr txBox="1">
+            <a:spLocks noGrp="1"/>
+          </p:cNvSpPr>
           <p:nvPr>
-            <p:ph idx="1" type="subTitle"/>
+            <p:ph type="subTitle" idx="1"/>
           </p:nvPr>
         </p:nvSpPr>
         <p:spPr>
@@ -4487,7 +4622,7 @@
           </a:prstGeom>
         </p:spPr>
         <p:txBody>
-          <a:bodyPr anchorCtr="0" anchor="t" bIns="91425" lIns="91425" spcFirstLastPara="1" rIns="91425" wrap="square" tIns="91425">
+          <a:bodyPr spcFirstLastPara="1" wrap="square" lIns="91425" tIns="91425" rIns="91425" bIns="91425" anchor="t" anchorCtr="0">
             <a:noAutofit/>
           </a:bodyPr>
           <a:lstStyle>
@@ -4618,15 +4753,19 @@
               <a:defRPr sz="2100"/>
             </a:lvl9pPr>
           </a:lstStyle>
-          <a:p/>
+          <a:p>
+            <a:endParaRPr/>
+          </a:p>
         </p:txBody>
       </p:sp>
       <p:sp>
         <p:nvSpPr>
           <p:cNvPr id="39" name="Google Shape;39;p9"/>
-          <p:cNvSpPr txBox="1"/>
+          <p:cNvSpPr txBox="1">
+            <a:spLocks noGrp="1"/>
+          </p:cNvSpPr>
           <p:nvPr>
-            <p:ph idx="2" type="body"/>
+            <p:ph type="body" idx="2"/>
           </p:nvPr>
         </p:nvSpPr>
         <p:spPr>
@@ -4639,11 +4778,11 @@
           </a:prstGeom>
         </p:spPr>
         <p:txBody>
-          <a:bodyPr anchorCtr="0" anchor="ctr" bIns="91425" lIns="91425" spcFirstLastPara="1" rIns="91425" wrap="square" tIns="91425">
+          <a:bodyPr spcFirstLastPara="1" wrap="square" lIns="91425" tIns="91425" rIns="91425" bIns="91425" anchor="ctr" anchorCtr="0">
             <a:noAutofit/>
           </a:bodyPr>
           <a:lstStyle>
-            <a:lvl1pPr indent="-342900" lvl="0" marL="457200">
+            <a:lvl1pPr marL="457200" lvl="0" indent="-342900">
               <a:spcBef>
                 <a:spcPts val="0"/>
               </a:spcBef>
@@ -4661,7 +4800,7 @@
                 </a:solidFill>
               </a:defRPr>
             </a:lvl1pPr>
-            <a:lvl2pPr indent="-317500" lvl="1" marL="914400">
+            <a:lvl2pPr marL="914400" lvl="1" indent="-317500">
               <a:spcBef>
                 <a:spcPts val="1600"/>
               </a:spcBef>
@@ -4679,7 +4818,7 @@
                 </a:solidFill>
               </a:defRPr>
             </a:lvl2pPr>
-            <a:lvl3pPr indent="-317500" lvl="2" marL="1371600">
+            <a:lvl3pPr marL="1371600" lvl="2" indent="-317500">
               <a:spcBef>
                 <a:spcPts val="1600"/>
               </a:spcBef>
@@ -4697,7 +4836,7 @@
                 </a:solidFill>
               </a:defRPr>
             </a:lvl3pPr>
-            <a:lvl4pPr indent="-317500" lvl="3" marL="1828800">
+            <a:lvl4pPr marL="1828800" lvl="3" indent="-317500">
               <a:spcBef>
                 <a:spcPts val="1600"/>
               </a:spcBef>
@@ -4715,7 +4854,7 @@
                 </a:solidFill>
               </a:defRPr>
             </a:lvl4pPr>
-            <a:lvl5pPr indent="-317500" lvl="4" marL="2286000">
+            <a:lvl5pPr marL="2286000" lvl="4" indent="-317500">
               <a:spcBef>
                 <a:spcPts val="1600"/>
               </a:spcBef>
@@ -4733,7 +4872,7 @@
                 </a:solidFill>
               </a:defRPr>
             </a:lvl5pPr>
-            <a:lvl6pPr indent="-317500" lvl="5" marL="2743200">
+            <a:lvl6pPr marL="2743200" lvl="5" indent="-317500">
               <a:spcBef>
                 <a:spcPts val="1600"/>
               </a:spcBef>
@@ -4751,7 +4890,7 @@
                 </a:solidFill>
               </a:defRPr>
             </a:lvl6pPr>
-            <a:lvl7pPr indent="-317500" lvl="6" marL="3200400">
+            <a:lvl7pPr marL="3200400" lvl="6" indent="-317500">
               <a:spcBef>
                 <a:spcPts val="1600"/>
               </a:spcBef>
@@ -4769,7 +4908,7 @@
                 </a:solidFill>
               </a:defRPr>
             </a:lvl7pPr>
-            <a:lvl8pPr indent="-317500" lvl="7" marL="3657600">
+            <a:lvl8pPr marL="3657600" lvl="7" indent="-317500">
               <a:spcBef>
                 <a:spcPts val="1600"/>
               </a:spcBef>
@@ -4787,7 +4926,7 @@
                 </a:solidFill>
               </a:defRPr>
             </a:lvl8pPr>
-            <a:lvl9pPr indent="-317500" lvl="8" marL="4114800">
+            <a:lvl9pPr marL="4114800" lvl="8" indent="-317500">
               <a:spcBef>
                 <a:spcPts val="1600"/>
               </a:spcBef>
@@ -4806,15 +4945,19 @@
               </a:defRPr>
             </a:lvl9pPr>
           </a:lstStyle>
-          <a:p/>
+          <a:p>
+            <a:endParaRPr/>
+          </a:p>
         </p:txBody>
       </p:sp>
       <p:sp>
         <p:nvSpPr>
           <p:cNvPr id="40" name="Google Shape;40;p9"/>
-          <p:cNvSpPr txBox="1"/>
+          <p:cNvSpPr txBox="1">
+            <a:spLocks noGrp="1"/>
+          </p:cNvSpPr>
           <p:nvPr>
-            <p:ph idx="12" type="sldNum"/>
+            <p:ph type="sldNum" idx="12"/>
           </p:nvPr>
         </p:nvSpPr>
         <p:spPr>
@@ -4827,7 +4970,7 @@
           </a:prstGeom>
         </p:spPr>
         <p:txBody>
-          <a:bodyPr anchorCtr="0" anchor="ctr" bIns="91425" lIns="91425" spcFirstLastPara="1" rIns="91425" wrap="square" tIns="91425">
+          <a:bodyPr spcFirstLastPara="1" wrap="square" lIns="91425" tIns="91425" rIns="91425" bIns="91425" anchor="ctr" anchorCtr="0">
             <a:noAutofit/>
           </a:bodyPr>
           <a:lstStyle>
@@ -4869,7 +5012,7 @@
             </a:lvl9pPr>
           </a:lstStyle>
           <a:p>
-            <a:pPr indent="0" lvl="0" marL="0" rtl="0" algn="r">
+            <a:pPr marL="0" lvl="0" indent="0" algn="r" rtl="0">
               <a:spcBef>
                 <a:spcPts val="0"/>
               </a:spcBef>
@@ -4895,11 +5038,11 @@
 </file>
 
 <file path=ppt/slideLayouts/slideLayout9.xml><?xml version="1.0" encoding="utf-8"?>
-<p:sldLayout xmlns:a="http://schemas.openxmlformats.org/drawingml/2006/main" xmlns:r="http://schemas.openxmlformats.org/officeDocument/2006/relationships" xmlns:mc="http://schemas.openxmlformats.org/markup-compatibility/2006" xmlns:mv="urn:schemas-microsoft-com:mac:vml" xmlns:p="http://schemas.openxmlformats.org/presentationml/2006/main" xmlns:c="http://schemas.openxmlformats.org/drawingml/2006/chart" xmlns:dgm="http://schemas.openxmlformats.org/drawingml/2006/diagram" xmlns:o="urn:schemas-microsoft-com:office:office" xmlns:v="urn:schemas-microsoft-com:vml" xmlns:pvml="urn:schemas-microsoft-com:office:powerpoint" xmlns:com="http://schemas.openxmlformats.org/drawingml/2006/compatibility" xmlns:p14="http://schemas.microsoft.com/office/powerpoint/2010/main" xmlns:p15="http://schemas.microsoft.com/office/powerpoint/2012/main" xmlns:ahyp="http://schemas.microsoft.com/office/drawing/2018/hyperlinkcolor" matchingName="Caption">
+<p:sldLayout xmlns:a="http://schemas.openxmlformats.org/drawingml/2006/main" xmlns:r="http://schemas.openxmlformats.org/officeDocument/2006/relationships" xmlns:p="http://schemas.openxmlformats.org/presentationml/2006/main" matchingName="Caption">
   <p:cSld name="CAPTION_ONLY">
     <p:spTree>
       <p:nvGrpSpPr>
-        <p:cNvPr id="41" name="Shape 41"/>
+        <p:cNvPr id="1" name="Shape 41"/>
         <p:cNvGrpSpPr/>
         <p:nvPr/>
       </p:nvGrpSpPr>
@@ -4914,9 +5057,11 @@
       <p:sp>
         <p:nvSpPr>
           <p:cNvPr id="42" name="Google Shape;42;p10"/>
-          <p:cNvSpPr txBox="1"/>
+          <p:cNvSpPr txBox="1">
+            <a:spLocks noGrp="1"/>
+          </p:cNvSpPr>
           <p:nvPr>
-            <p:ph idx="1" type="body"/>
+            <p:ph type="body" idx="1"/>
           </p:nvPr>
         </p:nvSpPr>
         <p:spPr>
@@ -4929,11 +5074,11 @@
           </a:prstGeom>
         </p:spPr>
         <p:txBody>
-          <a:bodyPr anchorCtr="0" anchor="ctr" bIns="91425" lIns="91425" spcFirstLastPara="1" rIns="91425" wrap="square" tIns="91425">
+          <a:bodyPr spcFirstLastPara="1" wrap="square" lIns="91425" tIns="91425" rIns="91425" bIns="91425" anchor="ctr" anchorCtr="0">
             <a:noAutofit/>
           </a:bodyPr>
           <a:lstStyle>
-            <a:lvl1pPr indent="-228600" lvl="0" marL="457200">
+            <a:lvl1pPr marL="457200" lvl="0" indent="-228600">
               <a:lnSpc>
                 <a:spcPct val="100000"/>
               </a:lnSpc>
@@ -4948,15 +5093,19 @@
               <a:defRPr/>
             </a:lvl1pPr>
           </a:lstStyle>
-          <a:p/>
+          <a:p>
+            <a:endParaRPr/>
+          </a:p>
         </p:txBody>
       </p:sp>
       <p:sp>
         <p:nvSpPr>
           <p:cNvPr id="43" name="Google Shape;43;p10"/>
-          <p:cNvSpPr txBox="1"/>
+          <p:cNvSpPr txBox="1">
+            <a:spLocks noGrp="1"/>
+          </p:cNvSpPr>
           <p:nvPr>
-            <p:ph idx="12" type="sldNum"/>
+            <p:ph type="sldNum" idx="12"/>
           </p:nvPr>
         </p:nvSpPr>
         <p:spPr>
@@ -4969,7 +5118,7 @@
           </a:prstGeom>
         </p:spPr>
         <p:txBody>
-          <a:bodyPr anchorCtr="0" anchor="ctr" bIns="91425" lIns="91425" spcFirstLastPara="1" rIns="91425" wrap="square" tIns="91425">
+          <a:bodyPr spcFirstLastPara="1" wrap="square" lIns="91425" tIns="91425" rIns="91425" bIns="91425" anchor="ctr" anchorCtr="0">
             <a:noAutofit/>
           </a:bodyPr>
           <a:lstStyle>
@@ -5011,7 +5160,7 @@
             </a:lvl9pPr>
           </a:lstStyle>
           <a:p>
-            <a:pPr indent="0" lvl="0" marL="0" rtl="0" algn="r">
+            <a:pPr marL="0" lvl="0" indent="0" algn="r" rtl="0">
               <a:spcBef>
                 <a:spcPts val="0"/>
               </a:spcBef>
@@ -5037,18 +5186,19 @@
 </file>
 
 <file path=ppt/slideMasters/slideMaster1.xml><?xml version="1.0" encoding="utf-8"?>
-<p:sldMaster xmlns:a="http://schemas.openxmlformats.org/drawingml/2006/main" xmlns:r="http://schemas.openxmlformats.org/officeDocument/2006/relationships" xmlns:mc="http://schemas.openxmlformats.org/markup-compatibility/2006" xmlns:mv="urn:schemas-microsoft-com:mac:vml" xmlns:p="http://schemas.openxmlformats.org/presentationml/2006/main" xmlns:c="http://schemas.openxmlformats.org/drawingml/2006/chart" xmlns:dgm="http://schemas.openxmlformats.org/drawingml/2006/diagram" xmlns:o="urn:schemas-microsoft-com:office:office" xmlns:v="urn:schemas-microsoft-com:vml" xmlns:pvml="urn:schemas-microsoft-com:office:powerpoint" xmlns:com="http://schemas.openxmlformats.org/drawingml/2006/compatibility" xmlns:p14="http://schemas.microsoft.com/office/powerpoint/2010/main" xmlns:p15="http://schemas.microsoft.com/office/powerpoint/2012/main" xmlns:ahyp="http://schemas.microsoft.com/office/drawing/2018/hyperlinkcolor">
+<p:sldMaster xmlns:a="http://schemas.openxmlformats.org/drawingml/2006/main" xmlns:r="http://schemas.openxmlformats.org/officeDocument/2006/relationships" xmlns:p="http://schemas.openxmlformats.org/presentationml/2006/main">
   <p:cSld name="simple-dark-2">
     <p:bg>
       <p:bgPr>
         <a:solidFill>
           <a:schemeClr val="lt1"/>
         </a:solidFill>
+        <a:effectLst/>
       </p:bgPr>
     </p:bg>
     <p:spTree>
       <p:nvGrpSpPr>
-        <p:cNvPr id="5" name="Shape 5"/>
+        <p:cNvPr id="1" name="Shape 5"/>
         <p:cNvGrpSpPr/>
         <p:nvPr/>
       </p:nvGrpSpPr>
@@ -5063,7 +5213,9 @@
       <p:sp>
         <p:nvSpPr>
           <p:cNvPr id="6" name="Google Shape;6;p1"/>
-          <p:cNvSpPr txBox="1"/>
+          <p:cNvSpPr txBox="1">
+            <a:spLocks noGrp="1"/>
+          </p:cNvSpPr>
           <p:nvPr>
             <p:ph type="title"/>
           </p:nvPr>
@@ -5082,7 +5234,7 @@
           </a:ln>
         </p:spPr>
         <p:txBody>
-          <a:bodyPr anchorCtr="0" anchor="t" bIns="91425" lIns="91425" spcFirstLastPara="1" rIns="91425" wrap="square" tIns="91425">
+          <a:bodyPr spcFirstLastPara="1" wrap="square" lIns="91425" tIns="91425" rIns="91425" bIns="91425" anchor="t" anchorCtr="0">
             <a:noAutofit/>
           </a:bodyPr>
           <a:lstStyle>
@@ -5249,15 +5401,19 @@
               </a:defRPr>
             </a:lvl9pPr>
           </a:lstStyle>
-          <a:p/>
+          <a:p>
+            <a:endParaRPr/>
+          </a:p>
         </p:txBody>
       </p:sp>
       <p:sp>
         <p:nvSpPr>
           <p:cNvPr id="7" name="Google Shape;7;p1"/>
-          <p:cNvSpPr txBox="1"/>
+          <p:cNvSpPr txBox="1">
+            <a:spLocks noGrp="1"/>
+          </p:cNvSpPr>
           <p:nvPr>
-            <p:ph idx="1" type="body"/>
+            <p:ph type="body" idx="1"/>
           </p:nvPr>
         </p:nvSpPr>
         <p:spPr>
@@ -5274,11 +5430,11 @@
           </a:ln>
         </p:spPr>
         <p:txBody>
-          <a:bodyPr anchorCtr="0" anchor="t" bIns="91425" lIns="91425" spcFirstLastPara="1" rIns="91425" wrap="square" tIns="91425">
+          <a:bodyPr spcFirstLastPara="1" wrap="square" lIns="91425" tIns="91425" rIns="91425" bIns="91425" anchor="t" anchorCtr="0">
             <a:noAutofit/>
           </a:bodyPr>
           <a:lstStyle>
-            <a:lvl1pPr indent="-342900" lvl="0" marL="457200">
+            <a:lvl1pPr marL="457200" lvl="0" indent="-342900">
               <a:lnSpc>
                 <a:spcPct val="115000"/>
               </a:lnSpc>
@@ -5299,7 +5455,7 @@
                 </a:solidFill>
               </a:defRPr>
             </a:lvl1pPr>
-            <a:lvl2pPr indent="-317500" lvl="1" marL="914400">
+            <a:lvl2pPr marL="914400" lvl="1" indent="-317500">
               <a:lnSpc>
                 <a:spcPct val="115000"/>
               </a:lnSpc>
@@ -5320,7 +5476,7 @@
                 </a:solidFill>
               </a:defRPr>
             </a:lvl2pPr>
-            <a:lvl3pPr indent="-317500" lvl="2" marL="1371600">
+            <a:lvl3pPr marL="1371600" lvl="2" indent="-317500">
               <a:lnSpc>
                 <a:spcPct val="115000"/>
               </a:lnSpc>
@@ -5341,7 +5497,7 @@
                 </a:solidFill>
               </a:defRPr>
             </a:lvl3pPr>
-            <a:lvl4pPr indent="-317500" lvl="3" marL="1828800">
+            <a:lvl4pPr marL="1828800" lvl="3" indent="-317500">
               <a:lnSpc>
                 <a:spcPct val="115000"/>
               </a:lnSpc>
@@ -5362,7 +5518,7 @@
                 </a:solidFill>
               </a:defRPr>
             </a:lvl4pPr>
-            <a:lvl5pPr indent="-317500" lvl="4" marL="2286000">
+            <a:lvl5pPr marL="2286000" lvl="4" indent="-317500">
               <a:lnSpc>
                 <a:spcPct val="115000"/>
               </a:lnSpc>
@@ -5383,7 +5539,7 @@
                 </a:solidFill>
               </a:defRPr>
             </a:lvl5pPr>
-            <a:lvl6pPr indent="-317500" lvl="5" marL="2743200">
+            <a:lvl6pPr marL="2743200" lvl="5" indent="-317500">
               <a:lnSpc>
                 <a:spcPct val="115000"/>
               </a:lnSpc>
@@ -5404,7 +5560,7 @@
                 </a:solidFill>
               </a:defRPr>
             </a:lvl6pPr>
-            <a:lvl7pPr indent="-317500" lvl="6" marL="3200400">
+            <a:lvl7pPr marL="3200400" lvl="6" indent="-317500">
               <a:lnSpc>
                 <a:spcPct val="115000"/>
               </a:lnSpc>
@@ -5425,7 +5581,7 @@
                 </a:solidFill>
               </a:defRPr>
             </a:lvl7pPr>
-            <a:lvl8pPr indent="-317500" lvl="7" marL="3657600">
+            <a:lvl8pPr marL="3657600" lvl="7" indent="-317500">
               <a:lnSpc>
                 <a:spcPct val="115000"/>
               </a:lnSpc>
@@ -5446,7 +5602,7 @@
                 </a:solidFill>
               </a:defRPr>
             </a:lvl8pPr>
-            <a:lvl9pPr indent="-317500" lvl="8" marL="4114800">
+            <a:lvl9pPr marL="4114800" lvl="8" indent="-317500">
               <a:lnSpc>
                 <a:spcPct val="115000"/>
               </a:lnSpc>
@@ -5468,15 +5624,19 @@
               </a:defRPr>
             </a:lvl9pPr>
           </a:lstStyle>
-          <a:p/>
+          <a:p>
+            <a:endParaRPr/>
+          </a:p>
         </p:txBody>
       </p:sp>
       <p:sp>
         <p:nvSpPr>
           <p:cNvPr id="8" name="Google Shape;8;p1"/>
-          <p:cNvSpPr txBox="1"/>
+          <p:cNvSpPr txBox="1">
+            <a:spLocks noGrp="1"/>
+          </p:cNvSpPr>
           <p:nvPr>
-            <p:ph idx="12" type="sldNum"/>
+            <p:ph type="sldNum" idx="12"/>
           </p:nvPr>
         </p:nvSpPr>
         <p:spPr>
@@ -5493,7 +5653,7 @@
           </a:ln>
         </p:spPr>
         <p:txBody>
-          <a:bodyPr anchorCtr="0" anchor="ctr" bIns="91425" lIns="91425" spcFirstLastPara="1" rIns="91425" wrap="square" tIns="91425">
+          <a:bodyPr spcFirstLastPara="1" wrap="square" lIns="91425" tIns="91425" rIns="91425" bIns="91425" anchor="ctr" anchorCtr="0">
             <a:noAutofit/>
           </a:bodyPr>
           <a:lstStyle>
@@ -5571,7 +5731,7 @@
             </a:lvl9pPr>
           </a:lstStyle>
           <a:p>
-            <a:pPr indent="0" lvl="0" marL="0" rtl="0" algn="r">
+            <a:pPr marL="0" lvl="0" indent="0" algn="r" rtl="0">
               <a:spcBef>
                 <a:spcPts val="0"/>
               </a:spcBef>
@@ -5590,7 +5750,7 @@
       </p:sp>
     </p:spTree>
   </p:cSld>
-  <p:clrMap accent1="accent1" accent2="accent2" accent3="accent3" accent4="accent4" accent5="accent5" accent6="accent6" bg1="lt1" bg2="dk2" tx1="dk1" tx2="lt2" folHlink="folHlink" hlink="hlink"/>
+  <p:clrMap bg1="lt1" tx1="dk1" bg2="dk2" tx2="lt2" accent1="accent1" accent2="accent2" accent3="accent3" accent4="accent4" accent5="accent5" accent6="accent6" hlink="hlink" folHlink="folHlink"/>
   <p:sldLayoutIdLst>
     <p:sldLayoutId id="2147483648" r:id="rId1"/>
     <p:sldLayoutId id="2147483649" r:id="rId2"/>
@@ -5604,10 +5764,10 @@
     <p:sldLayoutId id="2147483657" r:id="rId10"/>
     <p:sldLayoutId id="2147483658" r:id="rId11"/>
   </p:sldLayoutIdLst>
-  <p:hf dt="0" ftr="0" hdr="0" sldNum="0"/>
+  <p:hf sldNum="0" hdr="0" ftr="0" dt="0"/>
   <p:txStyles>
     <p:titleStyle>
-      <a:defPPr lvl="0" marR="0" rtl="0" algn="l">
+      <a:defPPr marR="0" lvl="0" algn="l" rtl="0">
         <a:lnSpc>
           <a:spcPct val="100000"/>
         </a:lnSpc>
@@ -5618,7 +5778,7 @@
           <a:spcPts val="0"/>
         </a:spcAft>
       </a:defPPr>
-      <a:lvl1pPr lvl="0" marR="0" rtl="0" algn="l">
+      <a:lvl1pPr marR="0" lvl="0" algn="l" rtl="0">
         <a:lnSpc>
           <a:spcPct val="100000"/>
         </a:lnSpc>
@@ -5632,7 +5792,7 @@
           <a:srgbClr val="000000"/>
         </a:buClr>
         <a:buFont typeface="Arial"/>
-        <a:defRPr b="0" i="0" sz="1400" u="none" cap="none" strike="noStrike">
+        <a:defRPr sz="1400" b="0" i="0" u="none" strike="noStrike" cap="none">
           <a:solidFill>
             <a:srgbClr val="000000"/>
           </a:solidFill>
@@ -5642,7 +5802,7 @@
           <a:sym typeface="Arial"/>
         </a:defRPr>
       </a:lvl1pPr>
-      <a:lvl2pPr lvl="1" marR="0" rtl="0" algn="l">
+      <a:lvl2pPr marR="0" lvl="1" algn="l" rtl="0">
         <a:lnSpc>
           <a:spcPct val="100000"/>
         </a:lnSpc>
@@ -5656,7 +5816,7 @@
           <a:srgbClr val="000000"/>
         </a:buClr>
         <a:buFont typeface="Arial"/>
-        <a:defRPr b="0" i="0" sz="1400" u="none" cap="none" strike="noStrike">
+        <a:defRPr sz="1400" b="0" i="0" u="none" strike="noStrike" cap="none">
           <a:solidFill>
             <a:srgbClr val="000000"/>
           </a:solidFill>
@@ -5666,7 +5826,7 @@
           <a:sym typeface="Arial"/>
         </a:defRPr>
       </a:lvl2pPr>
-      <a:lvl3pPr lvl="2" marR="0" rtl="0" algn="l">
+      <a:lvl3pPr marR="0" lvl="2" algn="l" rtl="0">
         <a:lnSpc>
           <a:spcPct val="100000"/>
         </a:lnSpc>
@@ -5680,7 +5840,7 @@
           <a:srgbClr val="000000"/>
         </a:buClr>
         <a:buFont typeface="Arial"/>
-        <a:defRPr b="0" i="0" sz="1400" u="none" cap="none" strike="noStrike">
+        <a:defRPr sz="1400" b="0" i="0" u="none" strike="noStrike" cap="none">
           <a:solidFill>
             <a:srgbClr val="000000"/>
           </a:solidFill>
@@ -5690,7 +5850,7 @@
           <a:sym typeface="Arial"/>
         </a:defRPr>
       </a:lvl3pPr>
-      <a:lvl4pPr lvl="3" marR="0" rtl="0" algn="l">
+      <a:lvl4pPr marR="0" lvl="3" algn="l" rtl="0">
         <a:lnSpc>
           <a:spcPct val="100000"/>
         </a:lnSpc>
@@ -5704,7 +5864,7 @@
           <a:srgbClr val="000000"/>
         </a:buClr>
         <a:buFont typeface="Arial"/>
-        <a:defRPr b="0" i="0" sz="1400" u="none" cap="none" strike="noStrike">
+        <a:defRPr sz="1400" b="0" i="0" u="none" strike="noStrike" cap="none">
           <a:solidFill>
             <a:srgbClr val="000000"/>
           </a:solidFill>
@@ -5714,7 +5874,7 @@
           <a:sym typeface="Arial"/>
         </a:defRPr>
       </a:lvl4pPr>
-      <a:lvl5pPr lvl="4" marR="0" rtl="0" algn="l">
+      <a:lvl5pPr marR="0" lvl="4" algn="l" rtl="0">
         <a:lnSpc>
           <a:spcPct val="100000"/>
         </a:lnSpc>
@@ -5728,7 +5888,7 @@
           <a:srgbClr val="000000"/>
         </a:buClr>
         <a:buFont typeface="Arial"/>
-        <a:defRPr b="0" i="0" sz="1400" u="none" cap="none" strike="noStrike">
+        <a:defRPr sz="1400" b="0" i="0" u="none" strike="noStrike" cap="none">
           <a:solidFill>
             <a:srgbClr val="000000"/>
           </a:solidFill>
@@ -5738,7 +5898,7 @@
           <a:sym typeface="Arial"/>
         </a:defRPr>
       </a:lvl5pPr>
-      <a:lvl6pPr lvl="5" marR="0" rtl="0" algn="l">
+      <a:lvl6pPr marR="0" lvl="5" algn="l" rtl="0">
         <a:lnSpc>
           <a:spcPct val="100000"/>
         </a:lnSpc>
@@ -5752,7 +5912,7 @@
           <a:srgbClr val="000000"/>
         </a:buClr>
         <a:buFont typeface="Arial"/>
-        <a:defRPr b="0" i="0" sz="1400" u="none" cap="none" strike="noStrike">
+        <a:defRPr sz="1400" b="0" i="0" u="none" strike="noStrike" cap="none">
           <a:solidFill>
             <a:srgbClr val="000000"/>
           </a:solidFill>
@@ -5762,7 +5922,7 @@
           <a:sym typeface="Arial"/>
         </a:defRPr>
       </a:lvl6pPr>
-      <a:lvl7pPr lvl="6" marR="0" rtl="0" algn="l">
+      <a:lvl7pPr marR="0" lvl="6" algn="l" rtl="0">
         <a:lnSpc>
           <a:spcPct val="100000"/>
         </a:lnSpc>
@@ -5776,7 +5936,7 @@
           <a:srgbClr val="000000"/>
         </a:buClr>
         <a:buFont typeface="Arial"/>
-        <a:defRPr b="0" i="0" sz="1400" u="none" cap="none" strike="noStrike">
+        <a:defRPr sz="1400" b="0" i="0" u="none" strike="noStrike" cap="none">
           <a:solidFill>
             <a:srgbClr val="000000"/>
           </a:solidFill>
@@ -5786,7 +5946,7 @@
           <a:sym typeface="Arial"/>
         </a:defRPr>
       </a:lvl7pPr>
-      <a:lvl8pPr lvl="7" marR="0" rtl="0" algn="l">
+      <a:lvl8pPr marR="0" lvl="7" algn="l" rtl="0">
         <a:lnSpc>
           <a:spcPct val="100000"/>
         </a:lnSpc>
@@ -5800,7 +5960,7 @@
           <a:srgbClr val="000000"/>
         </a:buClr>
         <a:buFont typeface="Arial"/>
-        <a:defRPr b="0" i="0" sz="1400" u="none" cap="none" strike="noStrike">
+        <a:defRPr sz="1400" b="0" i="0" u="none" strike="noStrike" cap="none">
           <a:solidFill>
             <a:srgbClr val="000000"/>
           </a:solidFill>
@@ -5810,7 +5970,7 @@
           <a:sym typeface="Arial"/>
         </a:defRPr>
       </a:lvl8pPr>
-      <a:lvl9pPr lvl="8" marR="0" rtl="0" algn="l">
+      <a:lvl9pPr marR="0" lvl="8" algn="l" rtl="0">
         <a:lnSpc>
           <a:spcPct val="100000"/>
         </a:lnSpc>
@@ -5824,7 +5984,7 @@
           <a:srgbClr val="000000"/>
         </a:buClr>
         <a:buFont typeface="Arial"/>
-        <a:defRPr b="0" i="0" sz="1400" u="none" cap="none" strike="noStrike">
+        <a:defRPr sz="1400" b="0" i="0" u="none" strike="noStrike" cap="none">
           <a:solidFill>
             <a:srgbClr val="000000"/>
           </a:solidFill>
@@ -5836,7 +5996,7 @@
       </a:lvl9pPr>
     </p:titleStyle>
     <p:bodyStyle>
-      <a:defPPr lvl="0" marR="0" rtl="0" algn="l">
+      <a:defPPr marR="0" lvl="0" algn="l" rtl="0">
         <a:lnSpc>
           <a:spcPct val="100000"/>
         </a:lnSpc>
@@ -5847,7 +6007,7 @@
           <a:spcPts val="0"/>
         </a:spcAft>
       </a:defPPr>
-      <a:lvl1pPr lvl="0" marR="0" rtl="0" algn="l">
+      <a:lvl1pPr marR="0" lvl="0" algn="l" rtl="0">
         <a:lnSpc>
           <a:spcPct val="100000"/>
         </a:lnSpc>
@@ -5861,7 +6021,7 @@
           <a:srgbClr val="000000"/>
         </a:buClr>
         <a:buFont typeface="Arial"/>
-        <a:defRPr b="0" i="0" sz="1400" u="none" cap="none" strike="noStrike">
+        <a:defRPr sz="1400" b="0" i="0" u="none" strike="noStrike" cap="none">
           <a:solidFill>
             <a:srgbClr val="000000"/>
           </a:solidFill>
@@ -5871,7 +6031,7 @@
           <a:sym typeface="Arial"/>
         </a:defRPr>
       </a:lvl1pPr>
-      <a:lvl2pPr lvl="1" marR="0" rtl="0" algn="l">
+      <a:lvl2pPr marR="0" lvl="1" algn="l" rtl="0">
         <a:lnSpc>
           <a:spcPct val="100000"/>
         </a:lnSpc>
@@ -5885,7 +6045,7 @@
           <a:srgbClr val="000000"/>
         </a:buClr>
         <a:buFont typeface="Arial"/>
-        <a:defRPr b="0" i="0" sz="1400" u="none" cap="none" strike="noStrike">
+        <a:defRPr sz="1400" b="0" i="0" u="none" strike="noStrike" cap="none">
           <a:solidFill>
             <a:srgbClr val="000000"/>
           </a:solidFill>
@@ -5895,7 +6055,7 @@
           <a:sym typeface="Arial"/>
         </a:defRPr>
       </a:lvl2pPr>
-      <a:lvl3pPr lvl="2" marR="0" rtl="0" algn="l">
+      <a:lvl3pPr marR="0" lvl="2" algn="l" rtl="0">
         <a:lnSpc>
           <a:spcPct val="100000"/>
         </a:lnSpc>
@@ -5909,7 +6069,7 @@
           <a:srgbClr val="000000"/>
         </a:buClr>
         <a:buFont typeface="Arial"/>
-        <a:defRPr b="0" i="0" sz="1400" u="none" cap="none" strike="noStrike">
+        <a:defRPr sz="1400" b="0" i="0" u="none" strike="noStrike" cap="none">
           <a:solidFill>
             <a:srgbClr val="000000"/>
           </a:solidFill>
@@ -5919,7 +6079,7 @@
           <a:sym typeface="Arial"/>
         </a:defRPr>
       </a:lvl3pPr>
-      <a:lvl4pPr lvl="3" marR="0" rtl="0" algn="l">
+      <a:lvl4pPr marR="0" lvl="3" algn="l" rtl="0">
         <a:lnSpc>
           <a:spcPct val="100000"/>
         </a:lnSpc>
@@ -5933,7 +6093,7 @@
           <a:srgbClr val="000000"/>
         </a:buClr>
         <a:buFont typeface="Arial"/>
-        <a:defRPr b="0" i="0" sz="1400" u="none" cap="none" strike="noStrike">
+        <a:defRPr sz="1400" b="0" i="0" u="none" strike="noStrike" cap="none">
           <a:solidFill>
             <a:srgbClr val="000000"/>
           </a:solidFill>
@@ -5943,7 +6103,7 @@
           <a:sym typeface="Arial"/>
         </a:defRPr>
       </a:lvl4pPr>
-      <a:lvl5pPr lvl="4" marR="0" rtl="0" algn="l">
+      <a:lvl5pPr marR="0" lvl="4" algn="l" rtl="0">
         <a:lnSpc>
           <a:spcPct val="100000"/>
         </a:lnSpc>
@@ -5957,7 +6117,7 @@
           <a:srgbClr val="000000"/>
         </a:buClr>
         <a:buFont typeface="Arial"/>
-        <a:defRPr b="0" i="0" sz="1400" u="none" cap="none" strike="noStrike">
+        <a:defRPr sz="1400" b="0" i="0" u="none" strike="noStrike" cap="none">
           <a:solidFill>
             <a:srgbClr val="000000"/>
           </a:solidFill>
@@ -5967,7 +6127,7 @@
           <a:sym typeface="Arial"/>
         </a:defRPr>
       </a:lvl5pPr>
-      <a:lvl6pPr lvl="5" marR="0" rtl="0" algn="l">
+      <a:lvl6pPr marR="0" lvl="5" algn="l" rtl="0">
         <a:lnSpc>
           <a:spcPct val="100000"/>
         </a:lnSpc>
@@ -5981,7 +6141,7 @@
           <a:srgbClr val="000000"/>
         </a:buClr>
         <a:buFont typeface="Arial"/>
-        <a:defRPr b="0" i="0" sz="1400" u="none" cap="none" strike="noStrike">
+        <a:defRPr sz="1400" b="0" i="0" u="none" strike="noStrike" cap="none">
           <a:solidFill>
             <a:srgbClr val="000000"/>
           </a:solidFill>
@@ -5991,7 +6151,7 @@
           <a:sym typeface="Arial"/>
         </a:defRPr>
       </a:lvl6pPr>
-      <a:lvl7pPr lvl="6" marR="0" rtl="0" algn="l">
+      <a:lvl7pPr marR="0" lvl="6" algn="l" rtl="0">
         <a:lnSpc>
           <a:spcPct val="100000"/>
         </a:lnSpc>
@@ -6005,7 +6165,7 @@
           <a:srgbClr val="000000"/>
         </a:buClr>
         <a:buFont typeface="Arial"/>
-        <a:defRPr b="0" i="0" sz="1400" u="none" cap="none" strike="noStrike">
+        <a:defRPr sz="1400" b="0" i="0" u="none" strike="noStrike" cap="none">
           <a:solidFill>
             <a:srgbClr val="000000"/>
           </a:solidFill>
@@ -6015,7 +6175,7 @@
           <a:sym typeface="Arial"/>
         </a:defRPr>
       </a:lvl7pPr>
-      <a:lvl8pPr lvl="7" marR="0" rtl="0" algn="l">
+      <a:lvl8pPr marR="0" lvl="7" algn="l" rtl="0">
         <a:lnSpc>
           <a:spcPct val="100000"/>
         </a:lnSpc>
@@ -6029,7 +6189,7 @@
           <a:srgbClr val="000000"/>
         </a:buClr>
         <a:buFont typeface="Arial"/>
-        <a:defRPr b="0" i="0" sz="1400" u="none" cap="none" strike="noStrike">
+        <a:defRPr sz="1400" b="0" i="0" u="none" strike="noStrike" cap="none">
           <a:solidFill>
             <a:srgbClr val="000000"/>
           </a:solidFill>
@@ -6039,7 +6199,7 @@
           <a:sym typeface="Arial"/>
         </a:defRPr>
       </a:lvl8pPr>
-      <a:lvl9pPr lvl="8" marR="0" rtl="0" algn="l">
+      <a:lvl9pPr marR="0" lvl="8" algn="l" rtl="0">
         <a:lnSpc>
           <a:spcPct val="100000"/>
         </a:lnSpc>
@@ -6053,7 +6213,7 @@
           <a:srgbClr val="000000"/>
         </a:buClr>
         <a:buFont typeface="Arial"/>
-        <a:defRPr b="0" i="0" sz="1400" u="none" cap="none" strike="noStrike">
+        <a:defRPr sz="1400" b="0" i="0" u="none" strike="noStrike" cap="none">
           <a:solidFill>
             <a:srgbClr val="000000"/>
           </a:solidFill>
@@ -6065,7 +6225,7 @@
       </a:lvl9pPr>
     </p:bodyStyle>
     <p:otherStyle>
-      <a:defPPr lvl="0" marR="0" rtl="0" algn="l">
+      <a:defPPr marR="0" lvl="0" algn="l" rtl="0">
         <a:lnSpc>
           <a:spcPct val="100000"/>
         </a:lnSpc>
@@ -6076,7 +6236,7 @@
           <a:spcPts val="0"/>
         </a:spcAft>
       </a:defPPr>
-      <a:lvl1pPr lvl="0" marR="0" rtl="0" algn="l">
+      <a:lvl1pPr marR="0" lvl="0" algn="l" rtl="0">
         <a:lnSpc>
           <a:spcPct val="100000"/>
         </a:lnSpc>
@@ -6090,7 +6250,7 @@
           <a:srgbClr val="000000"/>
         </a:buClr>
         <a:buFont typeface="Arial"/>
-        <a:defRPr b="0" i="0" sz="1400" u="none" cap="none" strike="noStrike">
+        <a:defRPr sz="1400" b="0" i="0" u="none" strike="noStrike" cap="none">
           <a:solidFill>
             <a:srgbClr val="000000"/>
           </a:solidFill>
@@ -6100,7 +6260,7 @@
           <a:sym typeface="Arial"/>
         </a:defRPr>
       </a:lvl1pPr>
-      <a:lvl2pPr lvl="1" marR="0" rtl="0" algn="l">
+      <a:lvl2pPr marR="0" lvl="1" algn="l" rtl="0">
         <a:lnSpc>
           <a:spcPct val="100000"/>
         </a:lnSpc>
@@ -6114,7 +6274,7 @@
           <a:srgbClr val="000000"/>
         </a:buClr>
         <a:buFont typeface="Arial"/>
-        <a:defRPr b="0" i="0" sz="1400" u="none" cap="none" strike="noStrike">
+        <a:defRPr sz="1400" b="0" i="0" u="none" strike="noStrike" cap="none">
           <a:solidFill>
             <a:srgbClr val="000000"/>
           </a:solidFill>
@@ -6124,7 +6284,7 @@
           <a:sym typeface="Arial"/>
         </a:defRPr>
       </a:lvl2pPr>
-      <a:lvl3pPr lvl="2" marR="0" rtl="0" algn="l">
+      <a:lvl3pPr marR="0" lvl="2" algn="l" rtl="0">
         <a:lnSpc>
           <a:spcPct val="100000"/>
         </a:lnSpc>
@@ -6138,7 +6298,7 @@
           <a:srgbClr val="000000"/>
         </a:buClr>
         <a:buFont typeface="Arial"/>
-        <a:defRPr b="0" i="0" sz="1400" u="none" cap="none" strike="noStrike">
+        <a:defRPr sz="1400" b="0" i="0" u="none" strike="noStrike" cap="none">
           <a:solidFill>
             <a:srgbClr val="000000"/>
           </a:solidFill>
@@ -6148,7 +6308,7 @@
           <a:sym typeface="Arial"/>
         </a:defRPr>
       </a:lvl3pPr>
-      <a:lvl4pPr lvl="3" marR="0" rtl="0" algn="l">
+      <a:lvl4pPr marR="0" lvl="3" algn="l" rtl="0">
         <a:lnSpc>
           <a:spcPct val="100000"/>
         </a:lnSpc>
@@ -6162,7 +6322,7 @@
           <a:srgbClr val="000000"/>
         </a:buClr>
         <a:buFont typeface="Arial"/>
-        <a:defRPr b="0" i="0" sz="1400" u="none" cap="none" strike="noStrike">
+        <a:defRPr sz="1400" b="0" i="0" u="none" strike="noStrike" cap="none">
           <a:solidFill>
             <a:srgbClr val="000000"/>
           </a:solidFill>
@@ -6172,7 +6332,7 @@
           <a:sym typeface="Arial"/>
         </a:defRPr>
       </a:lvl4pPr>
-      <a:lvl5pPr lvl="4" marR="0" rtl="0" algn="l">
+      <a:lvl5pPr marR="0" lvl="4" algn="l" rtl="0">
         <a:lnSpc>
           <a:spcPct val="100000"/>
         </a:lnSpc>
@@ -6186,7 +6346,7 @@
           <a:srgbClr val="000000"/>
         </a:buClr>
         <a:buFont typeface="Arial"/>
-        <a:defRPr b="0" i="0" sz="1400" u="none" cap="none" strike="noStrike">
+        <a:defRPr sz="1400" b="0" i="0" u="none" strike="noStrike" cap="none">
           <a:solidFill>
             <a:srgbClr val="000000"/>
           </a:solidFill>
@@ -6196,7 +6356,7 @@
           <a:sym typeface="Arial"/>
         </a:defRPr>
       </a:lvl5pPr>
-      <a:lvl6pPr lvl="5" marR="0" rtl="0" algn="l">
+      <a:lvl6pPr marR="0" lvl="5" algn="l" rtl="0">
         <a:lnSpc>
           <a:spcPct val="100000"/>
         </a:lnSpc>
@@ -6210,7 +6370,7 @@
           <a:srgbClr val="000000"/>
         </a:buClr>
         <a:buFont typeface="Arial"/>
-        <a:defRPr b="0" i="0" sz="1400" u="none" cap="none" strike="noStrike">
+        <a:defRPr sz="1400" b="0" i="0" u="none" strike="noStrike" cap="none">
           <a:solidFill>
             <a:srgbClr val="000000"/>
           </a:solidFill>
@@ -6220,7 +6380,7 @@
           <a:sym typeface="Arial"/>
         </a:defRPr>
       </a:lvl6pPr>
-      <a:lvl7pPr lvl="6" marR="0" rtl="0" algn="l">
+      <a:lvl7pPr marR="0" lvl="6" algn="l" rtl="0">
         <a:lnSpc>
           <a:spcPct val="100000"/>
         </a:lnSpc>
@@ -6234,7 +6394,7 @@
           <a:srgbClr val="000000"/>
         </a:buClr>
         <a:buFont typeface="Arial"/>
-        <a:defRPr b="0" i="0" sz="1400" u="none" cap="none" strike="noStrike">
+        <a:defRPr sz="1400" b="0" i="0" u="none" strike="noStrike" cap="none">
           <a:solidFill>
             <a:srgbClr val="000000"/>
           </a:solidFill>
@@ -6244,7 +6404,7 @@
           <a:sym typeface="Arial"/>
         </a:defRPr>
       </a:lvl7pPr>
-      <a:lvl8pPr lvl="7" marR="0" rtl="0" algn="l">
+      <a:lvl8pPr marR="0" lvl="7" algn="l" rtl="0">
         <a:lnSpc>
           <a:spcPct val="100000"/>
         </a:lnSpc>
@@ -6258,7 +6418,7 @@
           <a:srgbClr val="000000"/>
         </a:buClr>
         <a:buFont typeface="Arial"/>
-        <a:defRPr b="0" i="0" sz="1400" u="none" cap="none" strike="noStrike">
+        <a:defRPr sz="1400" b="0" i="0" u="none" strike="noStrike" cap="none">
           <a:solidFill>
             <a:srgbClr val="000000"/>
           </a:solidFill>
@@ -6268,7 +6428,7 @@
           <a:sym typeface="Arial"/>
         </a:defRPr>
       </a:lvl8pPr>
-      <a:lvl9pPr lvl="8" marR="0" rtl="0" algn="l">
+      <a:lvl9pPr marR="0" lvl="8" algn="l" rtl="0">
         <a:lnSpc>
           <a:spcPct val="100000"/>
         </a:lnSpc>
@@ -6282,7 +6442,7 @@
           <a:srgbClr val="000000"/>
         </a:buClr>
         <a:buFont typeface="Arial"/>
-        <a:defRPr b="0" i="0" sz="1400" u="none" cap="none" strike="noStrike">
+        <a:defRPr sz="1400" b="0" i="0" u="none" strike="noStrike" cap="none">
           <a:solidFill>
             <a:srgbClr val="000000"/>
           </a:solidFill>
@@ -6298,11 +6458,11 @@
 </file>
 
 <file path=ppt/slides/slide1.xml><?xml version="1.0" encoding="utf-8"?>
-<p:sld xmlns:a="http://schemas.openxmlformats.org/drawingml/2006/main" xmlns:r="http://schemas.openxmlformats.org/officeDocument/2006/relationships" xmlns:mc="http://schemas.openxmlformats.org/markup-compatibility/2006" xmlns:mv="urn:schemas-microsoft-com:mac:vml" xmlns:p="http://schemas.openxmlformats.org/presentationml/2006/main" xmlns:c="http://schemas.openxmlformats.org/drawingml/2006/chart" xmlns:dgm="http://schemas.openxmlformats.org/drawingml/2006/diagram" xmlns:o="urn:schemas-microsoft-com:office:office" xmlns:v="urn:schemas-microsoft-com:vml" xmlns:pvml="urn:schemas-microsoft-com:office:powerpoint" xmlns:com="http://schemas.openxmlformats.org/drawingml/2006/compatibility" xmlns:p14="http://schemas.microsoft.com/office/powerpoint/2010/main" xmlns:p15="http://schemas.microsoft.com/office/powerpoint/2012/main" xmlns:ahyp="http://schemas.microsoft.com/office/drawing/2018/hyperlinkcolor">
+<p:sld xmlns:a="http://schemas.openxmlformats.org/drawingml/2006/main" xmlns:r="http://schemas.openxmlformats.org/officeDocument/2006/relationships" xmlns:p="http://schemas.openxmlformats.org/presentationml/2006/main">
   <p:cSld>
     <p:spTree>
       <p:nvGrpSpPr>
-        <p:cNvPr id="53" name="Shape 53"/>
+        <p:cNvPr id="1" name="Shape 53"/>
         <p:cNvGrpSpPr/>
         <p:nvPr/>
       </p:nvGrpSpPr>
@@ -6317,7 +6477,9 @@
       <p:sp>
         <p:nvSpPr>
           <p:cNvPr id="54" name="Google Shape;54;p13"/>
-          <p:cNvSpPr txBox="1"/>
+          <p:cNvSpPr txBox="1">
+            <a:spLocks noGrp="1"/>
+          </p:cNvSpPr>
           <p:nvPr>
             <p:ph type="ctrTitle"/>
           </p:nvPr>
@@ -6332,12 +6494,12 @@
           </a:prstGeom>
         </p:spPr>
         <p:txBody>
-          <a:bodyPr anchorCtr="0" anchor="b" bIns="91425" lIns="91425" spcFirstLastPara="1" rIns="91425" wrap="square" tIns="91425">
+          <a:bodyPr spcFirstLastPara="1" wrap="square" lIns="91425" tIns="91425" rIns="91425" bIns="91425" anchor="b" anchorCtr="0">
             <a:noAutofit/>
           </a:bodyPr>
           <a:lstStyle/>
           <a:p>
-            <a:pPr indent="0" lvl="0" marL="0" rtl="0" algn="ctr">
+            <a:pPr marL="0" lvl="0" indent="0" algn="ctr" rtl="0">
               <a:spcBef>
                 <a:spcPts val="0"/>
               </a:spcBef>
@@ -6357,9 +6519,11 @@
       <p:sp>
         <p:nvSpPr>
           <p:cNvPr id="55" name="Google Shape;55;p13"/>
-          <p:cNvSpPr txBox="1"/>
+          <p:cNvSpPr txBox="1">
+            <a:spLocks noGrp="1"/>
+          </p:cNvSpPr>
           <p:nvPr>
-            <p:ph idx="1" type="subTitle"/>
+            <p:ph type="subTitle" idx="1"/>
           </p:nvPr>
         </p:nvSpPr>
         <p:spPr>
@@ -6372,12 +6536,12 @@
           </a:prstGeom>
         </p:spPr>
         <p:txBody>
-          <a:bodyPr anchorCtr="0" anchor="t" bIns="91425" lIns="91425" spcFirstLastPara="1" rIns="91425" wrap="square" tIns="91425">
+          <a:bodyPr spcFirstLastPara="1" wrap="square" lIns="91425" tIns="91425" rIns="91425" bIns="91425" anchor="t" anchorCtr="0">
             <a:noAutofit/>
           </a:bodyPr>
           <a:lstStyle/>
           <a:p>
-            <a:pPr indent="0" lvl="0" marL="0" rtl="0" algn="ctr">
+            <a:pPr marL="0" lvl="0" indent="0" algn="ctr" rtl="0">
               <a:spcBef>
                 <a:spcPts val="0"/>
               </a:spcBef>
@@ -6403,11 +6567,11 @@
 </file>
 
 <file path=ppt/slides/slide2.xml><?xml version="1.0" encoding="utf-8"?>
-<p:sld xmlns:a="http://schemas.openxmlformats.org/drawingml/2006/main" xmlns:r="http://schemas.openxmlformats.org/officeDocument/2006/relationships" xmlns:mc="http://schemas.openxmlformats.org/markup-compatibility/2006" xmlns:mv="urn:schemas-microsoft-com:mac:vml" xmlns:p="http://schemas.openxmlformats.org/presentationml/2006/main" xmlns:c="http://schemas.openxmlformats.org/drawingml/2006/chart" xmlns:dgm="http://schemas.openxmlformats.org/drawingml/2006/diagram" xmlns:o="urn:schemas-microsoft-com:office:office" xmlns:v="urn:schemas-microsoft-com:vml" xmlns:pvml="urn:schemas-microsoft-com:office:powerpoint" xmlns:com="http://schemas.openxmlformats.org/drawingml/2006/compatibility" xmlns:p14="http://schemas.microsoft.com/office/powerpoint/2010/main" xmlns:p15="http://schemas.microsoft.com/office/powerpoint/2012/main" xmlns:ahyp="http://schemas.microsoft.com/office/drawing/2018/hyperlinkcolor">
+<p:sld xmlns:a="http://schemas.openxmlformats.org/drawingml/2006/main" xmlns:r="http://schemas.openxmlformats.org/officeDocument/2006/relationships" xmlns:p="http://schemas.openxmlformats.org/presentationml/2006/main">
   <p:cSld>
     <p:spTree>
       <p:nvGrpSpPr>
-        <p:cNvPr id="59" name="Shape 59"/>
+        <p:cNvPr id="1" name="Shape 59"/>
         <p:cNvGrpSpPr/>
         <p:nvPr/>
       </p:nvGrpSpPr>
@@ -6422,7 +6586,9 @@
       <p:sp>
         <p:nvSpPr>
           <p:cNvPr id="60" name="Google Shape;60;p14"/>
-          <p:cNvSpPr txBox="1"/>
+          <p:cNvSpPr txBox="1">
+            <a:spLocks noGrp="1"/>
+          </p:cNvSpPr>
           <p:nvPr>
             <p:ph type="title"/>
           </p:nvPr>
@@ -6437,12 +6603,12 @@
           </a:prstGeom>
         </p:spPr>
         <p:txBody>
-          <a:bodyPr anchorCtr="0" anchor="t" bIns="91425" lIns="91425" spcFirstLastPara="1" rIns="91425" wrap="square" tIns="91425">
+          <a:bodyPr spcFirstLastPara="1" wrap="square" lIns="91425" tIns="91425" rIns="91425" bIns="91425" anchor="t" anchorCtr="0">
             <a:noAutofit/>
           </a:bodyPr>
           <a:lstStyle/>
           <a:p>
-            <a:pPr indent="0" lvl="0" marL="0" rtl="0" algn="l">
+            <a:pPr marL="0" lvl="0" indent="0" algn="l" rtl="0">
               <a:spcBef>
                 <a:spcPts val="0"/>
               </a:spcBef>
@@ -6468,11 +6634,11 @@
 </file>
 
 <file path=ppt/slides/slide3.xml><?xml version="1.0" encoding="utf-8"?>
-<p:sld xmlns:a="http://schemas.openxmlformats.org/drawingml/2006/main" xmlns:r="http://schemas.openxmlformats.org/officeDocument/2006/relationships" xmlns:mc="http://schemas.openxmlformats.org/markup-compatibility/2006" xmlns:mv="urn:schemas-microsoft-com:mac:vml" xmlns:p="http://schemas.openxmlformats.org/presentationml/2006/main" xmlns:c="http://schemas.openxmlformats.org/drawingml/2006/chart" xmlns:dgm="http://schemas.openxmlformats.org/drawingml/2006/diagram" xmlns:o="urn:schemas-microsoft-com:office:office" xmlns:v="urn:schemas-microsoft-com:vml" xmlns:pvml="urn:schemas-microsoft-com:office:powerpoint" xmlns:com="http://schemas.openxmlformats.org/drawingml/2006/compatibility" xmlns:p14="http://schemas.microsoft.com/office/powerpoint/2010/main" xmlns:p15="http://schemas.microsoft.com/office/powerpoint/2012/main" xmlns:ahyp="http://schemas.microsoft.com/office/drawing/2018/hyperlinkcolor">
+<p:sld xmlns:a="http://schemas.openxmlformats.org/drawingml/2006/main" xmlns:r="http://schemas.openxmlformats.org/officeDocument/2006/relationships" xmlns:p="http://schemas.openxmlformats.org/presentationml/2006/main">
   <p:cSld>
     <p:spTree>
       <p:nvGrpSpPr>
-        <p:cNvPr id="64" name="Shape 64"/>
+        <p:cNvPr id="1" name="Shape 64"/>
         <p:cNvGrpSpPr/>
         <p:nvPr/>
       </p:nvGrpSpPr>
@@ -6487,7 +6653,9 @@
       <p:sp>
         <p:nvSpPr>
           <p:cNvPr id="65" name="Google Shape;65;p15"/>
-          <p:cNvSpPr txBox="1"/>
+          <p:cNvSpPr txBox="1">
+            <a:spLocks noGrp="1"/>
+          </p:cNvSpPr>
           <p:nvPr>
             <p:ph type="title"/>
           </p:nvPr>
@@ -6502,12 +6670,12 @@
           </a:prstGeom>
         </p:spPr>
         <p:txBody>
-          <a:bodyPr anchorCtr="0" anchor="t" bIns="91425" lIns="91425" spcFirstLastPara="1" rIns="91425" wrap="square" tIns="91425">
+          <a:bodyPr spcFirstLastPara="1" wrap="square" lIns="91425" tIns="91425" rIns="91425" bIns="91425" anchor="t" anchorCtr="0">
             <a:noAutofit/>
           </a:bodyPr>
           <a:lstStyle/>
           <a:p>
-            <a:pPr indent="0" lvl="0" marL="0" rtl="0" algn="l">
+            <a:pPr marL="0" lvl="0" indent="0" algn="l" rtl="0">
               <a:spcBef>
                 <a:spcPts val="0"/>
               </a:spcBef>
@@ -6527,9 +6695,11 @@
       <p:sp>
         <p:nvSpPr>
           <p:cNvPr id="66" name="Google Shape;66;p15"/>
-          <p:cNvSpPr txBox="1"/>
+          <p:cNvSpPr txBox="1">
+            <a:spLocks noGrp="1"/>
+          </p:cNvSpPr>
           <p:nvPr>
-            <p:ph idx="1" type="body"/>
+            <p:ph type="body" idx="1"/>
           </p:nvPr>
         </p:nvSpPr>
         <p:spPr>
@@ -6542,12 +6712,12 @@
           </a:prstGeom>
         </p:spPr>
         <p:txBody>
-          <a:bodyPr anchorCtr="0" anchor="t" bIns="91425" lIns="91425" spcFirstLastPara="1" rIns="91425" wrap="square" tIns="91425">
+          <a:bodyPr spcFirstLastPara="1" wrap="square" lIns="91425" tIns="91425" rIns="91425" bIns="91425" anchor="t" anchorCtr="0">
             <a:noAutofit/>
           </a:bodyPr>
           <a:lstStyle/>
           <a:p>
-            <a:pPr indent="-342900" lvl="0" marL="457200" rtl="0" algn="l">
+            <a:pPr marL="457200" lvl="0" indent="-342900" algn="l" rtl="0">
               <a:spcBef>
                 <a:spcPts val="0"/>
               </a:spcBef>
@@ -6558,13 +6728,13 @@
               <a:buChar char="●"/>
             </a:pPr>
             <a:r>
-              <a:rPr lang="en"/>
+              <a:rPr lang="en" dirty="0"/>
               <a:t>Scan face</a:t>
             </a:r>
-            <a:endParaRPr/>
+            <a:endParaRPr dirty="0"/>
           </a:p>
           <a:p>
-            <a:pPr indent="-342900" lvl="0" marL="457200" rtl="0" algn="l">
+            <a:pPr marL="457200" lvl="0" indent="-342900" algn="l" rtl="0">
               <a:spcBef>
                 <a:spcPts val="0"/>
               </a:spcBef>
@@ -6575,13 +6745,13 @@
               <a:buChar char="●"/>
             </a:pPr>
             <a:r>
-              <a:rPr lang="en"/>
+              <a:rPr lang="en" dirty="0"/>
               <a:t>Build pyramid in front of person</a:t>
             </a:r>
-            <a:endParaRPr/>
+            <a:endParaRPr dirty="0"/>
           </a:p>
           <a:p>
-            <a:pPr indent="-342900" lvl="0" marL="457200" rtl="0" algn="l">
+            <a:pPr marL="114300" lvl="0" indent="0" algn="l" rtl="0">
               <a:spcBef>
                 <a:spcPts val="0"/>
               </a:spcBef>
@@ -6589,12 +6759,8 @@
                 <a:spcPts val="0"/>
               </a:spcAft>
               <a:buSzPts val="1800"/>
-              <a:buChar char="●"/>
+              <a:buNone/>
             </a:pPr>
-            <a:r>
-              <a:rPr lang="en"/>
-              <a:t>Build reverse pyramid</a:t>
-            </a:r>
             <a:endParaRPr/>
           </a:p>
         </p:txBody>
@@ -6608,11 +6774,11 @@
 </file>
 
 <file path=ppt/slides/slide4.xml><?xml version="1.0" encoding="utf-8"?>
-<p:sld xmlns:a="http://schemas.openxmlformats.org/drawingml/2006/main" xmlns:r="http://schemas.openxmlformats.org/officeDocument/2006/relationships" xmlns:mc="http://schemas.openxmlformats.org/markup-compatibility/2006" xmlns:mv="urn:schemas-microsoft-com:mac:vml" xmlns:p="http://schemas.openxmlformats.org/presentationml/2006/main" xmlns:c="http://schemas.openxmlformats.org/drawingml/2006/chart" xmlns:dgm="http://schemas.openxmlformats.org/drawingml/2006/diagram" xmlns:o="urn:schemas-microsoft-com:office:office" xmlns:v="urn:schemas-microsoft-com:vml" xmlns:pvml="urn:schemas-microsoft-com:office:powerpoint" xmlns:com="http://schemas.openxmlformats.org/drawingml/2006/compatibility" xmlns:p14="http://schemas.microsoft.com/office/powerpoint/2010/main" xmlns:p15="http://schemas.microsoft.com/office/powerpoint/2012/main" xmlns:ahyp="http://schemas.microsoft.com/office/drawing/2018/hyperlinkcolor">
+<p:sld xmlns:a="http://schemas.openxmlformats.org/drawingml/2006/main" xmlns:r="http://schemas.openxmlformats.org/officeDocument/2006/relationships" xmlns:p="http://schemas.openxmlformats.org/presentationml/2006/main">
   <p:cSld>
     <p:spTree>
       <p:nvGrpSpPr>
-        <p:cNvPr id="70" name="Shape 70"/>
+        <p:cNvPr id="1" name="Shape 70"/>
         <p:cNvGrpSpPr/>
         <p:nvPr/>
       </p:nvGrpSpPr>
@@ -6627,7 +6793,9 @@
       <p:sp>
         <p:nvSpPr>
           <p:cNvPr id="71" name="Google Shape;71;p16"/>
-          <p:cNvSpPr txBox="1"/>
+          <p:cNvSpPr txBox="1">
+            <a:spLocks noGrp="1"/>
+          </p:cNvSpPr>
           <p:nvPr>
             <p:ph type="title"/>
           </p:nvPr>
@@ -6642,12 +6810,12 @@
           </a:prstGeom>
         </p:spPr>
         <p:txBody>
-          <a:bodyPr anchorCtr="0" anchor="t" bIns="91425" lIns="91425" spcFirstLastPara="1" rIns="91425" wrap="square" tIns="91425">
+          <a:bodyPr spcFirstLastPara="1" wrap="square" lIns="91425" tIns="91425" rIns="91425" bIns="91425" anchor="t" anchorCtr="0">
             <a:noAutofit/>
           </a:bodyPr>
           <a:lstStyle/>
           <a:p>
-            <a:pPr indent="0" lvl="0" marL="0" rtl="0" algn="l">
+            <a:pPr marL="0" lvl="0" indent="0" algn="l" rtl="0">
               <a:spcBef>
                 <a:spcPts val="0"/>
               </a:spcBef>
@@ -6667,9 +6835,11 @@
       <p:sp>
         <p:nvSpPr>
           <p:cNvPr id="72" name="Google Shape;72;p16"/>
-          <p:cNvSpPr txBox="1"/>
+          <p:cNvSpPr txBox="1">
+            <a:spLocks noGrp="1"/>
+          </p:cNvSpPr>
           <p:nvPr>
-            <p:ph idx="1" type="body"/>
+            <p:ph type="body" idx="1"/>
           </p:nvPr>
         </p:nvSpPr>
         <p:spPr>
@@ -6682,12 +6852,12 @@
           </a:prstGeom>
         </p:spPr>
         <p:txBody>
-          <a:bodyPr anchorCtr="0" anchor="t" bIns="91425" lIns="91425" spcFirstLastPara="1" rIns="91425" wrap="square" tIns="91425">
+          <a:bodyPr spcFirstLastPara="1" wrap="square" lIns="91425" tIns="91425" rIns="91425" bIns="91425" anchor="t" anchorCtr="0">
             <a:noAutofit/>
           </a:bodyPr>
           <a:lstStyle/>
           <a:p>
-            <a:pPr indent="-342900" lvl="0" marL="457200" rtl="0" algn="l">
+            <a:pPr marL="457200" lvl="0" indent="-342900" algn="l" rtl="0">
               <a:spcBef>
                 <a:spcPts val="0"/>
               </a:spcBef>
@@ -6704,7 +6874,7 @@
             <a:endParaRPr/>
           </a:p>
           <a:p>
-            <a:pPr indent="-342900" lvl="0" marL="457200" rtl="0" algn="l">
+            <a:pPr marL="457200" lvl="0" indent="-342900" algn="l" rtl="0">
               <a:spcBef>
                 <a:spcPts val="0"/>
               </a:spcBef>
@@ -6731,11 +6901,11 @@
 </file>
 
 <file path=ppt/slides/slide5.xml><?xml version="1.0" encoding="utf-8"?>
-<p:sld xmlns:a="http://schemas.openxmlformats.org/drawingml/2006/main" xmlns:r="http://schemas.openxmlformats.org/officeDocument/2006/relationships" xmlns:mc="http://schemas.openxmlformats.org/markup-compatibility/2006" xmlns:mv="urn:schemas-microsoft-com:mac:vml" xmlns:p="http://schemas.openxmlformats.org/presentationml/2006/main" xmlns:c="http://schemas.openxmlformats.org/drawingml/2006/chart" xmlns:dgm="http://schemas.openxmlformats.org/drawingml/2006/diagram" xmlns:o="urn:schemas-microsoft-com:office:office" xmlns:v="urn:schemas-microsoft-com:vml" xmlns:pvml="urn:schemas-microsoft-com:office:powerpoint" xmlns:com="http://schemas.openxmlformats.org/drawingml/2006/compatibility" xmlns:p14="http://schemas.microsoft.com/office/powerpoint/2010/main" xmlns:p15="http://schemas.microsoft.com/office/powerpoint/2012/main" xmlns:ahyp="http://schemas.microsoft.com/office/drawing/2018/hyperlinkcolor">
+<p:sld xmlns:a="http://schemas.openxmlformats.org/drawingml/2006/main" xmlns:r="http://schemas.openxmlformats.org/officeDocument/2006/relationships" xmlns:p="http://schemas.openxmlformats.org/presentationml/2006/main">
   <p:cSld>
     <p:spTree>
       <p:nvGrpSpPr>
-        <p:cNvPr id="76" name="Shape 76"/>
+        <p:cNvPr id="1" name="Shape 76"/>
         <p:cNvGrpSpPr/>
         <p:nvPr/>
       </p:nvGrpSpPr>
@@ -6750,7 +6920,9 @@
       <p:sp>
         <p:nvSpPr>
           <p:cNvPr id="77" name="Google Shape;77;p17"/>
-          <p:cNvSpPr txBox="1"/>
+          <p:cNvSpPr txBox="1">
+            <a:spLocks noGrp="1"/>
+          </p:cNvSpPr>
           <p:nvPr>
             <p:ph type="title"/>
           </p:nvPr>
@@ -6765,12 +6937,12 @@
           </a:prstGeom>
         </p:spPr>
         <p:txBody>
-          <a:bodyPr anchorCtr="0" anchor="t" bIns="91425" lIns="91425" spcFirstLastPara="1" rIns="91425" wrap="square" tIns="91425">
+          <a:bodyPr spcFirstLastPara="1" wrap="square" lIns="91425" tIns="91425" rIns="91425" bIns="91425" anchor="t" anchorCtr="0">
             <a:noAutofit/>
           </a:bodyPr>
           <a:lstStyle/>
           <a:p>
-            <a:pPr indent="0" lvl="0" marL="0" rtl="0" algn="l">
+            <a:pPr marL="0" lvl="0" indent="0" algn="l" rtl="0">
               <a:spcBef>
                 <a:spcPts val="0"/>
               </a:spcBef>
@@ -6790,9 +6962,11 @@
       <p:sp>
         <p:nvSpPr>
           <p:cNvPr id="78" name="Google Shape;78;p17"/>
-          <p:cNvSpPr txBox="1"/>
+          <p:cNvSpPr txBox="1">
+            <a:spLocks noGrp="1"/>
+          </p:cNvSpPr>
           <p:nvPr>
-            <p:ph idx="1" type="body"/>
+            <p:ph type="body" idx="1"/>
           </p:nvPr>
         </p:nvSpPr>
         <p:spPr>
@@ -6805,12 +6979,12 @@
           </a:prstGeom>
         </p:spPr>
         <p:txBody>
-          <a:bodyPr anchorCtr="0" anchor="t" bIns="91425" lIns="91425" spcFirstLastPara="1" rIns="91425" wrap="square" tIns="91425">
+          <a:bodyPr spcFirstLastPara="1" wrap="square" lIns="91425" tIns="91425" rIns="91425" bIns="91425" anchor="t" anchorCtr="0">
             <a:noAutofit/>
           </a:bodyPr>
           <a:lstStyle/>
           <a:p>
-            <a:pPr indent="-342900" lvl="0" marL="457200" rtl="0" algn="l">
+            <a:pPr marL="457200" lvl="0" indent="-342900" algn="l" rtl="0">
               <a:spcBef>
                 <a:spcPts val="0"/>
               </a:spcBef>
@@ -6827,7 +7001,7 @@
             <a:endParaRPr/>
           </a:p>
           <a:p>
-            <a:pPr indent="-342900" lvl="0" marL="457200" rtl="0" algn="l">
+            <a:pPr marL="457200" lvl="0" indent="-342900" algn="l" rtl="0">
               <a:spcBef>
                 <a:spcPts val="0"/>
               </a:spcBef>
@@ -6844,7 +7018,7 @@
             <a:endParaRPr/>
           </a:p>
           <a:p>
-            <a:pPr indent="-342900" lvl="0" marL="457200" rtl="0" algn="l">
+            <a:pPr marL="457200" lvl="0" indent="-342900" algn="l" rtl="0">
               <a:spcBef>
                 <a:spcPts val="0"/>
               </a:spcBef>
@@ -6871,11 +7045,11 @@
 </file>
 
 <file path=ppt/slides/slide6.xml><?xml version="1.0" encoding="utf-8"?>
-<p:sld xmlns:a="http://schemas.openxmlformats.org/drawingml/2006/main" xmlns:r="http://schemas.openxmlformats.org/officeDocument/2006/relationships" xmlns:mc="http://schemas.openxmlformats.org/markup-compatibility/2006" xmlns:mv="urn:schemas-microsoft-com:mac:vml" xmlns:p="http://schemas.openxmlformats.org/presentationml/2006/main" xmlns:c="http://schemas.openxmlformats.org/drawingml/2006/chart" xmlns:dgm="http://schemas.openxmlformats.org/drawingml/2006/diagram" xmlns:o="urn:schemas-microsoft-com:office:office" xmlns:v="urn:schemas-microsoft-com:vml" xmlns:pvml="urn:schemas-microsoft-com:office:powerpoint" xmlns:com="http://schemas.openxmlformats.org/drawingml/2006/compatibility" xmlns:p14="http://schemas.microsoft.com/office/powerpoint/2010/main" xmlns:p15="http://schemas.microsoft.com/office/powerpoint/2012/main" xmlns:ahyp="http://schemas.microsoft.com/office/drawing/2018/hyperlinkcolor">
+<p:sld xmlns:a="http://schemas.openxmlformats.org/drawingml/2006/main" xmlns:r="http://schemas.openxmlformats.org/officeDocument/2006/relationships" xmlns:p="http://schemas.openxmlformats.org/presentationml/2006/main">
   <p:cSld>
     <p:spTree>
       <p:nvGrpSpPr>
-        <p:cNvPr id="82" name="Shape 82"/>
+        <p:cNvPr id="1" name="Shape 82"/>
         <p:cNvGrpSpPr/>
         <p:nvPr/>
       </p:nvGrpSpPr>
@@ -6890,7 +7064,9 @@
       <p:sp>
         <p:nvSpPr>
           <p:cNvPr id="83" name="Google Shape;83;p18"/>
-          <p:cNvSpPr txBox="1"/>
+          <p:cNvSpPr txBox="1">
+            <a:spLocks noGrp="1"/>
+          </p:cNvSpPr>
           <p:nvPr>
             <p:ph type="title"/>
           </p:nvPr>
@@ -6905,12 +7081,12 @@
           </a:prstGeom>
         </p:spPr>
         <p:txBody>
-          <a:bodyPr anchorCtr="0" anchor="t" bIns="91425" lIns="91425" spcFirstLastPara="1" rIns="91425" wrap="square" tIns="91425">
+          <a:bodyPr spcFirstLastPara="1" wrap="square" lIns="91425" tIns="91425" rIns="91425" bIns="91425" anchor="t" anchorCtr="0">
             <a:noAutofit/>
           </a:bodyPr>
           <a:lstStyle/>
           <a:p>
-            <a:pPr indent="0" lvl="0" marL="0" rtl="0" algn="l">
+            <a:pPr marL="0" lvl="0" indent="0" algn="l" rtl="0">
               <a:spcBef>
                 <a:spcPts val="0"/>
               </a:spcBef>
@@ -6930,9 +7106,11 @@
       <p:sp>
         <p:nvSpPr>
           <p:cNvPr id="84" name="Google Shape;84;p18"/>
-          <p:cNvSpPr txBox="1"/>
+          <p:cNvSpPr txBox="1">
+            <a:spLocks noGrp="1"/>
+          </p:cNvSpPr>
           <p:nvPr>
-            <p:ph idx="1" type="body"/>
+            <p:ph type="body" idx="1"/>
           </p:nvPr>
         </p:nvSpPr>
         <p:spPr>
@@ -6945,12 +7123,12 @@
           </a:prstGeom>
         </p:spPr>
         <p:txBody>
-          <a:bodyPr anchorCtr="0" anchor="t" bIns="91425" lIns="91425" spcFirstLastPara="1" rIns="91425" wrap="square" tIns="91425">
+          <a:bodyPr spcFirstLastPara="1" wrap="square" lIns="91425" tIns="91425" rIns="91425" bIns="91425" anchor="t" anchorCtr="0">
             <a:noAutofit/>
           </a:bodyPr>
           <a:lstStyle/>
           <a:p>
-            <a:pPr indent="-342900" lvl="0" marL="457200" rtl="0" algn="l">
+            <a:pPr marL="457200" lvl="0" indent="-342900" algn="l" rtl="0">
               <a:spcBef>
                 <a:spcPts val="0"/>
               </a:spcBef>
@@ -6967,7 +7145,7 @@
             <a:endParaRPr/>
           </a:p>
           <a:p>
-            <a:pPr indent="-342900" lvl="0" marL="457200" rtl="0" algn="l">
+            <a:pPr marL="457200" lvl="0" indent="-342900" algn="l" rtl="0">
               <a:spcBef>
                 <a:spcPts val="0"/>
               </a:spcBef>
@@ -6984,7 +7162,7 @@
             <a:endParaRPr/>
           </a:p>
           <a:p>
-            <a:pPr indent="0" lvl="0" marL="457200" rtl="0" algn="l">
+            <a:pPr marL="457200" lvl="0" indent="0" algn="l" rtl="0">
               <a:spcBef>
                 <a:spcPts val="1600"/>
               </a:spcBef>
@@ -6993,9 +7171,6 @@
               </a:spcAft>
               <a:buNone/>
             </a:pPr>
-            <a:r>
-              <a:t/>
-            </a:r>
             <a:endParaRPr/>
           </a:p>
         </p:txBody>
@@ -7009,11 +7184,11 @@
 </file>
 
 <file path=ppt/slides/slide7.xml><?xml version="1.0" encoding="utf-8"?>
-<p:sld xmlns:a="http://schemas.openxmlformats.org/drawingml/2006/main" xmlns:r="http://schemas.openxmlformats.org/officeDocument/2006/relationships" xmlns:mc="http://schemas.openxmlformats.org/markup-compatibility/2006" xmlns:mv="urn:schemas-microsoft-com:mac:vml" xmlns:p="http://schemas.openxmlformats.org/presentationml/2006/main" xmlns:c="http://schemas.openxmlformats.org/drawingml/2006/chart" xmlns:dgm="http://schemas.openxmlformats.org/drawingml/2006/diagram" xmlns:o="urn:schemas-microsoft-com:office:office" xmlns:v="urn:schemas-microsoft-com:vml" xmlns:pvml="urn:schemas-microsoft-com:office:powerpoint" xmlns:com="http://schemas.openxmlformats.org/drawingml/2006/compatibility" xmlns:p14="http://schemas.microsoft.com/office/powerpoint/2010/main" xmlns:p15="http://schemas.microsoft.com/office/powerpoint/2012/main" xmlns:ahyp="http://schemas.microsoft.com/office/drawing/2018/hyperlinkcolor">
+<p:sld xmlns:a="http://schemas.openxmlformats.org/drawingml/2006/main" xmlns:r="http://schemas.openxmlformats.org/officeDocument/2006/relationships" xmlns:p="http://schemas.openxmlformats.org/presentationml/2006/main">
   <p:cSld>
     <p:spTree>
       <p:nvGrpSpPr>
-        <p:cNvPr id="88" name="Shape 88"/>
+        <p:cNvPr id="1" name="Shape 88"/>
         <p:cNvGrpSpPr/>
         <p:nvPr/>
       </p:nvGrpSpPr>
@@ -7028,7 +7203,9 @@
       <p:sp>
         <p:nvSpPr>
           <p:cNvPr id="89" name="Google Shape;89;p19"/>
-          <p:cNvSpPr txBox="1"/>
+          <p:cNvSpPr txBox="1">
+            <a:spLocks noGrp="1"/>
+          </p:cNvSpPr>
           <p:nvPr>
             <p:ph type="title"/>
           </p:nvPr>
@@ -7043,12 +7220,12 @@
           </a:prstGeom>
         </p:spPr>
         <p:txBody>
-          <a:bodyPr anchorCtr="0" anchor="t" bIns="91425" lIns="91425" spcFirstLastPara="1" rIns="91425" wrap="square" tIns="91425">
+          <a:bodyPr spcFirstLastPara="1" wrap="square" lIns="91425" tIns="91425" rIns="91425" bIns="91425" anchor="t" anchorCtr="0">
             <a:noAutofit/>
           </a:bodyPr>
           <a:lstStyle/>
           <a:p>
-            <a:pPr indent="0" lvl="0" marL="0" rtl="0" algn="l">
+            <a:pPr marL="0" lvl="0" indent="0" algn="l" rtl="0">
               <a:spcBef>
                 <a:spcPts val="0"/>
               </a:spcBef>
@@ -7068,9 +7245,11 @@
       <p:sp>
         <p:nvSpPr>
           <p:cNvPr id="90" name="Google Shape;90;p19"/>
-          <p:cNvSpPr txBox="1"/>
+          <p:cNvSpPr txBox="1">
+            <a:spLocks noGrp="1"/>
+          </p:cNvSpPr>
           <p:nvPr>
-            <p:ph idx="1" type="body"/>
+            <p:ph type="body" idx="1"/>
           </p:nvPr>
         </p:nvSpPr>
         <p:spPr>
@@ -7083,12 +7262,12 @@
           </a:prstGeom>
         </p:spPr>
         <p:txBody>
-          <a:bodyPr anchorCtr="0" anchor="t" bIns="91425" lIns="91425" spcFirstLastPara="1" rIns="91425" wrap="square" tIns="91425">
+          <a:bodyPr spcFirstLastPara="1" wrap="square" lIns="91425" tIns="91425" rIns="91425" bIns="91425" anchor="t" anchorCtr="0">
             <a:noAutofit/>
           </a:bodyPr>
           <a:lstStyle/>
           <a:p>
-            <a:pPr indent="-342900" lvl="0" marL="457200" rtl="0" algn="l">
+            <a:pPr marL="457200" lvl="0" indent="-342900" algn="l" rtl="0">
               <a:spcBef>
                 <a:spcPts val="0"/>
               </a:spcBef>
@@ -7105,7 +7284,7 @@
             <a:endParaRPr/>
           </a:p>
           <a:p>
-            <a:pPr indent="0" lvl="0" marL="457200" rtl="0" algn="l">
+            <a:pPr marL="457200" lvl="0" indent="0" algn="l" rtl="0">
               <a:spcBef>
                 <a:spcPts val="1600"/>
               </a:spcBef>
@@ -7166,7 +7345,7 @@
             <a:endParaRPr/>
           </a:p>
           <a:p>
-            <a:pPr indent="0" lvl="0" marL="457200" rtl="0" algn="l">
+            <a:pPr marL="457200" lvl="0" indent="0" algn="l" rtl="0">
               <a:spcBef>
                 <a:spcPts val="1600"/>
               </a:spcBef>
@@ -7175,9 +7354,6 @@
               </a:spcAft>
               <a:buNone/>
             </a:pPr>
-            <a:r>
-              <a:t/>
-            </a:r>
             <a:endParaRPr/>
           </a:p>
         </p:txBody>
@@ -7191,11 +7367,11 @@
 </file>
 
 <file path=ppt/slides/slide8.xml><?xml version="1.0" encoding="utf-8"?>
-<p:sld xmlns:a="http://schemas.openxmlformats.org/drawingml/2006/main" xmlns:r="http://schemas.openxmlformats.org/officeDocument/2006/relationships" xmlns:mc="http://schemas.openxmlformats.org/markup-compatibility/2006" xmlns:mv="urn:schemas-microsoft-com:mac:vml" xmlns:p="http://schemas.openxmlformats.org/presentationml/2006/main" xmlns:c="http://schemas.openxmlformats.org/drawingml/2006/chart" xmlns:dgm="http://schemas.openxmlformats.org/drawingml/2006/diagram" xmlns:o="urn:schemas-microsoft-com:office:office" xmlns:v="urn:schemas-microsoft-com:vml" xmlns:pvml="urn:schemas-microsoft-com:office:powerpoint" xmlns:com="http://schemas.openxmlformats.org/drawingml/2006/compatibility" xmlns:p14="http://schemas.microsoft.com/office/powerpoint/2010/main" xmlns:p15="http://schemas.microsoft.com/office/powerpoint/2012/main" xmlns:ahyp="http://schemas.microsoft.com/office/drawing/2018/hyperlinkcolor">
+<p:sld xmlns:a="http://schemas.openxmlformats.org/drawingml/2006/main" xmlns:r="http://schemas.openxmlformats.org/officeDocument/2006/relationships" xmlns:p="http://schemas.openxmlformats.org/presentationml/2006/main">
   <p:cSld>
     <p:spTree>
       <p:nvGrpSpPr>
-        <p:cNvPr id="94" name="Shape 94"/>
+        <p:cNvPr id="1" name="Shape 94"/>
         <p:cNvGrpSpPr/>
         <p:nvPr/>
       </p:nvGrpSpPr>
@@ -7210,7 +7386,9 @@
       <p:sp>
         <p:nvSpPr>
           <p:cNvPr id="95" name="Google Shape;95;p20"/>
-          <p:cNvSpPr txBox="1"/>
+          <p:cNvSpPr txBox="1">
+            <a:spLocks noGrp="1"/>
+          </p:cNvSpPr>
           <p:nvPr>
             <p:ph type="title"/>
           </p:nvPr>
@@ -7225,12 +7403,12 @@
           </a:prstGeom>
         </p:spPr>
         <p:txBody>
-          <a:bodyPr anchorCtr="0" anchor="t" bIns="91425" lIns="91425" spcFirstLastPara="1" rIns="91425" wrap="square" tIns="91425">
+          <a:bodyPr spcFirstLastPara="1" wrap="square" lIns="91425" tIns="91425" rIns="91425" bIns="91425" anchor="t" anchorCtr="0">
             <a:noAutofit/>
           </a:bodyPr>
           <a:lstStyle/>
           <a:p>
-            <a:pPr indent="0" lvl="0" marL="0" rtl="0" algn="l">
+            <a:pPr marL="0" lvl="0" indent="0" algn="l" rtl="0">
               <a:spcBef>
                 <a:spcPts val="0"/>
               </a:spcBef>
@@ -7246,7 +7424,7 @@
             <a:endParaRPr/>
           </a:p>
           <a:p>
-            <a:pPr indent="0" lvl="0" marL="0" rtl="0" algn="l">
+            <a:pPr marL="0" lvl="0" indent="0" algn="l" rtl="0">
               <a:spcBef>
                 <a:spcPts val="0"/>
               </a:spcBef>
@@ -7255,9 +7433,6 @@
               </a:spcAft>
               <a:buNone/>
             </a:pPr>
-            <a:r>
-              <a:t/>
-            </a:r>
             <a:endParaRPr/>
           </a:p>
         </p:txBody>
@@ -7271,11 +7446,11 @@
 </file>
 
 <file path=ppt/slides/slide9.xml><?xml version="1.0" encoding="utf-8"?>
-<p:sld xmlns:a="http://schemas.openxmlformats.org/drawingml/2006/main" xmlns:r="http://schemas.openxmlformats.org/officeDocument/2006/relationships" xmlns:mc="http://schemas.openxmlformats.org/markup-compatibility/2006" xmlns:mv="urn:schemas-microsoft-com:mac:vml" xmlns:p="http://schemas.openxmlformats.org/presentationml/2006/main" xmlns:c="http://schemas.openxmlformats.org/drawingml/2006/chart" xmlns:dgm="http://schemas.openxmlformats.org/drawingml/2006/diagram" xmlns:o="urn:schemas-microsoft-com:office:office" xmlns:v="urn:schemas-microsoft-com:vml" xmlns:pvml="urn:schemas-microsoft-com:office:powerpoint" xmlns:com="http://schemas.openxmlformats.org/drawingml/2006/compatibility" xmlns:p14="http://schemas.microsoft.com/office/powerpoint/2010/main" xmlns:p15="http://schemas.microsoft.com/office/powerpoint/2012/main" xmlns:ahyp="http://schemas.microsoft.com/office/drawing/2018/hyperlinkcolor">
+<p:sld xmlns:a="http://schemas.openxmlformats.org/drawingml/2006/main" xmlns:r="http://schemas.openxmlformats.org/officeDocument/2006/relationships" xmlns:p="http://schemas.openxmlformats.org/presentationml/2006/main">
   <p:cSld>
     <p:spTree>
       <p:nvGrpSpPr>
-        <p:cNvPr id="99" name="Shape 99"/>
+        <p:cNvPr id="1" name="Shape 99"/>
         <p:cNvGrpSpPr/>
         <p:nvPr/>
       </p:nvGrpSpPr>
@@ -7290,7 +7465,9 @@
       <p:sp>
         <p:nvSpPr>
           <p:cNvPr id="100" name="Google Shape;100;p21"/>
-          <p:cNvSpPr txBox="1"/>
+          <p:cNvSpPr txBox="1">
+            <a:spLocks noGrp="1"/>
+          </p:cNvSpPr>
           <p:nvPr>
             <p:ph type="title"/>
           </p:nvPr>
@@ -7305,12 +7482,12 @@
           </a:prstGeom>
         </p:spPr>
         <p:txBody>
-          <a:bodyPr anchorCtr="0" anchor="t" bIns="91425" lIns="91425" spcFirstLastPara="1" rIns="91425" wrap="square" tIns="91425">
+          <a:bodyPr spcFirstLastPara="1" wrap="square" lIns="91425" tIns="91425" rIns="91425" bIns="91425" anchor="t" anchorCtr="0">
             <a:noAutofit/>
           </a:bodyPr>
           <a:lstStyle/>
           <a:p>
-            <a:pPr indent="0" lvl="0" marL="0" rtl="0" algn="l">
+            <a:pPr marL="0" lvl="0" indent="0" algn="l" rtl="0">
               <a:spcBef>
                 <a:spcPts val="0"/>
               </a:spcBef>
@@ -7336,7 +7513,288 @@
 </file>
 
 <file path=ppt/theme/theme1.xml><?xml version="1.0" encoding="utf-8"?>
-<a:theme xmlns:a="http://schemas.openxmlformats.org/drawingml/2006/main" xmlns:r="http://schemas.openxmlformats.org/officeDocument/2006/relationships">
+<a:theme xmlns:a="http://schemas.openxmlformats.org/drawingml/2006/main" name="Simple Dark">
+  <a:themeElements>
+    <a:clrScheme name="Simple Dark">
+      <a:dk1>
+        <a:srgbClr val="FFFFFF"/>
+      </a:dk1>
+      <a:lt1>
+        <a:srgbClr val="212121"/>
+      </a:lt1>
+      <a:dk2>
+        <a:srgbClr val="303030"/>
+      </a:dk2>
+      <a:lt2>
+        <a:srgbClr val="ADADAD"/>
+      </a:lt2>
+      <a:accent1>
+        <a:srgbClr val="009688"/>
+      </a:accent1>
+      <a:accent2>
+        <a:srgbClr val="EEEEEE"/>
+      </a:accent2>
+      <a:accent3>
+        <a:srgbClr val="78909C"/>
+      </a:accent3>
+      <a:accent4>
+        <a:srgbClr val="FFAB40"/>
+      </a:accent4>
+      <a:accent5>
+        <a:srgbClr val="4DD0E1"/>
+      </a:accent5>
+      <a:accent6>
+        <a:srgbClr val="EEFF41"/>
+      </a:accent6>
+      <a:hlink>
+        <a:srgbClr val="4DD0E1"/>
+      </a:hlink>
+      <a:folHlink>
+        <a:srgbClr val="4DD0E1"/>
+      </a:folHlink>
+    </a:clrScheme>
+    <a:fontScheme name="Office">
+      <a:majorFont>
+        <a:latin typeface="Arial"/>
+        <a:ea typeface=""/>
+        <a:cs typeface=""/>
+        <a:font script="Jpan" typeface="ＭＳ Ｐゴシック"/>
+        <a:font script="Hang" typeface="맑은 고딕"/>
+        <a:font script="Hans" typeface="宋体"/>
+        <a:font script="Hant" typeface="新細明體"/>
+        <a:font script="Arab" typeface="Times New Roman"/>
+        <a:font script="Hebr" typeface="Times New Roman"/>
+        <a:font script="Thai" typeface="Angsana New"/>
+        <a:font script="Ethi" typeface="Nyala"/>
+        <a:font script="Beng" typeface="Vrinda"/>
+        <a:font script="Gujr" typeface="Shruti"/>
+        <a:font script="Khmr" typeface="MoolBoran"/>
+        <a:font script="Knda" typeface="Tunga"/>
+        <a:font script="Guru" typeface="Raavi"/>
+        <a:font script="Cans" typeface="Euphemia"/>
+        <a:font script="Cher" typeface="Plantagenet Cherokee"/>
+        <a:font script="Yiii" typeface="Microsoft Yi Baiti"/>
+        <a:font script="Tibt" typeface="Microsoft Himalaya"/>
+        <a:font script="Thaa" typeface="MV Boli"/>
+        <a:font script="Deva" typeface="Mangal"/>
+        <a:font script="Telu" typeface="Gautami"/>
+        <a:font script="Taml" typeface="Latha"/>
+        <a:font script="Syrc" typeface="Estrangelo Edessa"/>
+        <a:font script="Orya" typeface="Kalinga"/>
+        <a:font script="Mlym" typeface="Kartika"/>
+        <a:font script="Laoo" typeface="DokChampa"/>
+        <a:font script="Sinh" typeface="Iskoola Pota"/>
+        <a:font script="Mong" typeface="Mongolian Baiti"/>
+        <a:font script="Viet" typeface="Times New Roman"/>
+        <a:font script="Uigh" typeface="Microsoft Uighur"/>
+        <a:font script="Geor" typeface="Sylfaen"/>
+      </a:majorFont>
+      <a:minorFont>
+        <a:latin typeface="Arial"/>
+        <a:ea typeface=""/>
+        <a:cs typeface=""/>
+        <a:font script="Jpan" typeface="ＭＳ Ｐゴシック"/>
+        <a:font script="Hang" typeface="맑은 고딕"/>
+        <a:font script="Hans" typeface="宋体"/>
+        <a:font script="Hant" typeface="新細明體"/>
+        <a:font script="Arab" typeface="Arial"/>
+        <a:font script="Hebr" typeface="Arial"/>
+        <a:font script="Thai" typeface="Cordia New"/>
+        <a:font script="Ethi" typeface="Nyala"/>
+        <a:font script="Beng" typeface="Vrinda"/>
+        <a:font script="Gujr" typeface="Shruti"/>
+        <a:font script="Khmr" typeface="DaunPenh"/>
+        <a:font script="Knda" typeface="Tunga"/>
+        <a:font script="Guru" typeface="Raavi"/>
+        <a:font script="Cans" typeface="Euphemia"/>
+        <a:font script="Cher" typeface="Plantagenet Cherokee"/>
+        <a:font script="Yiii" typeface="Microsoft Yi Baiti"/>
+        <a:font script="Tibt" typeface="Microsoft Himalaya"/>
+        <a:font script="Thaa" typeface="MV Boli"/>
+        <a:font script="Deva" typeface="Mangal"/>
+        <a:font script="Telu" typeface="Gautami"/>
+        <a:font script="Taml" typeface="Latha"/>
+        <a:font script="Syrc" typeface="Estrangelo Edessa"/>
+        <a:font script="Orya" typeface="Kalinga"/>
+        <a:font script="Mlym" typeface="Kartika"/>
+        <a:font script="Laoo" typeface="DokChampa"/>
+        <a:font script="Sinh" typeface="Iskoola Pota"/>
+        <a:font script="Mong" typeface="Mongolian Baiti"/>
+        <a:font script="Viet" typeface="Arial"/>
+        <a:font script="Uigh" typeface="Microsoft Uighur"/>
+        <a:font script="Geor" typeface="Sylfaen"/>
+      </a:minorFont>
+    </a:fontScheme>
+    <a:fmtScheme name="Office">
+      <a:fillStyleLst>
+        <a:solidFill>
+          <a:schemeClr val="phClr"/>
+        </a:solidFill>
+        <a:gradFill rotWithShape="1">
+          <a:gsLst>
+            <a:gs pos="0">
+              <a:schemeClr val="phClr">
+                <a:tint val="50000"/>
+                <a:satMod val="300000"/>
+              </a:schemeClr>
+            </a:gs>
+            <a:gs pos="35000">
+              <a:schemeClr val="phClr">
+                <a:tint val="37000"/>
+                <a:satMod val="300000"/>
+              </a:schemeClr>
+            </a:gs>
+            <a:gs pos="100000">
+              <a:schemeClr val="phClr">
+                <a:tint val="15000"/>
+                <a:satMod val="350000"/>
+              </a:schemeClr>
+            </a:gs>
+          </a:gsLst>
+          <a:lin ang="16200000" scaled="1"/>
+        </a:gradFill>
+        <a:gradFill rotWithShape="1">
+          <a:gsLst>
+            <a:gs pos="0">
+              <a:schemeClr val="phClr">
+                <a:tint val="100000"/>
+                <a:shade val="100000"/>
+                <a:satMod val="130000"/>
+              </a:schemeClr>
+            </a:gs>
+            <a:gs pos="100000">
+              <a:schemeClr val="phClr">
+                <a:tint val="50000"/>
+                <a:shade val="100000"/>
+                <a:satMod val="350000"/>
+              </a:schemeClr>
+            </a:gs>
+          </a:gsLst>
+          <a:lin ang="16200000" scaled="0"/>
+        </a:gradFill>
+      </a:fillStyleLst>
+      <a:lnStyleLst>
+        <a:ln w="9525" cap="flat" cmpd="sng" algn="ctr">
+          <a:solidFill>
+            <a:schemeClr val="phClr">
+              <a:shade val="95000"/>
+              <a:satMod val="105000"/>
+            </a:schemeClr>
+          </a:solidFill>
+          <a:prstDash val="solid"/>
+        </a:ln>
+        <a:ln w="25400" cap="flat" cmpd="sng" algn="ctr">
+          <a:solidFill>
+            <a:schemeClr val="phClr"/>
+          </a:solidFill>
+          <a:prstDash val="solid"/>
+        </a:ln>
+        <a:ln w="38100" cap="flat" cmpd="sng" algn="ctr">
+          <a:solidFill>
+            <a:schemeClr val="phClr"/>
+          </a:solidFill>
+          <a:prstDash val="solid"/>
+        </a:ln>
+      </a:lnStyleLst>
+      <a:effectStyleLst>
+        <a:effectStyle>
+          <a:effectLst>
+            <a:outerShdw blurRad="40000" dist="20000" dir="5400000" rotWithShape="0">
+              <a:srgbClr val="000000">
+                <a:alpha val="38000"/>
+              </a:srgbClr>
+            </a:outerShdw>
+          </a:effectLst>
+        </a:effectStyle>
+        <a:effectStyle>
+          <a:effectLst>
+            <a:outerShdw blurRad="40000" dist="23000" dir="5400000" rotWithShape="0">
+              <a:srgbClr val="000000">
+                <a:alpha val="35000"/>
+              </a:srgbClr>
+            </a:outerShdw>
+          </a:effectLst>
+        </a:effectStyle>
+        <a:effectStyle>
+          <a:effectLst>
+            <a:outerShdw blurRad="40000" dist="23000" dir="5400000" rotWithShape="0">
+              <a:srgbClr val="000000">
+                <a:alpha val="35000"/>
+              </a:srgbClr>
+            </a:outerShdw>
+          </a:effectLst>
+          <a:scene3d>
+            <a:camera prst="orthographicFront">
+              <a:rot lat="0" lon="0" rev="0"/>
+            </a:camera>
+            <a:lightRig rig="threePt" dir="t">
+              <a:rot lat="0" lon="0" rev="1200000"/>
+            </a:lightRig>
+          </a:scene3d>
+          <a:sp3d>
+            <a:bevelT w="63500" h="25400"/>
+          </a:sp3d>
+        </a:effectStyle>
+      </a:effectStyleLst>
+      <a:bgFillStyleLst>
+        <a:solidFill>
+          <a:schemeClr val="phClr"/>
+        </a:solidFill>
+        <a:gradFill rotWithShape="1">
+          <a:gsLst>
+            <a:gs pos="0">
+              <a:schemeClr val="phClr">
+                <a:tint val="40000"/>
+                <a:satMod val="350000"/>
+              </a:schemeClr>
+            </a:gs>
+            <a:gs pos="40000">
+              <a:schemeClr val="phClr">
+                <a:tint val="45000"/>
+                <a:shade val="99000"/>
+                <a:satMod val="350000"/>
+              </a:schemeClr>
+            </a:gs>
+            <a:gs pos="100000">
+              <a:schemeClr val="phClr">
+                <a:shade val="20000"/>
+                <a:satMod val="255000"/>
+              </a:schemeClr>
+            </a:gs>
+          </a:gsLst>
+          <a:path path="circle">
+            <a:fillToRect l="50000" t="-80000" r="50000" b="180000"/>
+          </a:path>
+        </a:gradFill>
+        <a:gradFill rotWithShape="1">
+          <a:gsLst>
+            <a:gs pos="0">
+              <a:schemeClr val="phClr">
+                <a:tint val="80000"/>
+                <a:satMod val="300000"/>
+              </a:schemeClr>
+            </a:gs>
+            <a:gs pos="100000">
+              <a:schemeClr val="phClr">
+                <a:shade val="30000"/>
+                <a:satMod val="200000"/>
+              </a:schemeClr>
+            </a:gs>
+          </a:gsLst>
+          <a:path path="circle">
+            <a:fillToRect l="50000" t="50000" r="50000" b="50000"/>
+          </a:path>
+        </a:gradFill>
+      </a:bgFillStyleLst>
+    </a:fmtScheme>
+  </a:themeElements>
+  <a:objectDefaults/>
+  <a:extraClrSchemeLst/>
+</a:theme>
+</file>
+
+<file path=ppt/theme/theme2.xml><?xml version="1.0" encoding="utf-8"?>
+<a:theme xmlns:a="http://schemas.openxmlformats.org/drawingml/2006/main">
   <a:themeElements>
     <a:clrScheme name="Default">
       <a:dk1>
@@ -7611,284 +8069,7 @@
       </a:bgFillStyleLst>
     </a:fmtScheme>
   </a:themeElements>
-</a:theme>
-</file>
-
-<file path=ppt/theme/theme2.xml><?xml version="1.0" encoding="utf-8"?>
-<a:theme xmlns:a="http://schemas.openxmlformats.org/drawingml/2006/main" xmlns:r="http://schemas.openxmlformats.org/officeDocument/2006/relationships" name="Simple Dark">
-  <a:themeElements>
-    <a:clrScheme name="Simple Dark">
-      <a:dk1>
-        <a:srgbClr val="FFFFFF"/>
-      </a:dk1>
-      <a:lt1>
-        <a:srgbClr val="212121"/>
-      </a:lt1>
-      <a:dk2>
-        <a:srgbClr val="303030"/>
-      </a:dk2>
-      <a:lt2>
-        <a:srgbClr val="ADADAD"/>
-      </a:lt2>
-      <a:accent1>
-        <a:srgbClr val="009688"/>
-      </a:accent1>
-      <a:accent2>
-        <a:srgbClr val="EEEEEE"/>
-      </a:accent2>
-      <a:accent3>
-        <a:srgbClr val="78909C"/>
-      </a:accent3>
-      <a:accent4>
-        <a:srgbClr val="FFAB40"/>
-      </a:accent4>
-      <a:accent5>
-        <a:srgbClr val="4DD0E1"/>
-      </a:accent5>
-      <a:accent6>
-        <a:srgbClr val="EEFF41"/>
-      </a:accent6>
-      <a:hlink>
-        <a:srgbClr val="4DD0E1"/>
-      </a:hlink>
-      <a:folHlink>
-        <a:srgbClr val="4DD0E1"/>
-      </a:folHlink>
-    </a:clrScheme>
-    <a:fontScheme name="Office">
-      <a:majorFont>
-        <a:latin typeface="Arial"/>
-        <a:ea typeface=""/>
-        <a:cs typeface=""/>
-        <a:font script="Jpan" typeface="ＭＳ Ｐゴシック"/>
-        <a:font script="Hang" typeface="맑은 고딕"/>
-        <a:font script="Hans" typeface="宋体"/>
-        <a:font script="Hant" typeface="新細明體"/>
-        <a:font script="Arab" typeface="Times New Roman"/>
-        <a:font script="Hebr" typeface="Times New Roman"/>
-        <a:font script="Thai" typeface="Angsana New"/>
-        <a:font script="Ethi" typeface="Nyala"/>
-        <a:font script="Beng" typeface="Vrinda"/>
-        <a:font script="Gujr" typeface="Shruti"/>
-        <a:font script="Khmr" typeface="MoolBoran"/>
-        <a:font script="Knda" typeface="Tunga"/>
-        <a:font script="Guru" typeface="Raavi"/>
-        <a:font script="Cans" typeface="Euphemia"/>
-        <a:font script="Cher" typeface="Plantagenet Cherokee"/>
-        <a:font script="Yiii" typeface="Microsoft Yi Baiti"/>
-        <a:font script="Tibt" typeface="Microsoft Himalaya"/>
-        <a:font script="Thaa" typeface="MV Boli"/>
-        <a:font script="Deva" typeface="Mangal"/>
-        <a:font script="Telu" typeface="Gautami"/>
-        <a:font script="Taml" typeface="Latha"/>
-        <a:font script="Syrc" typeface="Estrangelo Edessa"/>
-        <a:font script="Orya" typeface="Kalinga"/>
-        <a:font script="Mlym" typeface="Kartika"/>
-        <a:font script="Laoo" typeface="DokChampa"/>
-        <a:font script="Sinh" typeface="Iskoola Pota"/>
-        <a:font script="Mong" typeface="Mongolian Baiti"/>
-        <a:font script="Viet" typeface="Times New Roman"/>
-        <a:font script="Uigh" typeface="Microsoft Uighur"/>
-        <a:font script="Geor" typeface="Sylfaen"/>
-      </a:majorFont>
-      <a:minorFont>
-        <a:latin typeface="Arial"/>
-        <a:ea typeface=""/>
-        <a:cs typeface=""/>
-        <a:font script="Jpan" typeface="ＭＳ Ｐゴシック"/>
-        <a:font script="Hang" typeface="맑은 고딕"/>
-        <a:font script="Hans" typeface="宋体"/>
-        <a:font script="Hant" typeface="新細明體"/>
-        <a:font script="Arab" typeface="Arial"/>
-        <a:font script="Hebr" typeface="Arial"/>
-        <a:font script="Thai" typeface="Cordia New"/>
-        <a:font script="Ethi" typeface="Nyala"/>
-        <a:font script="Beng" typeface="Vrinda"/>
-        <a:font script="Gujr" typeface="Shruti"/>
-        <a:font script="Khmr" typeface="DaunPenh"/>
-        <a:font script="Knda" typeface="Tunga"/>
-        <a:font script="Guru" typeface="Raavi"/>
-        <a:font script="Cans" typeface="Euphemia"/>
-        <a:font script="Cher" typeface="Plantagenet Cherokee"/>
-        <a:font script="Yiii" typeface="Microsoft Yi Baiti"/>
-        <a:font script="Tibt" typeface="Microsoft Himalaya"/>
-        <a:font script="Thaa" typeface="MV Boli"/>
-        <a:font script="Deva" typeface="Mangal"/>
-        <a:font script="Telu" typeface="Gautami"/>
-        <a:font script="Taml" typeface="Latha"/>
-        <a:font script="Syrc" typeface="Estrangelo Edessa"/>
-        <a:font script="Orya" typeface="Kalinga"/>
-        <a:font script="Mlym" typeface="Kartika"/>
-        <a:font script="Laoo" typeface="DokChampa"/>
-        <a:font script="Sinh" typeface="Iskoola Pota"/>
-        <a:font script="Mong" typeface="Mongolian Baiti"/>
-        <a:font script="Viet" typeface="Arial"/>
-        <a:font script="Uigh" typeface="Microsoft Uighur"/>
-        <a:font script="Geor" typeface="Sylfaen"/>
-      </a:minorFont>
-    </a:fontScheme>
-    <a:fmtScheme name="Office">
-      <a:fillStyleLst>
-        <a:solidFill>
-          <a:schemeClr val="phClr"/>
-        </a:solidFill>
-        <a:gradFill rotWithShape="1">
-          <a:gsLst>
-            <a:gs pos="0">
-              <a:schemeClr val="phClr">
-                <a:tint val="50000"/>
-                <a:satMod val="300000"/>
-              </a:schemeClr>
-            </a:gs>
-            <a:gs pos="35000">
-              <a:schemeClr val="phClr">
-                <a:tint val="37000"/>
-                <a:satMod val="300000"/>
-              </a:schemeClr>
-            </a:gs>
-            <a:gs pos="100000">
-              <a:schemeClr val="phClr">
-                <a:tint val="15000"/>
-                <a:satMod val="350000"/>
-              </a:schemeClr>
-            </a:gs>
-          </a:gsLst>
-          <a:lin ang="16200000" scaled="1"/>
-        </a:gradFill>
-        <a:gradFill rotWithShape="1">
-          <a:gsLst>
-            <a:gs pos="0">
-              <a:schemeClr val="phClr">
-                <a:tint val="100000"/>
-                <a:shade val="100000"/>
-                <a:satMod val="130000"/>
-              </a:schemeClr>
-            </a:gs>
-            <a:gs pos="100000">
-              <a:schemeClr val="phClr">
-                <a:tint val="50000"/>
-                <a:shade val="100000"/>
-                <a:satMod val="350000"/>
-              </a:schemeClr>
-            </a:gs>
-          </a:gsLst>
-          <a:lin ang="16200000" scaled="0"/>
-        </a:gradFill>
-      </a:fillStyleLst>
-      <a:lnStyleLst>
-        <a:ln w="9525" cap="flat" cmpd="sng" algn="ctr">
-          <a:solidFill>
-            <a:schemeClr val="phClr">
-              <a:shade val="95000"/>
-              <a:satMod val="105000"/>
-            </a:schemeClr>
-          </a:solidFill>
-          <a:prstDash val="solid"/>
-        </a:ln>
-        <a:ln w="25400" cap="flat" cmpd="sng" algn="ctr">
-          <a:solidFill>
-            <a:schemeClr val="phClr"/>
-          </a:solidFill>
-          <a:prstDash val="solid"/>
-        </a:ln>
-        <a:ln w="38100" cap="flat" cmpd="sng" algn="ctr">
-          <a:solidFill>
-            <a:schemeClr val="phClr"/>
-          </a:solidFill>
-          <a:prstDash val="solid"/>
-        </a:ln>
-      </a:lnStyleLst>
-      <a:effectStyleLst>
-        <a:effectStyle>
-          <a:effectLst>
-            <a:outerShdw blurRad="40000" dist="20000" dir="5400000" rotWithShape="0">
-              <a:srgbClr val="000000">
-                <a:alpha val="38000"/>
-              </a:srgbClr>
-            </a:outerShdw>
-          </a:effectLst>
-        </a:effectStyle>
-        <a:effectStyle>
-          <a:effectLst>
-            <a:outerShdw blurRad="40000" dist="23000" dir="5400000" rotWithShape="0">
-              <a:srgbClr val="000000">
-                <a:alpha val="35000"/>
-              </a:srgbClr>
-            </a:outerShdw>
-          </a:effectLst>
-        </a:effectStyle>
-        <a:effectStyle>
-          <a:effectLst>
-            <a:outerShdw blurRad="40000" dist="23000" dir="5400000" rotWithShape="0">
-              <a:srgbClr val="000000">
-                <a:alpha val="35000"/>
-              </a:srgbClr>
-            </a:outerShdw>
-          </a:effectLst>
-          <a:scene3d>
-            <a:camera prst="orthographicFront">
-              <a:rot lat="0" lon="0" rev="0"/>
-            </a:camera>
-            <a:lightRig rig="threePt" dir="t">
-              <a:rot lat="0" lon="0" rev="1200000"/>
-            </a:lightRig>
-          </a:scene3d>
-          <a:sp3d>
-            <a:bevelT w="63500" h="25400"/>
-          </a:sp3d>
-        </a:effectStyle>
-      </a:effectStyleLst>
-      <a:bgFillStyleLst>
-        <a:solidFill>
-          <a:schemeClr val="phClr"/>
-        </a:solidFill>
-        <a:gradFill rotWithShape="1">
-          <a:gsLst>
-            <a:gs pos="0">
-              <a:schemeClr val="phClr">
-                <a:tint val="40000"/>
-                <a:satMod val="350000"/>
-              </a:schemeClr>
-            </a:gs>
-            <a:gs pos="40000">
-              <a:schemeClr val="phClr">
-                <a:tint val="45000"/>
-                <a:shade val="99000"/>
-                <a:satMod val="350000"/>
-              </a:schemeClr>
-            </a:gs>
-            <a:gs pos="100000">
-              <a:schemeClr val="phClr">
-                <a:shade val="20000"/>
-                <a:satMod val="255000"/>
-              </a:schemeClr>
-            </a:gs>
-          </a:gsLst>
-          <a:path path="circle">
-            <a:fillToRect l="50000" t="-80000" r="50000" b="180000"/>
-          </a:path>
-        </a:gradFill>
-        <a:gradFill rotWithShape="1">
-          <a:gsLst>
-            <a:gs pos="0">
-              <a:schemeClr val="phClr">
-                <a:tint val="80000"/>
-                <a:satMod val="300000"/>
-              </a:schemeClr>
-            </a:gs>
-            <a:gs pos="100000">
-              <a:schemeClr val="phClr">
-                <a:shade val="30000"/>
-                <a:satMod val="200000"/>
-              </a:schemeClr>
-            </a:gs>
-          </a:gsLst>
-          <a:path path="circle">
-            <a:fillToRect l="50000" t="50000" r="50000" b="50000"/>
-          </a:path>
-        </a:gradFill>
-      </a:bgFillStyleLst>
-    </a:fmtScheme>
-  </a:themeElements>
+  <a:objectDefaults/>
+  <a:extraClrSchemeLst/>
 </a:theme>
 </file>